--- a/Computer Science and Programming Languages/Control Statements and Structured Programming.pptx
+++ b/Computer Science and Programming Languages/Control Statements and Structured Programming.pptx
@@ -27,7 +27,7 @@
     <p:sldId id="260" r:id="rId21"/>
   </p:sldIdLst>
   <p:sldSz cx="12192000" cy="6858000"/>
-  <p:notesSz cx="6858000" cy="9144000"/>
+  <p:notesSz cx="6858000" cy="1276350"/>
   <p:defaultTextStyle>
     <a:defPPr>
       <a:defRPr lang="en-US"/>
@@ -125,7 +125,18 @@
   </p:defaultTextStyle>
   <p:extLst>
     <p:ext uri="{EFAFB233-063F-42B5-8137-9DF3F51BA10A}">
-      <p15:sldGuideLst xmlns:p15="http://schemas.microsoft.com/office/powerpoint/2012/main" xmlns=""/>
+      <p15:sldGuideLst xmlns="" xmlns:p15="http://schemas.microsoft.com/office/powerpoint/2012/main">
+        <p15:guide id="1" orient="horz" pos="2160">
+          <p15:clr>
+            <a:srgbClr val="A4A3A4"/>
+          </p15:clr>
+        </p15:guide>
+        <p15:guide id="2" pos="3840">
+          <p15:clr>
+            <a:srgbClr val="A4A3A4"/>
+          </p15:clr>
+        </p15:guide>
+      </p15:sldGuideLst>
     </p:ext>
   </p:extLst>
 </p:presentation>
@@ -136,6 +147,8 @@
   <p1510:revLst>
     <p1510:client id="{3A4AB02D-995F-4246-A90F-C026DC4E4B9C}" v="1" dt="2020-04-22T07:35:06.622"/>
     <p1510:client id="{3B649531-7DCD-40D0-89D7-7CAEAB820EE9}" v="466" dt="2020-04-21T16:17:04.677"/>
+    <p1510:client id="{3CF23B79-BAE2-3EED-BC9C-3CF08F365ADD}" v="1853" dt="2020-04-30T21:54:01.783"/>
+    <p1510:client id="{47A66B0C-C424-7CC7-A44D-559FB589B60C}" v="23" dt="2020-04-24T21:10:57.904"/>
     <p1510:client id="{63970148-12BB-4B06-A5A4-BA58B0AD48D6}" v="333" dt="2020-04-22T03:36:18.882"/>
     <p1510:client id="{A5771C48-1099-4F05-84EE-320CA637E68B}" v="315" dt="2020-04-22T06:24:00.886"/>
     <p1510:client id="{C2C6181F-95F9-4880-A86D-6E358A525EFA}" v="1033" dt="2020-04-22T11:12:01.934"/>
@@ -469,146 +482,6 @@
     </pc:docChg>
   </pc:docChgLst>
   <pc:docChgLst>
-    <pc:chgData name="Anil Erturk" userId="S::erturkanil@cityuniversity.edu::80c281f7-134a-4087-bac3-a00369bd339e" providerId="AD" clId="Web-{3A4AB02D-995F-4246-A90F-C026DC4E4B9C}"/>
-    <pc:docChg chg="addSld">
-      <pc:chgData name="Anil Erturk" userId="S::erturkanil@cityuniversity.edu::80c281f7-134a-4087-bac3-a00369bd339e" providerId="AD" clId="Web-{3A4AB02D-995F-4246-A90F-C026DC4E4B9C}" dt="2020-04-22T07:35:06.622" v="0"/>
-      <pc:docMkLst>
-        <pc:docMk/>
-      </pc:docMkLst>
-      <pc:sldChg chg="new">
-        <pc:chgData name="Anil Erturk" userId="S::erturkanil@cityuniversity.edu::80c281f7-134a-4087-bac3-a00369bd339e" providerId="AD" clId="Web-{3A4AB02D-995F-4246-A90F-C026DC4E4B9C}" dt="2020-04-22T07:35:06.622" v="0"/>
-        <pc:sldMkLst>
-          <pc:docMk/>
-          <pc:sldMk cId="4227475119" sldId="266"/>
-        </pc:sldMkLst>
-      </pc:sldChg>
-    </pc:docChg>
-  </pc:docChgLst>
-  <pc:docChgLst>
-    <pc:chgData name="Anil Erturk" userId="S::erturkanil@cityuniversity.edu::80c281f7-134a-4087-bac3-a00369bd339e" providerId="AD" clId="Web-{3B649531-7DCD-40D0-89D7-7CAEAB820EE9}"/>
-    <pc:docChg chg="addSld modSld">
-      <pc:chgData name="Anil Erturk" userId="S::erturkanil@cityuniversity.edu::80c281f7-134a-4087-bac3-a00369bd339e" providerId="AD" clId="Web-{3B649531-7DCD-40D0-89D7-7CAEAB820EE9}" dt="2020-04-21T16:17:04.677" v="460" actId="1076"/>
-      <pc:docMkLst>
-        <pc:docMk/>
-      </pc:docMkLst>
-      <pc:sldChg chg="modSp">
-        <pc:chgData name="Anil Erturk" userId="S::erturkanil@cityuniversity.edu::80c281f7-134a-4087-bac3-a00369bd339e" providerId="AD" clId="Web-{3B649531-7DCD-40D0-89D7-7CAEAB820EE9}" dt="2020-04-21T15:48:30.784" v="0" actId="20577"/>
-        <pc:sldMkLst>
-          <pc:docMk/>
-          <pc:sldMk cId="109857222" sldId="256"/>
-        </pc:sldMkLst>
-        <pc:spChg chg="mod">
-          <ac:chgData name="Anil Erturk" userId="S::erturkanil@cityuniversity.edu::80c281f7-134a-4087-bac3-a00369bd339e" providerId="AD" clId="Web-{3B649531-7DCD-40D0-89D7-7CAEAB820EE9}" dt="2020-04-21T15:48:30.784" v="0" actId="20577"/>
-          <ac:spMkLst>
-            <pc:docMk/>
-            <pc:sldMk cId="109857222" sldId="256"/>
-            <ac:spMk id="2" creationId="{00000000-0000-0000-0000-000000000000}"/>
-          </ac:spMkLst>
-        </pc:spChg>
-      </pc:sldChg>
-      <pc:sldChg chg="addSp delSp modSp new">
-        <pc:chgData name="Anil Erturk" userId="S::erturkanil@cityuniversity.edu::80c281f7-134a-4087-bac3-a00369bd339e" providerId="AD" clId="Web-{3B649531-7DCD-40D0-89D7-7CAEAB820EE9}" dt="2020-04-21T15:57:54.035" v="69" actId="1076"/>
-        <pc:sldMkLst>
-          <pc:docMk/>
-          <pc:sldMk cId="1879475017" sldId="257"/>
-        </pc:sldMkLst>
-        <pc:spChg chg="add mod">
-          <ac:chgData name="Anil Erturk" userId="S::erturkanil@cityuniversity.edu::80c281f7-134a-4087-bac3-a00369bd339e" providerId="AD" clId="Web-{3B649531-7DCD-40D0-89D7-7CAEAB820EE9}" dt="2020-04-21T15:57:54.035" v="69" actId="1076"/>
-          <ac:spMkLst>
-            <pc:docMk/>
-            <pc:sldMk cId="1879475017" sldId="257"/>
-            <ac:spMk id="4" creationId="{C9F9A42D-CF40-4898-972C-385FDF42F53B}"/>
-          </ac:spMkLst>
-        </pc:spChg>
-        <pc:picChg chg="add del mod">
-          <ac:chgData name="Anil Erturk" userId="S::erturkanil@cityuniversity.edu::80c281f7-134a-4087-bac3-a00369bd339e" providerId="AD" clId="Web-{3B649531-7DCD-40D0-89D7-7CAEAB820EE9}" dt="2020-04-21T15:50:16.256" v="15"/>
-          <ac:picMkLst>
-            <pc:docMk/>
-            <pc:sldMk cId="1879475017" sldId="257"/>
-            <ac:picMk id="2" creationId="{7B336522-0EEB-448C-AB3E-4FCEA405CE84}"/>
-          </ac:picMkLst>
-        </pc:picChg>
-        <pc:picChg chg="add mod">
-          <ac:chgData name="Anil Erturk" userId="S::erturkanil@cityuniversity.edu::80c281f7-134a-4087-bac3-a00369bd339e" providerId="AD" clId="Web-{3B649531-7DCD-40D0-89D7-7CAEAB820EE9}" dt="2020-04-21T15:57:45.456" v="68" actId="1076"/>
-          <ac:picMkLst>
-            <pc:docMk/>
-            <pc:sldMk cId="1879475017" sldId="257"/>
-            <ac:picMk id="5" creationId="{E9964812-D391-4E7B-BAF3-91BE382E814D}"/>
-          </ac:picMkLst>
-        </pc:picChg>
-      </pc:sldChg>
-      <pc:sldChg chg="addSp modSp new">
-        <pc:chgData name="Anil Erturk" userId="S::erturkanil@cityuniversity.edu::80c281f7-134a-4087-bac3-a00369bd339e" providerId="AD" clId="Web-{3B649531-7DCD-40D0-89D7-7CAEAB820EE9}" dt="2020-04-21T15:58:02.113" v="70" actId="1076"/>
-        <pc:sldMkLst>
-          <pc:docMk/>
-          <pc:sldMk cId="3295789589" sldId="258"/>
-        </pc:sldMkLst>
-        <pc:spChg chg="add mod">
-          <ac:chgData name="Anil Erturk" userId="S::erturkanil@cityuniversity.edu::80c281f7-134a-4087-bac3-a00369bd339e" providerId="AD" clId="Web-{3B649531-7DCD-40D0-89D7-7CAEAB820EE9}" dt="2020-04-21T15:58:02.113" v="70" actId="1076"/>
-          <ac:spMkLst>
-            <pc:docMk/>
-            <pc:sldMk cId="3295789589" sldId="258"/>
-            <ac:spMk id="2" creationId="{AC9D9025-481A-4D9C-B550-99670F8B0B0B}"/>
-          </ac:spMkLst>
-        </pc:spChg>
-        <pc:picChg chg="add mod">
-          <ac:chgData name="Anil Erturk" userId="S::erturkanil@cityuniversity.edu::80c281f7-134a-4087-bac3-a00369bd339e" providerId="AD" clId="Web-{3B649531-7DCD-40D0-89D7-7CAEAB820EE9}" dt="2020-04-21T15:57:42.253" v="67" actId="1076"/>
-          <ac:picMkLst>
-            <pc:docMk/>
-            <pc:sldMk cId="3295789589" sldId="258"/>
-            <ac:picMk id="3" creationId="{596A6606-08DA-4099-A552-1C5F56691CD1}"/>
-          </ac:picMkLst>
-        </pc:picChg>
-      </pc:sldChg>
-      <pc:sldChg chg="addSp modSp new">
-        <pc:chgData name="Anil Erturk" userId="S::erturkanil@cityuniversity.edu::80c281f7-134a-4087-bac3-a00369bd339e" providerId="AD" clId="Web-{3B649531-7DCD-40D0-89D7-7CAEAB820EE9}" dt="2020-04-21T16:02:45.871" v="313" actId="20577"/>
-        <pc:sldMkLst>
-          <pc:docMk/>
-          <pc:sldMk cId="4163383078" sldId="259"/>
-        </pc:sldMkLst>
-        <pc:spChg chg="add mod">
-          <ac:chgData name="Anil Erturk" userId="S::erturkanil@cityuniversity.edu::80c281f7-134a-4087-bac3-a00369bd339e" providerId="AD" clId="Web-{3B649531-7DCD-40D0-89D7-7CAEAB820EE9}" dt="2020-04-21T16:02:33.621" v="312" actId="14100"/>
-          <ac:spMkLst>
-            <pc:docMk/>
-            <pc:sldMk cId="4163383078" sldId="259"/>
-            <ac:spMk id="2" creationId="{9CD3FEB1-8951-4DB2-A5AB-8B456B28BA81}"/>
-          </ac:spMkLst>
-        </pc:spChg>
-        <pc:spChg chg="add mod">
-          <ac:chgData name="Anil Erturk" userId="S::erturkanil@cityuniversity.edu::80c281f7-134a-4087-bac3-a00369bd339e" providerId="AD" clId="Web-{3B649531-7DCD-40D0-89D7-7CAEAB820EE9}" dt="2020-04-21T16:02:45.871" v="313" actId="20577"/>
-          <ac:spMkLst>
-            <pc:docMk/>
-            <pc:sldMk cId="4163383078" sldId="259"/>
-            <ac:spMk id="3" creationId="{886780A3-8E5A-49BA-99A1-A4A6A5572324}"/>
-          </ac:spMkLst>
-        </pc:spChg>
-      </pc:sldChg>
-      <pc:sldChg chg="addSp modSp new mod setBg">
-        <pc:chgData name="Anil Erturk" userId="S::erturkanil@cityuniversity.edu::80c281f7-134a-4087-bac3-a00369bd339e" providerId="AD" clId="Web-{3B649531-7DCD-40D0-89D7-7CAEAB820EE9}" dt="2020-04-21T16:17:04.677" v="460" actId="1076"/>
-        <pc:sldMkLst>
-          <pc:docMk/>
-          <pc:sldMk cId="3104201984" sldId="260"/>
-        </pc:sldMkLst>
-        <pc:spChg chg="add mod">
-          <ac:chgData name="Anil Erturk" userId="S::erturkanil@cityuniversity.edu::80c281f7-134a-4087-bac3-a00369bd339e" providerId="AD" clId="Web-{3B649531-7DCD-40D0-89D7-7CAEAB820EE9}" dt="2020-04-21T16:17:04.677" v="460" actId="1076"/>
-          <ac:spMkLst>
-            <pc:docMk/>
-            <pc:sldMk cId="3104201984" sldId="260"/>
-            <ac:spMk id="4" creationId="{1B2D08B3-AC25-4E37-8176-92AA9AA4DEB4}"/>
-          </ac:spMkLst>
-        </pc:spChg>
-        <pc:picChg chg="add mod">
-          <ac:chgData name="Anil Erturk" userId="S::erturkanil@cityuniversity.edu::80c281f7-134a-4087-bac3-a00369bd339e" providerId="AD" clId="Web-{3B649531-7DCD-40D0-89D7-7CAEAB820EE9}" dt="2020-04-21T16:03:46.842" v="319" actId="1076"/>
-          <ac:picMkLst>
-            <pc:docMk/>
-            <pc:sldMk cId="3104201984" sldId="260"/>
-            <ac:picMk id="2" creationId="{D1EEAFB4-DDFB-42CA-8D94-BE7B084966E2}"/>
-          </ac:picMkLst>
-        </pc:picChg>
-      </pc:sldChg>
-    </pc:docChg>
-  </pc:docChgLst>
-  <pc:docChgLst>
     <pc:chgData name="Anil Erturk" userId="S::erturkanil@cityuniversity.edu::80c281f7-134a-4087-bac3-a00369bd339e" providerId="AD" clId="Web-{A5771C48-1099-4F05-84EE-320CA637E68B}"/>
     <pc:docChg chg="addSld modSld">
       <pc:chgData name="Anil Erturk" userId="S::erturkanil@cityuniversity.edu::80c281f7-134a-4087-bac3-a00369bd339e" providerId="AD" clId="Web-{A5771C48-1099-4F05-84EE-320CA637E68B}" dt="2020-04-22T06:23:58.401" v="298" actId="20577"/>
@@ -794,96 +667,136 @@
     </pc:docChg>
   </pc:docChgLst>
   <pc:docChgLst>
-    <pc:chgData name="Anil Erturk" userId="S::erturkanil@cityuniversity.edu::80c281f7-134a-4087-bac3-a00369bd339e" providerId="AD" clId="Web-{63970148-12BB-4B06-A5A4-BA58B0AD48D6}"/>
-    <pc:docChg chg="addSld modSld">
-      <pc:chgData name="Anil Erturk" userId="S::erturkanil@cityuniversity.edu::80c281f7-134a-4087-bac3-a00369bd339e" providerId="AD" clId="Web-{63970148-12BB-4B06-A5A4-BA58B0AD48D6}" dt="2020-04-22T03:36:18.882" v="330" actId="14100"/>
+    <pc:chgData name="Anil Erturk" userId="S::erturkanil@cityuniversity.edu::80c281f7-134a-4087-bac3-a00369bd339e" providerId="AD" clId="Web-{3A4AB02D-995F-4246-A90F-C026DC4E4B9C}"/>
+    <pc:docChg chg="addSld">
+      <pc:chgData name="Anil Erturk" userId="S::erturkanil@cityuniversity.edu::80c281f7-134a-4087-bac3-a00369bd339e" providerId="AD" clId="Web-{3A4AB02D-995F-4246-A90F-C026DC4E4B9C}" dt="2020-04-22T07:35:06.622" v="0"/>
       <pc:docMkLst>
         <pc:docMk/>
       </pc:docMkLst>
-      <pc:sldChg chg="delSp">
-        <pc:chgData name="Anil Erturk" userId="S::erturkanil@cityuniversity.edu::80c281f7-134a-4087-bac3-a00369bd339e" providerId="AD" clId="Web-{63970148-12BB-4B06-A5A4-BA58B0AD48D6}" dt="2020-04-22T02:50:07.749" v="0"/>
+      <pc:sldChg chg="new">
+        <pc:chgData name="Anil Erturk" userId="S::erturkanil@cityuniversity.edu::80c281f7-134a-4087-bac3-a00369bd339e" providerId="AD" clId="Web-{3A4AB02D-995F-4246-A90F-C026DC4E4B9C}" dt="2020-04-22T07:35:06.622" v="0"/>
+        <pc:sldMkLst>
+          <pc:docMk/>
+          <pc:sldMk cId="4227475119" sldId="266"/>
+        </pc:sldMkLst>
+      </pc:sldChg>
+    </pc:docChg>
+  </pc:docChgLst>
+  <pc:docChgLst>
+    <pc:chgData name="Anil Erturk" userId="S::erturkanil@cityuniversity.edu::80c281f7-134a-4087-bac3-a00369bd339e" providerId="AD" clId="Web-{3B649531-7DCD-40D0-89D7-7CAEAB820EE9}"/>
+    <pc:docChg chg="addSld modSld">
+      <pc:chgData name="Anil Erturk" userId="S::erturkanil@cityuniversity.edu::80c281f7-134a-4087-bac3-a00369bd339e" providerId="AD" clId="Web-{3B649531-7DCD-40D0-89D7-7CAEAB820EE9}" dt="2020-04-21T16:17:04.677" v="460" actId="1076"/>
+      <pc:docMkLst>
+        <pc:docMk/>
+      </pc:docMkLst>
+      <pc:sldChg chg="modSp">
+        <pc:chgData name="Anil Erturk" userId="S::erturkanil@cityuniversity.edu::80c281f7-134a-4087-bac3-a00369bd339e" providerId="AD" clId="Web-{3B649531-7DCD-40D0-89D7-7CAEAB820EE9}" dt="2020-04-21T15:48:30.784" v="0" actId="20577"/>
         <pc:sldMkLst>
           <pc:docMk/>
           <pc:sldMk cId="109857222" sldId="256"/>
         </pc:sldMkLst>
-        <pc:spChg chg="del">
-          <ac:chgData name="Anil Erturk" userId="S::erturkanil@cityuniversity.edu::80c281f7-134a-4087-bac3-a00369bd339e" providerId="AD" clId="Web-{63970148-12BB-4B06-A5A4-BA58B0AD48D6}" dt="2020-04-22T02:50:07.749" v="0"/>
+        <pc:spChg chg="mod">
+          <ac:chgData name="Anil Erturk" userId="S::erturkanil@cityuniversity.edu::80c281f7-134a-4087-bac3-a00369bd339e" providerId="AD" clId="Web-{3B649531-7DCD-40D0-89D7-7CAEAB820EE9}" dt="2020-04-21T15:48:30.784" v="0" actId="20577"/>
           <ac:spMkLst>
             <pc:docMk/>
             <pc:sldMk cId="109857222" sldId="256"/>
-            <ac:spMk id="3" creationId="{00000000-0000-0000-0000-000000000000}"/>
+            <ac:spMk id="2" creationId="{00000000-0000-0000-0000-000000000000}"/>
           </ac:spMkLst>
         </pc:spChg>
       </pc:sldChg>
-      <pc:sldChg chg="modSp">
-        <pc:chgData name="Anil Erturk" userId="S::erturkanil@cityuniversity.edu::80c281f7-134a-4087-bac3-a00369bd339e" providerId="AD" clId="Web-{63970148-12BB-4B06-A5A4-BA58B0AD48D6}" dt="2020-04-22T03:12:57.902" v="105" actId="20577"/>
+      <pc:sldChg chg="addSp delSp modSp new">
+        <pc:chgData name="Anil Erturk" userId="S::erturkanil@cityuniversity.edu::80c281f7-134a-4087-bac3-a00369bd339e" providerId="AD" clId="Web-{3B649531-7DCD-40D0-89D7-7CAEAB820EE9}" dt="2020-04-21T15:57:54.035" v="69" actId="1076"/>
         <pc:sldMkLst>
           <pc:docMk/>
           <pc:sldMk cId="1879475017" sldId="257"/>
         </pc:sldMkLst>
-        <pc:spChg chg="mod">
-          <ac:chgData name="Anil Erturk" userId="S::erturkanil@cityuniversity.edu::80c281f7-134a-4087-bac3-a00369bd339e" providerId="AD" clId="Web-{63970148-12BB-4B06-A5A4-BA58B0AD48D6}" dt="2020-04-22T03:12:57.902" v="105" actId="20577"/>
+        <pc:spChg chg="add mod">
+          <ac:chgData name="Anil Erturk" userId="S::erturkanil@cityuniversity.edu::80c281f7-134a-4087-bac3-a00369bd339e" providerId="AD" clId="Web-{3B649531-7DCD-40D0-89D7-7CAEAB820EE9}" dt="2020-04-21T15:57:54.035" v="69" actId="1076"/>
           <ac:spMkLst>
             <pc:docMk/>
             <pc:sldMk cId="1879475017" sldId="257"/>
             <ac:spMk id="4" creationId="{C9F9A42D-CF40-4898-972C-385FDF42F53B}"/>
           </ac:spMkLst>
         </pc:spChg>
+        <pc:picChg chg="add del mod">
+          <ac:chgData name="Anil Erturk" userId="S::erturkanil@cityuniversity.edu::80c281f7-134a-4087-bac3-a00369bd339e" providerId="AD" clId="Web-{3B649531-7DCD-40D0-89D7-7CAEAB820EE9}" dt="2020-04-21T15:50:16.256" v="15"/>
+          <ac:picMkLst>
+            <pc:docMk/>
+            <pc:sldMk cId="1879475017" sldId="257"/>
+            <ac:picMk id="2" creationId="{7B336522-0EEB-448C-AB3E-4FCEA405CE84}"/>
+          </ac:picMkLst>
+        </pc:picChg>
+        <pc:picChg chg="add mod">
+          <ac:chgData name="Anil Erturk" userId="S::erturkanil@cityuniversity.edu::80c281f7-134a-4087-bac3-a00369bd339e" providerId="AD" clId="Web-{3B649531-7DCD-40D0-89D7-7CAEAB820EE9}" dt="2020-04-21T15:57:45.456" v="68" actId="1076"/>
+          <ac:picMkLst>
+            <pc:docMk/>
+            <pc:sldMk cId="1879475017" sldId="257"/>
+            <ac:picMk id="5" creationId="{E9964812-D391-4E7B-BAF3-91BE382E814D}"/>
+          </ac:picMkLst>
+        </pc:picChg>
       </pc:sldChg>
-      <pc:sldChg chg="modSp">
-        <pc:chgData name="Anil Erturk" userId="S::erturkanil@cityuniversity.edu::80c281f7-134a-4087-bac3-a00369bd339e" providerId="AD" clId="Web-{63970148-12BB-4B06-A5A4-BA58B0AD48D6}" dt="2020-04-22T03:35:47.569" v="326" actId="1076"/>
+      <pc:sldChg chg="addSp modSp new">
+        <pc:chgData name="Anil Erturk" userId="S::erturkanil@cityuniversity.edu::80c281f7-134a-4087-bac3-a00369bd339e" providerId="AD" clId="Web-{3B649531-7DCD-40D0-89D7-7CAEAB820EE9}" dt="2020-04-21T15:58:02.113" v="70" actId="1076"/>
         <pc:sldMkLst>
           <pc:docMk/>
           <pc:sldMk cId="3295789589" sldId="258"/>
         </pc:sldMkLst>
-        <pc:spChg chg="mod">
-          <ac:chgData name="Anil Erturk" userId="S::erturkanil@cityuniversity.edu::80c281f7-134a-4087-bac3-a00369bd339e" providerId="AD" clId="Web-{63970148-12BB-4B06-A5A4-BA58B0AD48D6}" dt="2020-04-22T03:35:47.569" v="326" actId="1076"/>
+        <pc:spChg chg="add mod">
+          <ac:chgData name="Anil Erturk" userId="S::erturkanil@cityuniversity.edu::80c281f7-134a-4087-bac3-a00369bd339e" providerId="AD" clId="Web-{3B649531-7DCD-40D0-89D7-7CAEAB820EE9}" dt="2020-04-21T15:58:02.113" v="70" actId="1076"/>
           <ac:spMkLst>
             <pc:docMk/>
             <pc:sldMk cId="3295789589" sldId="258"/>
             <ac:spMk id="2" creationId="{AC9D9025-481A-4D9C-B550-99670F8B0B0B}"/>
           </ac:spMkLst>
         </pc:spChg>
+        <pc:picChg chg="add mod">
+          <ac:chgData name="Anil Erturk" userId="S::erturkanil@cityuniversity.edu::80c281f7-134a-4087-bac3-a00369bd339e" providerId="AD" clId="Web-{3B649531-7DCD-40D0-89D7-7CAEAB820EE9}" dt="2020-04-21T15:57:42.253" v="67" actId="1076"/>
+          <ac:picMkLst>
+            <pc:docMk/>
+            <pc:sldMk cId="3295789589" sldId="258"/>
+            <ac:picMk id="3" creationId="{596A6606-08DA-4099-A552-1C5F56691CD1}"/>
+          </ac:picMkLst>
+        </pc:picChg>
       </pc:sldChg>
-      <pc:sldChg chg="addSp modSp">
-        <pc:chgData name="Anil Erturk" userId="S::erturkanil@cityuniversity.edu::80c281f7-134a-4087-bac3-a00369bd339e" providerId="AD" clId="Web-{63970148-12BB-4B06-A5A4-BA58B0AD48D6}" dt="2020-04-22T03:35:56.289" v="328" actId="1076"/>
+      <pc:sldChg chg="addSp modSp new">
+        <pc:chgData name="Anil Erturk" userId="S::erturkanil@cityuniversity.edu::80c281f7-134a-4087-bac3-a00369bd339e" providerId="AD" clId="Web-{3B649531-7DCD-40D0-89D7-7CAEAB820EE9}" dt="2020-04-21T16:02:45.871" v="313" actId="20577"/>
         <pc:sldMkLst>
           <pc:docMk/>
           <pc:sldMk cId="4163383078" sldId="259"/>
         </pc:sldMkLst>
-        <pc:spChg chg="mod">
-          <ac:chgData name="Anil Erturk" userId="S::erturkanil@cityuniversity.edu::80c281f7-134a-4087-bac3-a00369bd339e" providerId="AD" clId="Web-{63970148-12BB-4B06-A5A4-BA58B0AD48D6}" dt="2020-04-22T03:35:52.038" v="327" actId="1076"/>
+        <pc:spChg chg="add mod">
+          <ac:chgData name="Anil Erturk" userId="S::erturkanil@cityuniversity.edu::80c281f7-134a-4087-bac3-a00369bd339e" providerId="AD" clId="Web-{3B649531-7DCD-40D0-89D7-7CAEAB820EE9}" dt="2020-04-21T16:02:33.621" v="312" actId="14100"/>
           <ac:spMkLst>
             <pc:docMk/>
             <pc:sldMk cId="4163383078" sldId="259"/>
             <ac:spMk id="2" creationId="{9CD3FEB1-8951-4DB2-A5AB-8B456B28BA81}"/>
           </ac:spMkLst>
         </pc:spChg>
-        <pc:spChg chg="mod">
-          <ac:chgData name="Anil Erturk" userId="S::erturkanil@cityuniversity.edu::80c281f7-134a-4087-bac3-a00369bd339e" providerId="AD" clId="Web-{63970148-12BB-4B06-A5A4-BA58B0AD48D6}" dt="2020-04-22T03:35:56.289" v="328" actId="1076"/>
+        <pc:spChg chg="add mod">
+          <ac:chgData name="Anil Erturk" userId="S::erturkanil@cityuniversity.edu::80c281f7-134a-4087-bac3-a00369bd339e" providerId="AD" clId="Web-{3B649531-7DCD-40D0-89D7-7CAEAB820EE9}" dt="2020-04-21T16:02:45.871" v="313" actId="20577"/>
           <ac:spMkLst>
             <pc:docMk/>
             <pc:sldMk cId="4163383078" sldId="259"/>
             <ac:spMk id="3" creationId="{886780A3-8E5A-49BA-99A1-A4A6A5572324}"/>
           </ac:spMkLst>
         </pc:spChg>
-        <pc:picChg chg="add mod">
-          <ac:chgData name="Anil Erturk" userId="S::erturkanil@cityuniversity.edu::80c281f7-134a-4087-bac3-a00369bd339e" providerId="AD" clId="Web-{63970148-12BB-4B06-A5A4-BA58B0AD48D6}" dt="2020-04-22T02:59:21.891" v="92" actId="1076"/>
-          <ac:picMkLst>
-            <pc:docMk/>
-            <pc:sldMk cId="4163383078" sldId="259"/>
-            <ac:picMk id="4" creationId="{BAC03C9B-7B13-4D3F-85D2-2E7056A400E7}"/>
-          </ac:picMkLst>
-        </pc:picChg>
       </pc:sldChg>
-      <pc:sldChg chg="modSp">
-        <pc:chgData name="Anil Erturk" userId="S::erturkanil@cityuniversity.edu::80c281f7-134a-4087-bac3-a00369bd339e" providerId="AD" clId="Web-{63970148-12BB-4B06-A5A4-BA58B0AD48D6}" dt="2020-04-22T03:05:16.682" v="102" actId="1076"/>
+      <pc:sldChg chg="addSp modSp new mod setBg">
+        <pc:chgData name="Anil Erturk" userId="S::erturkanil@cityuniversity.edu::80c281f7-134a-4087-bac3-a00369bd339e" providerId="AD" clId="Web-{3B649531-7DCD-40D0-89D7-7CAEAB820EE9}" dt="2020-04-21T16:17:04.677" v="460" actId="1076"/>
         <pc:sldMkLst>
           <pc:docMk/>
           <pc:sldMk cId="3104201984" sldId="260"/>
         </pc:sldMkLst>
-        <pc:picChg chg="mod">
-          <ac:chgData name="Anil Erturk" userId="S::erturkanil@cityuniversity.edu::80c281f7-134a-4087-bac3-a00369bd339e" providerId="AD" clId="Web-{63970148-12BB-4B06-A5A4-BA58B0AD48D6}" dt="2020-04-22T03:05:16.682" v="102" actId="1076"/>
+        <pc:spChg chg="add mod">
+          <ac:chgData name="Anil Erturk" userId="S::erturkanil@cityuniversity.edu::80c281f7-134a-4087-bac3-a00369bd339e" providerId="AD" clId="Web-{3B649531-7DCD-40D0-89D7-7CAEAB820EE9}" dt="2020-04-21T16:17:04.677" v="460" actId="1076"/>
+          <ac:spMkLst>
+            <pc:docMk/>
+            <pc:sldMk cId="3104201984" sldId="260"/>
+            <ac:spMk id="4" creationId="{1B2D08B3-AC25-4E37-8176-92AA9AA4DEB4}"/>
+          </ac:spMkLst>
+        </pc:spChg>
+        <pc:picChg chg="add mod">
+          <ac:chgData name="Anil Erturk" userId="S::erturkanil@cityuniversity.edu::80c281f7-134a-4087-bac3-a00369bd339e" providerId="AD" clId="Web-{3B649531-7DCD-40D0-89D7-7CAEAB820EE9}" dt="2020-04-21T16:03:46.842" v="319" actId="1076"/>
           <ac:picMkLst>
             <pc:docMk/>
             <pc:sldMk cId="3104201984" sldId="260"/>
@@ -891,41 +804,42 @@
           </ac:picMkLst>
         </pc:picChg>
       </pc:sldChg>
-      <pc:sldChg chg="addSp modSp new">
-        <pc:chgData name="Anil Erturk" userId="S::erturkanil@cityuniversity.edu::80c281f7-134a-4087-bac3-a00369bd339e" providerId="AD" clId="Web-{63970148-12BB-4B06-A5A4-BA58B0AD48D6}" dt="2020-04-22T03:35:59.788" v="329" actId="1076"/>
+    </pc:docChg>
+  </pc:docChgLst>
+  <pc:docChgLst>
+    <pc:chgData name="Anil Erturk" userId="S::erturkanil@cityuniversity.edu::80c281f7-134a-4087-bac3-a00369bd339e" providerId="AD" clId="Web-{3CF23B79-BAE2-3EED-BC9C-3CF08F365ADD}"/>
+    <pc:docChg chg="addSld delSld modSld">
+      <pc:chgData name="Anil Erturk" userId="S::erturkanil@cityuniversity.edu::80c281f7-134a-4087-bac3-a00369bd339e" providerId="AD" clId="Web-{3CF23B79-BAE2-3EED-BC9C-3CF08F365ADD}" dt="2020-04-30T21:54:01.627" v="1842" actId="20577"/>
+      <pc:docMkLst>
+        <pc:docMk/>
+      </pc:docMkLst>
+      <pc:sldChg chg="modSp">
+        <pc:chgData name="Anil Erturk" userId="S::erturkanil@cityuniversity.edu::80c281f7-134a-4087-bac3-a00369bd339e" providerId="AD" clId="Web-{3CF23B79-BAE2-3EED-BC9C-3CF08F365ADD}" dt="2020-04-30T21:54:01.064" v="1840" actId="20577"/>
         <pc:sldMkLst>
           <pc:docMk/>
-          <pc:sldMk cId="2940419379" sldId="261"/>
+          <pc:sldMk cId="1434861123" sldId="272"/>
+        </pc:sldMkLst>
+        <pc:spChg chg="mod">
+          <ac:chgData name="Anil Erturk" userId="S::erturkanil@cityuniversity.edu::80c281f7-134a-4087-bac3-a00369bd339e" providerId="AD" clId="Web-{3CF23B79-BAE2-3EED-BC9C-3CF08F365ADD}" dt="2020-04-30T21:54:01.064" v="1840" actId="20577"/>
+          <ac:spMkLst>
+            <pc:docMk/>
+            <pc:sldMk cId="1434861123" sldId="272"/>
+            <ac:spMk id="2" creationId="{74FDFD95-DDDD-4A71-9F63-4EFBF92D9ED2}"/>
+          </ac:spMkLst>
+        </pc:spChg>
+      </pc:sldChg>
+      <pc:sldChg chg="addSp modSp new del">
+        <pc:chgData name="Anil Erturk" userId="S::erturkanil@cityuniversity.edu::80c281f7-134a-4087-bac3-a00369bd339e" providerId="AD" clId="Web-{3CF23B79-BAE2-3EED-BC9C-3CF08F365ADD}" dt="2020-04-30T21:53:48.360" v="1831"/>
+        <pc:sldMkLst>
+          <pc:docMk/>
+          <pc:sldMk cId="2188074573" sldId="273"/>
         </pc:sldMkLst>
         <pc:spChg chg="add mod">
-          <ac:chgData name="Anil Erturk" userId="S::erturkanil@cityuniversity.edu::80c281f7-134a-4087-bac3-a00369bd339e" providerId="AD" clId="Web-{63970148-12BB-4B06-A5A4-BA58B0AD48D6}" dt="2020-04-22T03:35:59.788" v="329" actId="1076"/>
+          <ac:chgData name="Anil Erturk" userId="S::erturkanil@cityuniversity.edu::80c281f7-134a-4087-bac3-a00369bd339e" providerId="AD" clId="Web-{3CF23B79-BAE2-3EED-BC9C-3CF08F365ADD}" dt="2020-04-30T21:53:30.453" v="1681" actId="20577"/>
           <ac:spMkLst>
             <pc:docMk/>
-            <pc:sldMk cId="2940419379" sldId="261"/>
-            <ac:spMk id="2" creationId="{2D64C06F-1812-4699-B389-DD2B4602AE25}"/>
-          </ac:spMkLst>
-        </pc:spChg>
-        <pc:picChg chg="add mod">
-          <ac:chgData name="Anil Erturk" userId="S::erturkanil@cityuniversity.edu::80c281f7-134a-4087-bac3-a00369bd339e" providerId="AD" clId="Web-{63970148-12BB-4B06-A5A4-BA58B0AD48D6}" dt="2020-04-22T03:35:30.335" v="323" actId="14100"/>
-          <ac:picMkLst>
-            <pc:docMk/>
-            <pc:sldMk cId="2940419379" sldId="261"/>
-            <ac:picMk id="3" creationId="{6C45F823-5225-4161-963F-0B818577829A}"/>
-          </ac:picMkLst>
-        </pc:picChg>
-      </pc:sldChg>
-      <pc:sldChg chg="addSp modSp new">
-        <pc:chgData name="Anil Erturk" userId="S::erturkanil@cityuniversity.edu::80c281f7-134a-4087-bac3-a00369bd339e" providerId="AD" clId="Web-{63970148-12BB-4B06-A5A4-BA58B0AD48D6}" dt="2020-04-22T03:36:18.882" v="330" actId="14100"/>
-        <pc:sldMkLst>
-          <pc:docMk/>
-          <pc:sldMk cId="4121473941" sldId="262"/>
-        </pc:sldMkLst>
-        <pc:spChg chg="add mod">
-          <ac:chgData name="Anil Erturk" userId="S::erturkanil@cityuniversity.edu::80c281f7-134a-4087-bac3-a00369bd339e" providerId="AD" clId="Web-{63970148-12BB-4B06-A5A4-BA58B0AD48D6}" dt="2020-04-22T03:36:18.882" v="330" actId="14100"/>
-          <ac:spMkLst>
-            <pc:docMk/>
-            <pc:sldMk cId="4121473941" sldId="262"/>
-            <ac:spMk id="2" creationId="{9DFD9F06-DA17-40FA-AE6F-BB8A3785E3BB}"/>
+            <pc:sldMk cId="2188074573" sldId="273"/>
+            <ac:spMk id="2" creationId="{A992F1F8-01B3-4856-BD1B-F1862D29D298}"/>
           </ac:spMkLst>
         </pc:spChg>
       </pc:sldChg>
@@ -1095,6 +1009,241 @@
       </pc:sldChg>
     </pc:docChg>
   </pc:docChgLst>
+  <pc:docChgLst>
+    <pc:chgData name="Anil Erturk" userId="S::erturkanil@cityuniversity.edu::80c281f7-134a-4087-bac3-a00369bd339e" providerId="AD" clId="Web-{63970148-12BB-4B06-A5A4-BA58B0AD48D6}"/>
+    <pc:docChg chg="addSld modSld">
+      <pc:chgData name="Anil Erturk" userId="S::erturkanil@cityuniversity.edu::80c281f7-134a-4087-bac3-a00369bd339e" providerId="AD" clId="Web-{63970148-12BB-4B06-A5A4-BA58B0AD48D6}" dt="2020-04-22T03:36:18.882" v="330" actId="14100"/>
+      <pc:docMkLst>
+        <pc:docMk/>
+      </pc:docMkLst>
+      <pc:sldChg chg="delSp">
+        <pc:chgData name="Anil Erturk" userId="S::erturkanil@cityuniversity.edu::80c281f7-134a-4087-bac3-a00369bd339e" providerId="AD" clId="Web-{63970148-12BB-4B06-A5A4-BA58B0AD48D6}" dt="2020-04-22T02:50:07.749" v="0"/>
+        <pc:sldMkLst>
+          <pc:docMk/>
+          <pc:sldMk cId="109857222" sldId="256"/>
+        </pc:sldMkLst>
+        <pc:spChg chg="del">
+          <ac:chgData name="Anil Erturk" userId="S::erturkanil@cityuniversity.edu::80c281f7-134a-4087-bac3-a00369bd339e" providerId="AD" clId="Web-{63970148-12BB-4B06-A5A4-BA58B0AD48D6}" dt="2020-04-22T02:50:07.749" v="0"/>
+          <ac:spMkLst>
+            <pc:docMk/>
+            <pc:sldMk cId="109857222" sldId="256"/>
+            <ac:spMk id="3" creationId="{00000000-0000-0000-0000-000000000000}"/>
+          </ac:spMkLst>
+        </pc:spChg>
+      </pc:sldChg>
+      <pc:sldChg chg="modSp">
+        <pc:chgData name="Anil Erturk" userId="S::erturkanil@cityuniversity.edu::80c281f7-134a-4087-bac3-a00369bd339e" providerId="AD" clId="Web-{63970148-12BB-4B06-A5A4-BA58B0AD48D6}" dt="2020-04-22T03:12:57.902" v="105" actId="20577"/>
+        <pc:sldMkLst>
+          <pc:docMk/>
+          <pc:sldMk cId="1879475017" sldId="257"/>
+        </pc:sldMkLst>
+        <pc:spChg chg="mod">
+          <ac:chgData name="Anil Erturk" userId="S::erturkanil@cityuniversity.edu::80c281f7-134a-4087-bac3-a00369bd339e" providerId="AD" clId="Web-{63970148-12BB-4B06-A5A4-BA58B0AD48D6}" dt="2020-04-22T03:12:57.902" v="105" actId="20577"/>
+          <ac:spMkLst>
+            <pc:docMk/>
+            <pc:sldMk cId="1879475017" sldId="257"/>
+            <ac:spMk id="4" creationId="{C9F9A42D-CF40-4898-972C-385FDF42F53B}"/>
+          </ac:spMkLst>
+        </pc:spChg>
+      </pc:sldChg>
+      <pc:sldChg chg="modSp">
+        <pc:chgData name="Anil Erturk" userId="S::erturkanil@cityuniversity.edu::80c281f7-134a-4087-bac3-a00369bd339e" providerId="AD" clId="Web-{63970148-12BB-4B06-A5A4-BA58B0AD48D6}" dt="2020-04-22T03:35:47.569" v="326" actId="1076"/>
+        <pc:sldMkLst>
+          <pc:docMk/>
+          <pc:sldMk cId="3295789589" sldId="258"/>
+        </pc:sldMkLst>
+        <pc:spChg chg="mod">
+          <ac:chgData name="Anil Erturk" userId="S::erturkanil@cityuniversity.edu::80c281f7-134a-4087-bac3-a00369bd339e" providerId="AD" clId="Web-{63970148-12BB-4B06-A5A4-BA58B0AD48D6}" dt="2020-04-22T03:35:47.569" v="326" actId="1076"/>
+          <ac:spMkLst>
+            <pc:docMk/>
+            <pc:sldMk cId="3295789589" sldId="258"/>
+            <ac:spMk id="2" creationId="{AC9D9025-481A-4D9C-B550-99670F8B0B0B}"/>
+          </ac:spMkLst>
+        </pc:spChg>
+      </pc:sldChg>
+      <pc:sldChg chg="addSp modSp">
+        <pc:chgData name="Anil Erturk" userId="S::erturkanil@cityuniversity.edu::80c281f7-134a-4087-bac3-a00369bd339e" providerId="AD" clId="Web-{63970148-12BB-4B06-A5A4-BA58B0AD48D6}" dt="2020-04-22T03:35:56.289" v="328" actId="1076"/>
+        <pc:sldMkLst>
+          <pc:docMk/>
+          <pc:sldMk cId="4163383078" sldId="259"/>
+        </pc:sldMkLst>
+        <pc:spChg chg="mod">
+          <ac:chgData name="Anil Erturk" userId="S::erturkanil@cityuniversity.edu::80c281f7-134a-4087-bac3-a00369bd339e" providerId="AD" clId="Web-{63970148-12BB-4B06-A5A4-BA58B0AD48D6}" dt="2020-04-22T03:35:52.038" v="327" actId="1076"/>
+          <ac:spMkLst>
+            <pc:docMk/>
+            <pc:sldMk cId="4163383078" sldId="259"/>
+            <ac:spMk id="2" creationId="{9CD3FEB1-8951-4DB2-A5AB-8B456B28BA81}"/>
+          </ac:spMkLst>
+        </pc:spChg>
+        <pc:spChg chg="mod">
+          <ac:chgData name="Anil Erturk" userId="S::erturkanil@cityuniversity.edu::80c281f7-134a-4087-bac3-a00369bd339e" providerId="AD" clId="Web-{63970148-12BB-4B06-A5A4-BA58B0AD48D6}" dt="2020-04-22T03:35:56.289" v="328" actId="1076"/>
+          <ac:spMkLst>
+            <pc:docMk/>
+            <pc:sldMk cId="4163383078" sldId="259"/>
+            <ac:spMk id="3" creationId="{886780A3-8E5A-49BA-99A1-A4A6A5572324}"/>
+          </ac:spMkLst>
+        </pc:spChg>
+        <pc:picChg chg="add mod">
+          <ac:chgData name="Anil Erturk" userId="S::erturkanil@cityuniversity.edu::80c281f7-134a-4087-bac3-a00369bd339e" providerId="AD" clId="Web-{63970148-12BB-4B06-A5A4-BA58B0AD48D6}" dt="2020-04-22T02:59:21.891" v="92" actId="1076"/>
+          <ac:picMkLst>
+            <pc:docMk/>
+            <pc:sldMk cId="4163383078" sldId="259"/>
+            <ac:picMk id="4" creationId="{BAC03C9B-7B13-4D3F-85D2-2E7056A400E7}"/>
+          </ac:picMkLst>
+        </pc:picChg>
+      </pc:sldChg>
+      <pc:sldChg chg="modSp">
+        <pc:chgData name="Anil Erturk" userId="S::erturkanil@cityuniversity.edu::80c281f7-134a-4087-bac3-a00369bd339e" providerId="AD" clId="Web-{63970148-12BB-4B06-A5A4-BA58B0AD48D6}" dt="2020-04-22T03:05:16.682" v="102" actId="1076"/>
+        <pc:sldMkLst>
+          <pc:docMk/>
+          <pc:sldMk cId="3104201984" sldId="260"/>
+        </pc:sldMkLst>
+        <pc:picChg chg="mod">
+          <ac:chgData name="Anil Erturk" userId="S::erturkanil@cityuniversity.edu::80c281f7-134a-4087-bac3-a00369bd339e" providerId="AD" clId="Web-{63970148-12BB-4B06-A5A4-BA58B0AD48D6}" dt="2020-04-22T03:05:16.682" v="102" actId="1076"/>
+          <ac:picMkLst>
+            <pc:docMk/>
+            <pc:sldMk cId="3104201984" sldId="260"/>
+            <ac:picMk id="2" creationId="{D1EEAFB4-DDFB-42CA-8D94-BE7B084966E2}"/>
+          </ac:picMkLst>
+        </pc:picChg>
+      </pc:sldChg>
+      <pc:sldChg chg="addSp modSp new">
+        <pc:chgData name="Anil Erturk" userId="S::erturkanil@cityuniversity.edu::80c281f7-134a-4087-bac3-a00369bd339e" providerId="AD" clId="Web-{63970148-12BB-4B06-A5A4-BA58B0AD48D6}" dt="2020-04-22T03:35:59.788" v="329" actId="1076"/>
+        <pc:sldMkLst>
+          <pc:docMk/>
+          <pc:sldMk cId="2940419379" sldId="261"/>
+        </pc:sldMkLst>
+        <pc:spChg chg="add mod">
+          <ac:chgData name="Anil Erturk" userId="S::erturkanil@cityuniversity.edu::80c281f7-134a-4087-bac3-a00369bd339e" providerId="AD" clId="Web-{63970148-12BB-4B06-A5A4-BA58B0AD48D6}" dt="2020-04-22T03:35:59.788" v="329" actId="1076"/>
+          <ac:spMkLst>
+            <pc:docMk/>
+            <pc:sldMk cId="2940419379" sldId="261"/>
+            <ac:spMk id="2" creationId="{2D64C06F-1812-4699-B389-DD2B4602AE25}"/>
+          </ac:spMkLst>
+        </pc:spChg>
+        <pc:picChg chg="add mod">
+          <ac:chgData name="Anil Erturk" userId="S::erturkanil@cityuniversity.edu::80c281f7-134a-4087-bac3-a00369bd339e" providerId="AD" clId="Web-{63970148-12BB-4B06-A5A4-BA58B0AD48D6}" dt="2020-04-22T03:35:30.335" v="323" actId="14100"/>
+          <ac:picMkLst>
+            <pc:docMk/>
+            <pc:sldMk cId="2940419379" sldId="261"/>
+            <ac:picMk id="3" creationId="{6C45F823-5225-4161-963F-0B818577829A}"/>
+          </ac:picMkLst>
+        </pc:picChg>
+      </pc:sldChg>
+      <pc:sldChg chg="addSp modSp new">
+        <pc:chgData name="Anil Erturk" userId="S::erturkanil@cityuniversity.edu::80c281f7-134a-4087-bac3-a00369bd339e" providerId="AD" clId="Web-{63970148-12BB-4B06-A5A4-BA58B0AD48D6}" dt="2020-04-22T03:36:18.882" v="330" actId="14100"/>
+        <pc:sldMkLst>
+          <pc:docMk/>
+          <pc:sldMk cId="4121473941" sldId="262"/>
+        </pc:sldMkLst>
+        <pc:spChg chg="add mod">
+          <ac:chgData name="Anil Erturk" userId="S::erturkanil@cityuniversity.edu::80c281f7-134a-4087-bac3-a00369bd339e" providerId="AD" clId="Web-{63970148-12BB-4B06-A5A4-BA58B0AD48D6}" dt="2020-04-22T03:36:18.882" v="330" actId="14100"/>
+          <ac:spMkLst>
+            <pc:docMk/>
+            <pc:sldMk cId="4121473941" sldId="262"/>
+            <ac:spMk id="2" creationId="{9DFD9F06-DA17-40FA-AE6F-BB8A3785E3BB}"/>
+          </ac:spMkLst>
+        </pc:spChg>
+      </pc:sldChg>
+    </pc:docChg>
+  </pc:docChgLst>
+  <pc:docChgLst>
+    <pc:chgData name="Anil Erturk" userId="S::erturkanil@cityuniversity.edu::80c281f7-134a-4087-bac3-a00369bd339e" providerId="AD" clId="Web-{47A66B0C-C424-7CC7-A44D-559FB589B60C}"/>
+    <pc:docChg chg="modSld">
+      <pc:chgData name="Anil Erturk" userId="S::erturkanil@cityuniversity.edu::80c281f7-134a-4087-bac3-a00369bd339e" providerId="AD" clId="Web-{47A66B0C-C424-7CC7-A44D-559FB589B60C}" dt="2020-04-24T21:10:57.904" v="147" actId="20577"/>
+      <pc:docMkLst>
+        <pc:docMk/>
+      </pc:docMkLst>
+      <pc:sldChg chg="modSp modNotes">
+        <pc:chgData name="Anil Erturk" userId="S::erturkanil@cityuniversity.edu::80c281f7-134a-4087-bac3-a00369bd339e" providerId="AD" clId="Web-{47A66B0C-C424-7CC7-A44D-559FB589B60C}" dt="2020-04-24T20:26:42.735" v="44"/>
+        <pc:sldMkLst>
+          <pc:docMk/>
+          <pc:sldMk cId="1879475017" sldId="257"/>
+        </pc:sldMkLst>
+        <pc:spChg chg="mod">
+          <ac:chgData name="Anil Erturk" userId="S::erturkanil@cityuniversity.edu::80c281f7-134a-4087-bac3-a00369bd339e" providerId="AD" clId="Web-{47A66B0C-C424-7CC7-A44D-559FB589B60C}" dt="2020-04-24T20:24:52.337" v="2" actId="20577"/>
+          <ac:spMkLst>
+            <pc:docMk/>
+            <pc:sldMk cId="1879475017" sldId="257"/>
+            <ac:spMk id="4" creationId="{C9F9A42D-CF40-4898-972C-385FDF42F53B}"/>
+          </ac:spMkLst>
+        </pc:spChg>
+      </pc:sldChg>
+      <pc:sldChg chg="modNotes">
+        <pc:chgData name="Anil Erturk" userId="S::erturkanil@cityuniversity.edu::80c281f7-134a-4087-bac3-a00369bd339e" providerId="AD" clId="Web-{47A66B0C-C424-7CC7-A44D-559FB589B60C}" dt="2020-04-24T20:26:44.595" v="46"/>
+        <pc:sldMkLst>
+          <pc:docMk/>
+          <pc:sldMk cId="3295789589" sldId="258"/>
+        </pc:sldMkLst>
+      </pc:sldChg>
+      <pc:sldChg chg="modSp modNotes">
+        <pc:chgData name="Anil Erturk" userId="S::erturkanil@cityuniversity.edu::80c281f7-134a-4087-bac3-a00369bd339e" providerId="AD" clId="Web-{47A66B0C-C424-7CC7-A44D-559FB589B60C}" dt="2020-04-24T20:57:45.024" v="61"/>
+        <pc:sldMkLst>
+          <pc:docMk/>
+          <pc:sldMk cId="4163383078" sldId="259"/>
+        </pc:sldMkLst>
+        <pc:spChg chg="mod">
+          <ac:chgData name="Anil Erturk" userId="S::erturkanil@cityuniversity.edu::80c281f7-134a-4087-bac3-a00369bd339e" providerId="AD" clId="Web-{47A66B0C-C424-7CC7-A44D-559FB589B60C}" dt="2020-04-24T20:50:48.192" v="49" actId="20577"/>
+          <ac:spMkLst>
+            <pc:docMk/>
+            <pc:sldMk cId="4163383078" sldId="259"/>
+            <ac:spMk id="2" creationId="{9CD3FEB1-8951-4DB2-A5AB-8B456B28BA81}"/>
+          </ac:spMkLst>
+        </pc:spChg>
+        <pc:spChg chg="mod">
+          <ac:chgData name="Anil Erturk" userId="S::erturkanil@cityuniversity.edu::80c281f7-134a-4087-bac3-a00369bd339e" providerId="AD" clId="Web-{47A66B0C-C424-7CC7-A44D-559FB589B60C}" dt="2020-04-24T20:50:53.599" v="54" actId="1076"/>
+          <ac:spMkLst>
+            <pc:docMk/>
+            <pc:sldMk cId="4163383078" sldId="259"/>
+            <ac:spMk id="3" creationId="{886780A3-8E5A-49BA-99A1-A4A6A5572324}"/>
+          </ac:spMkLst>
+        </pc:spChg>
+      </pc:sldChg>
+      <pc:sldChg chg="modNotes">
+        <pc:chgData name="Anil Erturk" userId="S::erturkanil@cityuniversity.edu::80c281f7-134a-4087-bac3-a00369bd339e" providerId="AD" clId="Web-{47A66B0C-C424-7CC7-A44D-559FB589B60C}" dt="2020-04-24T20:58:10.477" v="133"/>
+        <pc:sldMkLst>
+          <pc:docMk/>
+          <pc:sldMk cId="2940419379" sldId="261"/>
+        </pc:sldMkLst>
+      </pc:sldChg>
+      <pc:sldChg chg="modNotes">
+        <pc:chgData name="Anil Erturk" userId="S::erturkanil@cityuniversity.edu::80c281f7-134a-4087-bac3-a00369bd339e" providerId="AD" clId="Web-{47A66B0C-C424-7CC7-A44D-559FB589B60C}" dt="2020-04-24T20:58:40.587" v="134"/>
+        <pc:sldMkLst>
+          <pc:docMk/>
+          <pc:sldMk cId="4121473941" sldId="262"/>
+        </pc:sldMkLst>
+      </pc:sldChg>
+      <pc:sldChg chg="modNotes">
+        <pc:chgData name="Anil Erturk" userId="S::erturkanil@cityuniversity.edu::80c281f7-134a-4087-bac3-a00369bd339e" providerId="AD" clId="Web-{47A66B0C-C424-7CC7-A44D-559FB589B60C}" dt="2020-04-24T20:58:51.603" v="135"/>
+        <pc:sldMkLst>
+          <pc:docMk/>
+          <pc:sldMk cId="1384363617" sldId="264"/>
+        </pc:sldMkLst>
+      </pc:sldChg>
+      <pc:sldChg chg="modNotes">
+        <pc:chgData name="Anil Erturk" userId="S::erturkanil@cityuniversity.edu::80c281f7-134a-4087-bac3-a00369bd339e" providerId="AD" clId="Web-{47A66B0C-C424-7CC7-A44D-559FB589B60C}" dt="2020-04-24T21:00:25.384" v="136"/>
+        <pc:sldMkLst>
+          <pc:docMk/>
+          <pc:sldMk cId="1880194320" sldId="265"/>
+        </pc:sldMkLst>
+      </pc:sldChg>
+      <pc:sldChg chg="modSp">
+        <pc:chgData name="Anil Erturk" userId="S::erturkanil@cityuniversity.edu::80c281f7-134a-4087-bac3-a00369bd339e" providerId="AD" clId="Web-{47A66B0C-C424-7CC7-A44D-559FB589B60C}" dt="2020-04-24T21:10:57.904" v="146" actId="20577"/>
+        <pc:sldMkLst>
+          <pc:docMk/>
+          <pc:sldMk cId="1434861123" sldId="272"/>
+        </pc:sldMkLst>
+        <pc:spChg chg="mod">
+          <ac:chgData name="Anil Erturk" userId="S::erturkanil@cityuniversity.edu::80c281f7-134a-4087-bac3-a00369bd339e" providerId="AD" clId="Web-{47A66B0C-C424-7CC7-A44D-559FB589B60C}" dt="2020-04-24T21:10:57.904" v="146" actId="20577"/>
+          <ac:spMkLst>
+            <pc:docMk/>
+            <pc:sldMk cId="1434861123" sldId="272"/>
+            <ac:spMk id="2" creationId="{74FDFD95-DDDD-4A71-9F63-4EFBF92D9ED2}"/>
+          </ac:spMkLst>
+        </pc:spChg>
+      </pc:sldChg>
+    </pc:docChg>
+  </pc:docChgLst>
 </pc:chgInfo>
 </file>
 
@@ -1180,7 +1329,7 @@
           <a:p>
             <a:fld id="{F8B875F9-C033-45F5-B231-8D54CDB23FDD}" type="datetimeFigureOut">
               <a:rPr lang="en-US" smtClean="0"/>
-              <a:t>4/22/2020</a:t>
+              <a:t>4/30/2020</a:t>
             </a:fld>
             <a:endParaRPr lang="en-US"/>
           </a:p>
@@ -1244,38 +1393,37 @@
           <a:p>
             <a:pPr lvl="0"/>
             <a:r>
-              <a:rPr lang="en-US" smtClean="0"/>
+              <a:rPr lang="en-US"/>
               <a:t>Click to edit Master text styles</a:t>
             </a:r>
           </a:p>
           <a:p>
             <a:pPr lvl="1"/>
             <a:r>
-              <a:rPr lang="en-US" smtClean="0"/>
+              <a:rPr lang="en-US"/>
               <a:t>Second level</a:t>
             </a:r>
           </a:p>
           <a:p>
             <a:pPr lvl="2"/>
             <a:r>
-              <a:rPr lang="en-US" smtClean="0"/>
+              <a:rPr lang="en-US"/>
               <a:t>Third level</a:t>
             </a:r>
           </a:p>
           <a:p>
             <a:pPr lvl="3"/>
             <a:r>
-              <a:rPr lang="en-US" smtClean="0"/>
+              <a:rPr lang="en-US"/>
               <a:t>Fourth level</a:t>
             </a:r>
           </a:p>
           <a:p>
             <a:pPr lvl="4"/>
             <a:r>
-              <a:rPr lang="en-US" smtClean="0"/>
+              <a:rPr lang="en-US"/>
               <a:t>Fifth level</a:t>
             </a:r>
-            <a:endParaRPr lang="en-US"/>
           </a:p>
         </p:txBody>
       </p:sp>
@@ -1492,7 +1640,7 @@
           <a:bodyPr/>
           <a:lstStyle/>
           <a:p>
-            <a:endParaRPr lang="en-US" dirty="0"/>
+            <a:endParaRPr lang="en-US"/>
           </a:p>
         </p:txBody>
       </p:sp>
@@ -1523,6 +1671,677 @@
     <p:extLst>
       <p:ext uri="{BB962C8B-B14F-4D97-AF65-F5344CB8AC3E}">
         <p14:creationId xmlns:p14="http://schemas.microsoft.com/office/powerpoint/2010/main" val="3306927447"/>
+      </p:ext>
+    </p:extLst>
+  </p:cSld>
+  <p:clrMapOvr>
+    <a:masterClrMapping/>
+  </p:clrMapOvr>
+</p:notes>
+</file>
+
+<file path=ppt/notesSlides/notesSlide2.xml><?xml version="1.0" encoding="utf-8"?>
+<p:notes xmlns:a="http://schemas.openxmlformats.org/drawingml/2006/main" xmlns:r="http://schemas.openxmlformats.org/officeDocument/2006/relationships" xmlns:p="http://schemas.openxmlformats.org/presentationml/2006/main">
+  <p:cSld>
+    <p:spTree>
+      <p:nvGrpSpPr>
+        <p:cNvPr id="1" name=""/>
+        <p:cNvGrpSpPr/>
+        <p:nvPr/>
+      </p:nvGrpSpPr>
+      <p:grpSpPr>
+        <a:xfrm>
+          <a:off x="0" y="0"/>
+          <a:ext cx="0" cy="0"/>
+          <a:chOff x="0" y="0"/>
+          <a:chExt cx="0" cy="0"/>
+        </a:xfrm>
+      </p:grpSpPr>
+      <p:sp>
+        <p:nvSpPr>
+          <p:cNvPr id="2" name="Slide Image Placeholder 1"/>
+          <p:cNvSpPr>
+            <a:spLocks noGrp="1" noRot="1" noChangeAspect="1"/>
+          </p:cNvSpPr>
+          <p:nvPr>
+            <p:ph type="sldImg"/>
+          </p:nvPr>
+        </p:nvSpPr>
+        <p:spPr/>
+      </p:sp>
+      <p:sp>
+        <p:nvSpPr>
+          <p:cNvPr id="3" name="Notes Placeholder 2"/>
+          <p:cNvSpPr>
+            <a:spLocks noGrp="1"/>
+          </p:cNvSpPr>
+          <p:nvPr>
+            <p:ph type="body" idx="1"/>
+          </p:nvPr>
+        </p:nvSpPr>
+        <p:spPr/>
+        <p:txBody>
+          <a:bodyPr/>
+          <a:lstStyle/>
+          <a:p>
+            <a:r>
+              <a:rPr lang="en-US">
+                <a:cs typeface="Calibri"/>
+              </a:rPr>
+              <a:t>Normally statements are executed sequentially because statements are kept sequentially in memory and processor's program counter counts up sequentially.</a:t>
+            </a:r>
+          </a:p>
+        </p:txBody>
+      </p:sp>
+      <p:sp>
+        <p:nvSpPr>
+          <p:cNvPr id="4" name="Slide Number Placeholder 3"/>
+          <p:cNvSpPr>
+            <a:spLocks noGrp="1"/>
+          </p:cNvSpPr>
+          <p:nvPr>
+            <p:ph type="sldNum" sz="quarter" idx="5"/>
+          </p:nvPr>
+        </p:nvSpPr>
+        <p:spPr/>
+        <p:txBody>
+          <a:bodyPr/>
+          <a:lstStyle/>
+          <a:p>
+            <a:fld id="{C1DC6AEC-8A31-4668-8064-B0D87D2C6383}" type="slidenum">
+              <a:rPr lang="en-US" smtClean="0"/>
+              <a:t>2</a:t>
+            </a:fld>
+            <a:endParaRPr lang="en-US"/>
+          </a:p>
+        </p:txBody>
+      </p:sp>
+    </p:spTree>
+    <p:extLst>
+      <p:ext uri="{BB962C8B-B14F-4D97-AF65-F5344CB8AC3E}">
+        <p14:creationId xmlns:p14="http://schemas.microsoft.com/office/powerpoint/2010/main" val="1411553602"/>
+      </p:ext>
+    </p:extLst>
+  </p:cSld>
+  <p:clrMapOvr>
+    <a:masterClrMapping/>
+  </p:clrMapOvr>
+</p:notes>
+</file>
+
+<file path=ppt/notesSlides/notesSlide3.xml><?xml version="1.0" encoding="utf-8"?>
+<p:notes xmlns:a="http://schemas.openxmlformats.org/drawingml/2006/main" xmlns:r="http://schemas.openxmlformats.org/officeDocument/2006/relationships" xmlns:p="http://schemas.openxmlformats.org/presentationml/2006/main">
+  <p:cSld>
+    <p:spTree>
+      <p:nvGrpSpPr>
+        <p:cNvPr id="1" name=""/>
+        <p:cNvGrpSpPr/>
+        <p:nvPr/>
+      </p:nvGrpSpPr>
+      <p:grpSpPr>
+        <a:xfrm>
+          <a:off x="0" y="0"/>
+          <a:ext cx="0" cy="0"/>
+          <a:chOff x="0" y="0"/>
+          <a:chExt cx="0" cy="0"/>
+        </a:xfrm>
+      </p:grpSpPr>
+      <p:sp>
+        <p:nvSpPr>
+          <p:cNvPr id="2" name="Slide Image Placeholder 1"/>
+          <p:cNvSpPr>
+            <a:spLocks noGrp="1" noRot="1" noChangeAspect="1"/>
+          </p:cNvSpPr>
+          <p:nvPr>
+            <p:ph type="sldImg"/>
+          </p:nvPr>
+        </p:nvSpPr>
+        <p:spPr/>
+      </p:sp>
+      <p:sp>
+        <p:nvSpPr>
+          <p:cNvPr id="3" name="Notes Placeholder 2"/>
+          <p:cNvSpPr>
+            <a:spLocks noGrp="1"/>
+          </p:cNvSpPr>
+          <p:nvPr>
+            <p:ph type="body" idx="1"/>
+          </p:nvPr>
+        </p:nvSpPr>
+        <p:spPr/>
+        <p:txBody>
+          <a:bodyPr/>
+          <a:lstStyle/>
+          <a:p>
+            <a:r>
+              <a:rPr lang="en-US"/>
+              <a:t>Bohm and </a:t>
+            </a:r>
+            <a:r>
+              <a:rPr lang="en-US" err="1"/>
+              <a:t>Jacopini</a:t>
+            </a:r>
+            <a:r>
+              <a:rPr lang="en-US"/>
+              <a:t> are Italian computer scientists who wrote the famous 1966 paper on structured programming.</a:t>
+            </a:r>
+          </a:p>
+          <a:p>
+            <a:endParaRPr lang="en-US">
+              <a:cs typeface="Calibri"/>
+            </a:endParaRPr>
+          </a:p>
+        </p:txBody>
+      </p:sp>
+      <p:sp>
+        <p:nvSpPr>
+          <p:cNvPr id="4" name="Slide Number Placeholder 3"/>
+          <p:cNvSpPr>
+            <a:spLocks noGrp="1"/>
+          </p:cNvSpPr>
+          <p:nvPr>
+            <p:ph type="sldNum" sz="quarter" idx="5"/>
+          </p:nvPr>
+        </p:nvSpPr>
+        <p:spPr/>
+        <p:txBody>
+          <a:bodyPr/>
+          <a:lstStyle/>
+          <a:p>
+            <a:fld id="{C1DC6AEC-8A31-4668-8064-B0D87D2C6383}" type="slidenum">
+              <a:rPr lang="en-US" smtClean="0"/>
+              <a:t>3</a:t>
+            </a:fld>
+            <a:endParaRPr lang="en-US"/>
+          </a:p>
+        </p:txBody>
+      </p:sp>
+    </p:spTree>
+    <p:extLst>
+      <p:ext uri="{BB962C8B-B14F-4D97-AF65-F5344CB8AC3E}">
+        <p14:creationId xmlns:p14="http://schemas.microsoft.com/office/powerpoint/2010/main" val="670895932"/>
+      </p:ext>
+    </p:extLst>
+  </p:cSld>
+  <p:clrMapOvr>
+    <a:masterClrMapping/>
+  </p:clrMapOvr>
+</p:notes>
+</file>
+
+<file path=ppt/notesSlides/notesSlide4.xml><?xml version="1.0" encoding="utf-8"?>
+<p:notes xmlns:a="http://schemas.openxmlformats.org/drawingml/2006/main" xmlns:r="http://schemas.openxmlformats.org/officeDocument/2006/relationships" xmlns:p="http://schemas.openxmlformats.org/presentationml/2006/main">
+  <p:cSld>
+    <p:spTree>
+      <p:nvGrpSpPr>
+        <p:cNvPr id="1" name=""/>
+        <p:cNvGrpSpPr/>
+        <p:nvPr/>
+      </p:nvGrpSpPr>
+      <p:grpSpPr>
+        <a:xfrm>
+          <a:off x="0" y="0"/>
+          <a:ext cx="0" cy="0"/>
+          <a:chOff x="0" y="0"/>
+          <a:chExt cx="0" cy="0"/>
+        </a:xfrm>
+      </p:grpSpPr>
+      <p:sp>
+        <p:nvSpPr>
+          <p:cNvPr id="2" name="Slide Image Placeholder 1"/>
+          <p:cNvSpPr>
+            <a:spLocks noGrp="1" noRot="1" noChangeAspect="1"/>
+          </p:cNvSpPr>
+          <p:nvPr>
+            <p:ph type="sldImg"/>
+          </p:nvPr>
+        </p:nvSpPr>
+        <p:spPr/>
+      </p:sp>
+      <p:sp>
+        <p:nvSpPr>
+          <p:cNvPr id="3" name="Notes Placeholder 2"/>
+          <p:cNvSpPr>
+            <a:spLocks noGrp="1"/>
+          </p:cNvSpPr>
+          <p:nvPr>
+            <p:ph type="body" idx="1"/>
+          </p:nvPr>
+        </p:nvSpPr>
+        <p:spPr/>
+        <p:txBody>
+          <a:bodyPr/>
+          <a:lstStyle/>
+          <a:p>
+            <a:r>
+              <a:rPr lang="tr-TR"/>
+              <a:t>The term Control structures comes from the field of computer science. </a:t>
+            </a:r>
+            <a:r>
+              <a:rPr lang="tr-TR" i="1"/>
+              <a:t>The Java Language Specification</a:t>
+            </a:r>
+            <a:r>
+              <a:rPr lang="tr-TR"/>
+              <a:t> refers to “control structures” as “control statements”.</a:t>
+            </a:r>
+            <a:endParaRPr lang="en-US"/>
+          </a:p>
+        </p:txBody>
+      </p:sp>
+      <p:sp>
+        <p:nvSpPr>
+          <p:cNvPr id="4" name="Slide Number Placeholder 3"/>
+          <p:cNvSpPr>
+            <a:spLocks noGrp="1"/>
+          </p:cNvSpPr>
+          <p:nvPr>
+            <p:ph type="sldNum" sz="quarter" idx="5"/>
+          </p:nvPr>
+        </p:nvSpPr>
+        <p:spPr/>
+        <p:txBody>
+          <a:bodyPr/>
+          <a:lstStyle/>
+          <a:p>
+            <a:fld id="{C1DC6AEC-8A31-4668-8064-B0D87D2C6383}" type="slidenum">
+              <a:rPr lang="en-US" smtClean="0"/>
+              <a:t>4</a:t>
+            </a:fld>
+            <a:endParaRPr lang="en-US"/>
+          </a:p>
+        </p:txBody>
+      </p:sp>
+    </p:spTree>
+    <p:extLst>
+      <p:ext uri="{BB962C8B-B14F-4D97-AF65-F5344CB8AC3E}">
+        <p14:creationId xmlns:p14="http://schemas.microsoft.com/office/powerpoint/2010/main" val="1714101637"/>
+      </p:ext>
+    </p:extLst>
+  </p:cSld>
+  <p:clrMapOvr>
+    <a:masterClrMapping/>
+  </p:clrMapOvr>
+</p:notes>
+</file>
+
+<file path=ppt/notesSlides/notesSlide5.xml><?xml version="1.0" encoding="utf-8"?>
+<p:notes xmlns:a="http://schemas.openxmlformats.org/drawingml/2006/main" xmlns:r="http://schemas.openxmlformats.org/officeDocument/2006/relationships" xmlns:p="http://schemas.openxmlformats.org/presentationml/2006/main">
+  <p:cSld>
+    <p:spTree>
+      <p:nvGrpSpPr>
+        <p:cNvPr id="1" name=""/>
+        <p:cNvGrpSpPr/>
+        <p:nvPr/>
+      </p:nvGrpSpPr>
+      <p:grpSpPr>
+        <a:xfrm>
+          <a:off x="0" y="0"/>
+          <a:ext cx="0" cy="0"/>
+          <a:chOff x="0" y="0"/>
+          <a:chExt cx="0" cy="0"/>
+        </a:xfrm>
+      </p:grpSpPr>
+      <p:sp>
+        <p:nvSpPr>
+          <p:cNvPr id="2" name="Slide Image Placeholder 1"/>
+          <p:cNvSpPr>
+            <a:spLocks noGrp="1" noRot="1" noChangeAspect="1"/>
+          </p:cNvSpPr>
+          <p:nvPr>
+            <p:ph type="sldImg"/>
+          </p:nvPr>
+        </p:nvSpPr>
+        <p:spPr/>
+      </p:sp>
+      <p:sp>
+        <p:nvSpPr>
+          <p:cNvPr id="3" name="Notes Placeholder 2"/>
+          <p:cNvSpPr>
+            <a:spLocks noGrp="1"/>
+          </p:cNvSpPr>
+          <p:nvPr>
+            <p:ph type="body" idx="1"/>
+          </p:nvPr>
+        </p:nvSpPr>
+        <p:spPr/>
+        <p:txBody>
+          <a:bodyPr/>
+          <a:lstStyle/>
+          <a:p>
+            <a:r>
+              <a:rPr lang="en-US"/>
+              <a:t>We can replace an if else statement using two if statements. And we can replace a switch statement using multiple if statements. But they would be inefficient.</a:t>
+            </a:r>
+          </a:p>
+          <a:p>
+            <a:r>
+              <a:rPr lang="en-US"/>
+              <a:t>If else and switch statements require less calculations to do the same work.</a:t>
+            </a:r>
+          </a:p>
+          <a:p>
+            <a:endParaRPr lang="en-US">
+              <a:cs typeface="Calibri"/>
+            </a:endParaRPr>
+          </a:p>
+        </p:txBody>
+      </p:sp>
+      <p:sp>
+        <p:nvSpPr>
+          <p:cNvPr id="4" name="Slide Number Placeholder 3"/>
+          <p:cNvSpPr>
+            <a:spLocks noGrp="1"/>
+          </p:cNvSpPr>
+          <p:nvPr>
+            <p:ph type="sldNum" sz="quarter" idx="5"/>
+          </p:nvPr>
+        </p:nvSpPr>
+        <p:spPr/>
+        <p:txBody>
+          <a:bodyPr/>
+          <a:lstStyle/>
+          <a:p>
+            <a:fld id="{C1DC6AEC-8A31-4668-8064-B0D87D2C6383}" type="slidenum">
+              <a:rPr lang="en-US" smtClean="0"/>
+              <a:t>5</a:t>
+            </a:fld>
+            <a:endParaRPr lang="en-US"/>
+          </a:p>
+        </p:txBody>
+      </p:sp>
+    </p:spTree>
+    <p:extLst>
+      <p:ext uri="{BB962C8B-B14F-4D97-AF65-F5344CB8AC3E}">
+        <p14:creationId xmlns:p14="http://schemas.microsoft.com/office/powerpoint/2010/main" val="1499751936"/>
+      </p:ext>
+    </p:extLst>
+  </p:cSld>
+  <p:clrMapOvr>
+    <a:masterClrMapping/>
+  </p:clrMapOvr>
+</p:notes>
+</file>
+
+<file path=ppt/notesSlides/notesSlide6.xml><?xml version="1.0" encoding="utf-8"?>
+<p:notes xmlns:a="http://schemas.openxmlformats.org/drawingml/2006/main" xmlns:r="http://schemas.openxmlformats.org/officeDocument/2006/relationships" xmlns:p="http://schemas.openxmlformats.org/presentationml/2006/main">
+  <p:cSld>
+    <p:spTree>
+      <p:nvGrpSpPr>
+        <p:cNvPr id="1" name=""/>
+        <p:cNvGrpSpPr/>
+        <p:nvPr/>
+      </p:nvGrpSpPr>
+      <p:grpSpPr>
+        <a:xfrm>
+          <a:off x="0" y="0"/>
+          <a:ext cx="0" cy="0"/>
+          <a:chOff x="0" y="0"/>
+          <a:chExt cx="0" cy="0"/>
+        </a:xfrm>
+      </p:grpSpPr>
+      <p:sp>
+        <p:nvSpPr>
+          <p:cNvPr id="2" name="Slide Image Placeholder 1"/>
+          <p:cNvSpPr>
+            <a:spLocks noGrp="1" noRot="1" noChangeAspect="1"/>
+          </p:cNvSpPr>
+          <p:nvPr>
+            <p:ph type="sldImg"/>
+          </p:nvPr>
+        </p:nvSpPr>
+        <p:spPr/>
+      </p:sp>
+      <p:sp>
+        <p:nvSpPr>
+          <p:cNvPr id="3" name="Notes Placeholder 2"/>
+          <p:cNvSpPr>
+            <a:spLocks noGrp="1"/>
+          </p:cNvSpPr>
+          <p:nvPr>
+            <p:ph type="body" idx="1"/>
+          </p:nvPr>
+        </p:nvSpPr>
+        <p:spPr/>
+        <p:txBody>
+          <a:bodyPr/>
+          <a:lstStyle/>
+          <a:p>
+            <a:r>
+              <a:rPr lang="en-US"/>
+              <a:t>We can replace a do while statement with a while statement by nesting the do while statement inside an if statement to do the initial check.</a:t>
+            </a:r>
+          </a:p>
+          <a:p>
+            <a:r>
+              <a:rPr lang="en-US"/>
+              <a:t>For and while statements can do the same work and can be replaces with each other as we will see next.</a:t>
+            </a:r>
+          </a:p>
+          <a:p>
+            <a:endParaRPr lang="en-US">
+              <a:cs typeface="Calibri"/>
+            </a:endParaRPr>
+          </a:p>
+        </p:txBody>
+      </p:sp>
+      <p:sp>
+        <p:nvSpPr>
+          <p:cNvPr id="4" name="Slide Number Placeholder 3"/>
+          <p:cNvSpPr>
+            <a:spLocks noGrp="1"/>
+          </p:cNvSpPr>
+          <p:nvPr>
+            <p:ph type="sldNum" sz="quarter" idx="5"/>
+          </p:nvPr>
+        </p:nvSpPr>
+        <p:spPr/>
+        <p:txBody>
+          <a:bodyPr/>
+          <a:lstStyle/>
+          <a:p>
+            <a:fld id="{C1DC6AEC-8A31-4668-8064-B0D87D2C6383}" type="slidenum">
+              <a:rPr lang="en-US" smtClean="0"/>
+              <a:t>6</a:t>
+            </a:fld>
+            <a:endParaRPr lang="en-US"/>
+          </a:p>
+        </p:txBody>
+      </p:sp>
+    </p:spTree>
+    <p:extLst>
+      <p:ext uri="{BB962C8B-B14F-4D97-AF65-F5344CB8AC3E}">
+        <p14:creationId xmlns:p14="http://schemas.microsoft.com/office/powerpoint/2010/main" val="2707850339"/>
+      </p:ext>
+    </p:extLst>
+  </p:cSld>
+  <p:clrMapOvr>
+    <a:masterClrMapping/>
+  </p:clrMapOvr>
+</p:notes>
+</file>
+
+<file path=ppt/notesSlides/notesSlide7.xml><?xml version="1.0" encoding="utf-8"?>
+<p:notes xmlns:a="http://schemas.openxmlformats.org/drawingml/2006/main" xmlns:r="http://schemas.openxmlformats.org/officeDocument/2006/relationships" xmlns:p="http://schemas.openxmlformats.org/presentationml/2006/main">
+  <p:cSld>
+    <p:spTree>
+      <p:nvGrpSpPr>
+        <p:cNvPr id="1" name=""/>
+        <p:cNvGrpSpPr/>
+        <p:nvPr/>
+      </p:nvGrpSpPr>
+      <p:grpSpPr>
+        <a:xfrm>
+          <a:off x="0" y="0"/>
+          <a:ext cx="0" cy="0"/>
+          <a:chOff x="0" y="0"/>
+          <a:chExt cx="0" cy="0"/>
+        </a:xfrm>
+      </p:grpSpPr>
+      <p:sp>
+        <p:nvSpPr>
+          <p:cNvPr id="2" name="Slide Image Placeholder 1"/>
+          <p:cNvSpPr>
+            <a:spLocks noGrp="1" noRot="1" noChangeAspect="1"/>
+          </p:cNvSpPr>
+          <p:nvPr>
+            <p:ph type="sldImg"/>
+          </p:nvPr>
+        </p:nvSpPr>
+        <p:spPr/>
+      </p:sp>
+      <p:sp>
+        <p:nvSpPr>
+          <p:cNvPr id="3" name="Notes Placeholder 2"/>
+          <p:cNvSpPr>
+            <a:spLocks noGrp="1"/>
+          </p:cNvSpPr>
+          <p:nvPr>
+            <p:ph type="body" idx="1"/>
+          </p:nvPr>
+        </p:nvSpPr>
+        <p:spPr/>
+        <p:txBody>
+          <a:bodyPr/>
+          <a:lstStyle/>
+          <a:p>
+            <a:r>
+              <a:rPr lang="en-US"/>
+              <a:t>For statement is usually used for counter controlled repetition because it has all four elements of counter controlled repetition in its header.</a:t>
+            </a:r>
+          </a:p>
+          <a:p>
+            <a:r>
+              <a:rPr lang="en-US"/>
+              <a:t>While statement is usually used for sentinel controlled expression because while statement resembles the way we think about sentinel controlled repetition.</a:t>
+            </a:r>
+          </a:p>
+          <a:p>
+            <a:endParaRPr lang="en-US">
+              <a:cs typeface="Calibri"/>
+            </a:endParaRPr>
+          </a:p>
+        </p:txBody>
+      </p:sp>
+      <p:sp>
+        <p:nvSpPr>
+          <p:cNvPr id="4" name="Slide Number Placeholder 3"/>
+          <p:cNvSpPr>
+            <a:spLocks noGrp="1"/>
+          </p:cNvSpPr>
+          <p:nvPr>
+            <p:ph type="sldNum" sz="quarter" idx="5"/>
+          </p:nvPr>
+        </p:nvSpPr>
+        <p:spPr/>
+        <p:txBody>
+          <a:bodyPr/>
+          <a:lstStyle/>
+          <a:p>
+            <a:fld id="{C1DC6AEC-8A31-4668-8064-B0D87D2C6383}" type="slidenum">
+              <a:rPr lang="en-US" smtClean="0"/>
+              <a:t>8</a:t>
+            </a:fld>
+            <a:endParaRPr lang="en-US"/>
+          </a:p>
+        </p:txBody>
+      </p:sp>
+    </p:spTree>
+    <p:extLst>
+      <p:ext uri="{BB962C8B-B14F-4D97-AF65-F5344CB8AC3E}">
+        <p14:creationId xmlns:p14="http://schemas.microsoft.com/office/powerpoint/2010/main" val="3185208872"/>
+      </p:ext>
+    </p:extLst>
+  </p:cSld>
+  <p:clrMapOvr>
+    <a:masterClrMapping/>
+  </p:clrMapOvr>
+</p:notes>
+</file>
+
+<file path=ppt/notesSlides/notesSlide8.xml><?xml version="1.0" encoding="utf-8"?>
+<p:notes xmlns:a="http://schemas.openxmlformats.org/drawingml/2006/main" xmlns:r="http://schemas.openxmlformats.org/officeDocument/2006/relationships" xmlns:p="http://schemas.openxmlformats.org/presentationml/2006/main">
+  <p:cSld>
+    <p:spTree>
+      <p:nvGrpSpPr>
+        <p:cNvPr id="1" name=""/>
+        <p:cNvGrpSpPr/>
+        <p:nvPr/>
+      </p:nvGrpSpPr>
+      <p:grpSpPr>
+        <a:xfrm>
+          <a:off x="0" y="0"/>
+          <a:ext cx="0" cy="0"/>
+          <a:chOff x="0" y="0"/>
+          <a:chExt cx="0" cy="0"/>
+        </a:xfrm>
+      </p:grpSpPr>
+      <p:sp>
+        <p:nvSpPr>
+          <p:cNvPr id="2" name="Slide Image Placeholder 1"/>
+          <p:cNvSpPr>
+            <a:spLocks noGrp="1" noRot="1" noChangeAspect="1"/>
+          </p:cNvSpPr>
+          <p:nvPr>
+            <p:ph type="sldImg"/>
+          </p:nvPr>
+        </p:nvSpPr>
+        <p:spPr/>
+      </p:sp>
+      <p:sp>
+        <p:nvSpPr>
+          <p:cNvPr id="3" name="Notes Placeholder 2"/>
+          <p:cNvSpPr>
+            <a:spLocks noGrp="1"/>
+          </p:cNvSpPr>
+          <p:nvPr>
+            <p:ph type="body" idx="1"/>
+          </p:nvPr>
+        </p:nvSpPr>
+        <p:spPr/>
+        <p:txBody>
+          <a:bodyPr/>
+          <a:lstStyle/>
+          <a:p>
+            <a:r>
+              <a:rPr lang="en-US"/>
+              <a:t>This is why goto statement breaks structured programming. It allows us to jump into the middle of selection statements, repetition statement and methods. It also allows us to leave selection statements, repetition statements and methods from multiple location.</a:t>
+            </a:r>
+          </a:p>
+          <a:p>
+            <a:endParaRPr lang="en-US">
+              <a:cs typeface="Calibri"/>
+            </a:endParaRPr>
+          </a:p>
+        </p:txBody>
+      </p:sp>
+      <p:sp>
+        <p:nvSpPr>
+          <p:cNvPr id="4" name="Slide Number Placeholder 3"/>
+          <p:cNvSpPr>
+            <a:spLocks noGrp="1"/>
+          </p:cNvSpPr>
+          <p:nvPr>
+            <p:ph type="sldNum" sz="quarter" idx="5"/>
+          </p:nvPr>
+        </p:nvSpPr>
+        <p:spPr/>
+        <p:txBody>
+          <a:bodyPr/>
+          <a:lstStyle/>
+          <a:p>
+            <a:fld id="{C1DC6AEC-8A31-4668-8064-B0D87D2C6383}" type="slidenum">
+              <a:rPr lang="en-US" smtClean="0"/>
+              <a:t>9</a:t>
+            </a:fld>
+            <a:endParaRPr lang="en-US"/>
+          </a:p>
+        </p:txBody>
+      </p:sp>
+    </p:spTree>
+    <p:extLst>
+      <p:ext uri="{BB962C8B-B14F-4D97-AF65-F5344CB8AC3E}">
+        <p14:creationId xmlns:p14="http://schemas.microsoft.com/office/powerpoint/2010/main" val="726786903"/>
       </p:ext>
     </p:extLst>
   </p:cSld>
@@ -1661,7 +2480,7 @@
           <a:p>
             <a:fld id="{846CE7D5-CF57-46EF-B807-FDD0502418D4}" type="datetimeFigureOut">
               <a:rPr lang="en-US" smtClean="0"/>
-              <a:t>4/22/2020</a:t>
+              <a:t>4/30/2020</a:t>
             </a:fld>
             <a:endParaRPr lang="en-US"/>
           </a:p>
@@ -1829,7 +2648,7 @@
           <a:p>
             <a:fld id="{846CE7D5-CF57-46EF-B807-FDD0502418D4}" type="datetimeFigureOut">
               <a:rPr lang="en-US" smtClean="0"/>
-              <a:t>4/22/2020</a:t>
+              <a:t>4/30/2020</a:t>
             </a:fld>
             <a:endParaRPr lang="en-US"/>
           </a:p>
@@ -2007,7 +2826,7 @@
           <a:p>
             <a:fld id="{846CE7D5-CF57-46EF-B807-FDD0502418D4}" type="datetimeFigureOut">
               <a:rPr lang="en-US" smtClean="0"/>
-              <a:t>4/22/2020</a:t>
+              <a:t>4/30/2020</a:t>
             </a:fld>
             <a:endParaRPr lang="en-US"/>
           </a:p>
@@ -2175,7 +2994,7 @@
           <a:p>
             <a:fld id="{846CE7D5-CF57-46EF-B807-FDD0502418D4}" type="datetimeFigureOut">
               <a:rPr lang="en-US" smtClean="0"/>
-              <a:t>4/22/2020</a:t>
+              <a:t>4/30/2020</a:t>
             </a:fld>
             <a:endParaRPr lang="en-US"/>
           </a:p>
@@ -2420,7 +3239,7 @@
           <a:p>
             <a:fld id="{846CE7D5-CF57-46EF-B807-FDD0502418D4}" type="datetimeFigureOut">
               <a:rPr lang="en-US" smtClean="0"/>
-              <a:t>4/22/2020</a:t>
+              <a:t>4/30/2020</a:t>
             </a:fld>
             <a:endParaRPr lang="en-US"/>
           </a:p>
@@ -2649,7 +3468,7 @@
           <a:p>
             <a:fld id="{846CE7D5-CF57-46EF-B807-FDD0502418D4}" type="datetimeFigureOut">
               <a:rPr lang="en-US" smtClean="0"/>
-              <a:t>4/22/2020</a:t>
+              <a:t>4/30/2020</a:t>
             </a:fld>
             <a:endParaRPr lang="en-US"/>
           </a:p>
@@ -3013,7 +3832,7 @@
           <a:p>
             <a:fld id="{846CE7D5-CF57-46EF-B807-FDD0502418D4}" type="datetimeFigureOut">
               <a:rPr lang="en-US" smtClean="0"/>
-              <a:t>4/22/2020</a:t>
+              <a:t>4/30/2020</a:t>
             </a:fld>
             <a:endParaRPr lang="en-US"/>
           </a:p>
@@ -3130,7 +3949,7 @@
           <a:p>
             <a:fld id="{846CE7D5-CF57-46EF-B807-FDD0502418D4}" type="datetimeFigureOut">
               <a:rPr lang="en-US" smtClean="0"/>
-              <a:t>4/22/2020</a:t>
+              <a:t>4/30/2020</a:t>
             </a:fld>
             <a:endParaRPr lang="en-US"/>
           </a:p>
@@ -3225,7 +4044,7 @@
           <a:p>
             <a:fld id="{846CE7D5-CF57-46EF-B807-FDD0502418D4}" type="datetimeFigureOut">
               <a:rPr lang="en-US" smtClean="0"/>
-              <a:t>4/22/2020</a:t>
+              <a:t>4/30/2020</a:t>
             </a:fld>
             <a:endParaRPr lang="en-US"/>
           </a:p>
@@ -3500,7 +4319,7 @@
           <a:p>
             <a:fld id="{846CE7D5-CF57-46EF-B807-FDD0502418D4}" type="datetimeFigureOut">
               <a:rPr lang="en-US" smtClean="0"/>
-              <a:t>4/22/2020</a:t>
+              <a:t>4/30/2020</a:t>
             </a:fld>
             <a:endParaRPr lang="en-US"/>
           </a:p>
@@ -3755,7 +4574,7 @@
           <a:p>
             <a:fld id="{846CE7D5-CF57-46EF-B807-FDD0502418D4}" type="datetimeFigureOut">
               <a:rPr lang="en-US" smtClean="0"/>
-              <a:t>4/22/2020</a:t>
+              <a:t>4/30/2020</a:t>
             </a:fld>
             <a:endParaRPr lang="en-US"/>
           </a:p>
@@ -3966,7 +4785,7 @@
           <a:p>
             <a:fld id="{846CE7D5-CF57-46EF-B807-FDD0502418D4}" type="datetimeFigureOut">
               <a:rPr lang="en-US" smtClean="0"/>
-              <a:t>4/22/2020</a:t>
+              <a:t>4/30/2020</a:t>
             </a:fld>
             <a:endParaRPr lang="en-US"/>
           </a:p>
@@ -4407,13 +5226,6 @@
   <p:clrMapOvr>
     <a:masterClrMapping/>
   </p:clrMapOvr>
-  <p:timing>
-    <p:tnLst>
-      <p:par>
-        <p:cTn id="1" dur="indefinite" restart="never" nodeType="tmRoot"/>
-      </p:par>
-    </p:tnLst>
-  </p:timing>
 </p:sld>
 </file>
 
@@ -4439,7 +5251,7 @@
           <p:cNvPr id="2" name="Picture 2" descr="A screenshot of a cell phone&#10;&#10;Description generated with very high confidence">
             <a:extLst>
               <a:ext uri="{FF2B5EF4-FFF2-40B4-BE49-F238E27FC236}">
-                <a16:creationId xmlns:a16="http://schemas.microsoft.com/office/drawing/2014/main" xmlns="" id="{FAE2D885-9943-4E4D-8962-3C7237426534}"/>
+                <a16:creationId xmlns="" xmlns:a16="http://schemas.microsoft.com/office/drawing/2014/main" id="{FAE2D885-9943-4E4D-8962-3C7237426534}"/>
               </a:ext>
             </a:extLst>
           </p:cNvPr>
@@ -4469,7 +5281,7 @@
           <p:cNvPr id="4" name="Picture 4" descr="A picture containing clock&#10;&#10;Description generated with very high confidence">
             <a:extLst>
               <a:ext uri="{FF2B5EF4-FFF2-40B4-BE49-F238E27FC236}">
-                <a16:creationId xmlns:a16="http://schemas.microsoft.com/office/drawing/2014/main" xmlns="" id="{25D95195-786B-4B91-AE22-4C7140069AAC}"/>
+                <a16:creationId xmlns="" xmlns:a16="http://schemas.microsoft.com/office/drawing/2014/main" id="{25D95195-786B-4B91-AE22-4C7140069AAC}"/>
               </a:ext>
             </a:extLst>
           </p:cNvPr>
@@ -4499,7 +5311,7 @@
           <p:cNvPr id="6" name="TextBox 5">
             <a:extLst>
               <a:ext uri="{FF2B5EF4-FFF2-40B4-BE49-F238E27FC236}">
-                <a16:creationId xmlns:a16="http://schemas.microsoft.com/office/drawing/2014/main" xmlns="" id="{7E29C76A-2160-439B-9581-96ED94B6E002}"/>
+                <a16:creationId xmlns="" xmlns:a16="http://schemas.microsoft.com/office/drawing/2014/main" id="{7E29C76A-2160-439B-9581-96ED94B6E002}"/>
               </a:ext>
             </a:extLst>
           </p:cNvPr>
@@ -4526,601 +5338,35 @@
           <a:lstStyle/>
           <a:p>
             <a:r>
-              <a:rPr lang="tr" err="1">
-                <a:ea typeface="+mn-lt"/>
-                <a:cs typeface="+mn-lt"/>
-              </a:rPr>
-              <a:t>Applying</a:t>
-            </a:r>
-            <a:r>
-              <a:rPr lang="tr">
-                <a:ea typeface="+mn-lt"/>
-                <a:cs typeface="+mn-lt"/>
-              </a:rPr>
-              <a:t> </a:t>
-            </a:r>
-            <a:r>
-              <a:rPr lang="tr" err="1">
-                <a:ea typeface="+mn-lt"/>
-                <a:cs typeface="+mn-lt"/>
-              </a:rPr>
-              <a:t>the</a:t>
-            </a:r>
-            <a:r>
-              <a:rPr lang="tr">
-                <a:ea typeface="+mn-lt"/>
-                <a:cs typeface="+mn-lt"/>
-              </a:rPr>
-              <a:t> </a:t>
-            </a:r>
-            <a:r>
-              <a:rPr lang="tr" err="1">
-                <a:ea typeface="+mn-lt"/>
-                <a:cs typeface="+mn-lt"/>
-              </a:rPr>
-              <a:t>rules</a:t>
-            </a:r>
-            <a:r>
-              <a:rPr lang="tr">
-                <a:ea typeface="+mn-lt"/>
-                <a:cs typeface="+mn-lt"/>
-              </a:rPr>
-              <a:t> </a:t>
-            </a:r>
-            <a:r>
-              <a:rPr lang="tr" err="1">
-                <a:ea typeface="+mn-lt"/>
-                <a:cs typeface="+mn-lt"/>
-              </a:rPr>
-              <a:t>always</a:t>
-            </a:r>
-            <a:r>
-              <a:rPr lang="tr">
-                <a:ea typeface="+mn-lt"/>
-                <a:cs typeface="+mn-lt"/>
-              </a:rPr>
-              <a:t> </a:t>
-            </a:r>
-            <a:r>
-              <a:rPr lang="tr" err="1">
-                <a:ea typeface="+mn-lt"/>
-                <a:cs typeface="+mn-lt"/>
-              </a:rPr>
-              <a:t>results</a:t>
-            </a:r>
-            <a:r>
-              <a:rPr lang="tr">
-                <a:ea typeface="+mn-lt"/>
-                <a:cs typeface="+mn-lt"/>
-              </a:rPr>
-              <a:t> in a </a:t>
-            </a:r>
-            <a:r>
-              <a:rPr lang="tr" err="1">
-                <a:ea typeface="+mn-lt"/>
-                <a:cs typeface="+mn-lt"/>
-              </a:rPr>
-              <a:t>properly</a:t>
-            </a:r>
-            <a:r>
-              <a:rPr lang="tr">
-                <a:ea typeface="+mn-lt"/>
-                <a:cs typeface="+mn-lt"/>
-              </a:rPr>
-              <a:t> </a:t>
-            </a:r>
-            <a:r>
-              <a:rPr lang="tr" err="1">
-                <a:ea typeface="+mn-lt"/>
-                <a:cs typeface="+mn-lt"/>
-              </a:rPr>
-              <a:t>structured</a:t>
-            </a:r>
-            <a:r>
-              <a:rPr lang="tr">
-                <a:ea typeface="+mn-lt"/>
-                <a:cs typeface="+mn-lt"/>
-              </a:rPr>
-              <a:t> </a:t>
-            </a:r>
-            <a:r>
-              <a:rPr lang="tr" err="1">
-                <a:ea typeface="+mn-lt"/>
-                <a:cs typeface="+mn-lt"/>
-              </a:rPr>
-              <a:t>activity</a:t>
-            </a:r>
-            <a:r>
-              <a:rPr lang="tr">
-                <a:ea typeface="+mn-lt"/>
-                <a:cs typeface="+mn-lt"/>
-              </a:rPr>
-              <a:t> </a:t>
-            </a:r>
-            <a:r>
-              <a:rPr lang="tr" err="1">
-                <a:ea typeface="+mn-lt"/>
-                <a:cs typeface="+mn-lt"/>
-              </a:rPr>
-              <a:t>diagram</a:t>
-            </a:r>
-            <a:r>
-              <a:rPr lang="tr">
-                <a:ea typeface="+mn-lt"/>
-                <a:cs typeface="+mn-lt"/>
-              </a:rPr>
-              <a:t> </a:t>
-            </a:r>
-            <a:r>
-              <a:rPr lang="tr" err="1">
-                <a:ea typeface="+mn-lt"/>
-                <a:cs typeface="+mn-lt"/>
-              </a:rPr>
-              <a:t>with</a:t>
-            </a:r>
-            <a:r>
-              <a:rPr lang="tr">
-                <a:ea typeface="+mn-lt"/>
-                <a:cs typeface="+mn-lt"/>
-              </a:rPr>
-              <a:t> a </a:t>
-            </a:r>
-            <a:r>
-              <a:rPr lang="tr" err="1">
-                <a:ea typeface="+mn-lt"/>
-                <a:cs typeface="+mn-lt"/>
-              </a:rPr>
-              <a:t>neat</a:t>
-            </a:r>
-            <a:r>
-              <a:rPr lang="tr">
-                <a:ea typeface="+mn-lt"/>
-                <a:cs typeface="+mn-lt"/>
-              </a:rPr>
-              <a:t>, </a:t>
-            </a:r>
-            <a:r>
-              <a:rPr lang="tr" err="1">
-                <a:ea typeface="+mn-lt"/>
-                <a:cs typeface="+mn-lt"/>
-              </a:rPr>
-              <a:t>building-block</a:t>
-            </a:r>
-            <a:r>
-              <a:rPr lang="tr">
-                <a:ea typeface="+mn-lt"/>
-                <a:cs typeface="+mn-lt"/>
-              </a:rPr>
-              <a:t> </a:t>
-            </a:r>
-            <a:r>
-              <a:rPr lang="tr" err="1">
-                <a:ea typeface="+mn-lt"/>
-                <a:cs typeface="+mn-lt"/>
-              </a:rPr>
-              <a:t>appearance</a:t>
-            </a:r>
-            <a:r>
-              <a:rPr lang="tr">
-                <a:ea typeface="+mn-lt"/>
-                <a:cs typeface="+mn-lt"/>
-              </a:rPr>
-              <a:t>. </a:t>
-            </a:r>
-            <a:r>
-              <a:rPr lang="tr" err="1">
-                <a:ea typeface="+mn-lt"/>
-                <a:cs typeface="+mn-lt"/>
-              </a:rPr>
-              <a:t>For</a:t>
-            </a:r>
-            <a:r>
-              <a:rPr lang="tr">
-                <a:ea typeface="+mn-lt"/>
-                <a:cs typeface="+mn-lt"/>
-              </a:rPr>
-              <a:t> </a:t>
-            </a:r>
-            <a:r>
-              <a:rPr lang="tr" err="1">
-                <a:ea typeface="+mn-lt"/>
-                <a:cs typeface="+mn-lt"/>
-              </a:rPr>
-              <a:t>example</a:t>
-            </a:r>
-            <a:r>
-              <a:rPr lang="tr">
-                <a:ea typeface="+mn-lt"/>
-                <a:cs typeface="+mn-lt"/>
-              </a:rPr>
-              <a:t>, </a:t>
-            </a:r>
-            <a:r>
-              <a:rPr lang="tr" err="1">
-                <a:ea typeface="+mn-lt"/>
-                <a:cs typeface="+mn-lt"/>
-              </a:rPr>
-              <a:t>repeatedly</a:t>
-            </a:r>
-            <a:r>
-              <a:rPr lang="tr">
-                <a:ea typeface="+mn-lt"/>
-                <a:cs typeface="+mn-lt"/>
-              </a:rPr>
-              <a:t> </a:t>
-            </a:r>
-            <a:r>
-              <a:rPr lang="tr" err="1">
-                <a:ea typeface="+mn-lt"/>
-                <a:cs typeface="+mn-lt"/>
-              </a:rPr>
-              <a:t>applying</a:t>
-            </a:r>
-            <a:r>
-              <a:rPr lang="tr">
-                <a:ea typeface="+mn-lt"/>
-                <a:cs typeface="+mn-lt"/>
-              </a:rPr>
-              <a:t> </a:t>
-            </a:r>
-            <a:r>
-              <a:rPr lang="tr" err="1">
-                <a:ea typeface="+mn-lt"/>
-                <a:cs typeface="+mn-lt"/>
-              </a:rPr>
-              <a:t>rule</a:t>
-            </a:r>
-            <a:r>
-              <a:rPr lang="tr">
-                <a:ea typeface="+mn-lt"/>
-                <a:cs typeface="+mn-lt"/>
-              </a:rPr>
-              <a:t> 2 </a:t>
-            </a:r>
-            <a:r>
-              <a:rPr lang="tr" err="1">
-                <a:ea typeface="+mn-lt"/>
-                <a:cs typeface="+mn-lt"/>
-              </a:rPr>
-              <a:t>to</a:t>
-            </a:r>
-            <a:r>
-              <a:rPr lang="tr">
-                <a:ea typeface="+mn-lt"/>
-                <a:cs typeface="+mn-lt"/>
-              </a:rPr>
-              <a:t> </a:t>
-            </a:r>
-            <a:r>
-              <a:rPr lang="tr" err="1">
-                <a:ea typeface="+mn-lt"/>
-                <a:cs typeface="+mn-lt"/>
-              </a:rPr>
-              <a:t>the</a:t>
-            </a:r>
-            <a:r>
-              <a:rPr lang="tr">
-                <a:ea typeface="+mn-lt"/>
-                <a:cs typeface="+mn-lt"/>
-              </a:rPr>
-              <a:t> </a:t>
-            </a:r>
-            <a:r>
-              <a:rPr lang="tr" err="1">
-                <a:ea typeface="+mn-lt"/>
-                <a:cs typeface="+mn-lt"/>
-              </a:rPr>
-              <a:t>simplest</a:t>
-            </a:r>
-            <a:r>
-              <a:rPr lang="tr">
-                <a:ea typeface="+mn-lt"/>
-                <a:cs typeface="+mn-lt"/>
-              </a:rPr>
-              <a:t> </a:t>
-            </a:r>
-            <a:r>
-              <a:rPr lang="tr" err="1">
-                <a:ea typeface="+mn-lt"/>
-                <a:cs typeface="+mn-lt"/>
-              </a:rPr>
-              <a:t>activity</a:t>
-            </a:r>
-            <a:r>
-              <a:rPr lang="tr">
-                <a:ea typeface="+mn-lt"/>
-                <a:cs typeface="+mn-lt"/>
-              </a:rPr>
-              <a:t> </a:t>
-            </a:r>
-            <a:r>
-              <a:rPr lang="tr" err="1">
-                <a:ea typeface="+mn-lt"/>
-                <a:cs typeface="+mn-lt"/>
-              </a:rPr>
-              <a:t>diagram</a:t>
-            </a:r>
-            <a:r>
-              <a:rPr lang="tr">
-                <a:ea typeface="+mn-lt"/>
-                <a:cs typeface="+mn-lt"/>
-              </a:rPr>
-              <a:t> </a:t>
-            </a:r>
-            <a:r>
-              <a:rPr lang="tr" err="1">
-                <a:ea typeface="+mn-lt"/>
-                <a:cs typeface="+mn-lt"/>
-              </a:rPr>
-              <a:t>results</a:t>
-            </a:r>
-            <a:r>
-              <a:rPr lang="tr">
-                <a:ea typeface="+mn-lt"/>
-                <a:cs typeface="+mn-lt"/>
-              </a:rPr>
-              <a:t> in an </a:t>
-            </a:r>
-            <a:r>
-              <a:rPr lang="tr" err="1">
-                <a:ea typeface="+mn-lt"/>
-                <a:cs typeface="+mn-lt"/>
-              </a:rPr>
-              <a:t>activity</a:t>
-            </a:r>
-            <a:r>
-              <a:rPr lang="tr">
-                <a:ea typeface="+mn-lt"/>
-                <a:cs typeface="+mn-lt"/>
-              </a:rPr>
-              <a:t> </a:t>
-            </a:r>
-            <a:r>
-              <a:rPr lang="tr" err="1">
-                <a:ea typeface="+mn-lt"/>
-                <a:cs typeface="+mn-lt"/>
-              </a:rPr>
-              <a:t>diagram</a:t>
-            </a:r>
-            <a:r>
-              <a:rPr lang="tr">
-                <a:ea typeface="+mn-lt"/>
-                <a:cs typeface="+mn-lt"/>
-              </a:rPr>
-              <a:t> </a:t>
-            </a:r>
-            <a:r>
-              <a:rPr lang="tr" err="1">
-                <a:ea typeface="+mn-lt"/>
-                <a:cs typeface="+mn-lt"/>
-              </a:rPr>
-              <a:t>containing</a:t>
-            </a:r>
-            <a:r>
-              <a:rPr lang="tr">
-                <a:ea typeface="+mn-lt"/>
-                <a:cs typeface="+mn-lt"/>
-              </a:rPr>
-              <a:t> </a:t>
-            </a:r>
-            <a:r>
-              <a:rPr lang="tr" err="1">
-                <a:ea typeface="+mn-lt"/>
-                <a:cs typeface="+mn-lt"/>
-              </a:rPr>
-              <a:t>many</a:t>
-            </a:r>
-            <a:r>
-              <a:rPr lang="tr">
-                <a:ea typeface="+mn-lt"/>
-                <a:cs typeface="+mn-lt"/>
-              </a:rPr>
-              <a:t> </a:t>
-            </a:r>
-            <a:r>
-              <a:rPr lang="tr" err="1">
-                <a:ea typeface="+mn-lt"/>
-                <a:cs typeface="+mn-lt"/>
-              </a:rPr>
-              <a:t>action</a:t>
-            </a:r>
-            <a:r>
-              <a:rPr lang="tr">
-                <a:ea typeface="+mn-lt"/>
-                <a:cs typeface="+mn-lt"/>
-              </a:rPr>
-              <a:t> </a:t>
-            </a:r>
-            <a:r>
-              <a:rPr lang="tr" err="1">
-                <a:ea typeface="+mn-lt"/>
-                <a:cs typeface="+mn-lt"/>
-              </a:rPr>
-              <a:t>states</a:t>
-            </a:r>
-            <a:r>
-              <a:rPr lang="tr">
-                <a:ea typeface="+mn-lt"/>
-                <a:cs typeface="+mn-lt"/>
-              </a:rPr>
-              <a:t> in </a:t>
-            </a:r>
-            <a:r>
-              <a:rPr lang="tr" err="1">
-                <a:ea typeface="+mn-lt"/>
-                <a:cs typeface="+mn-lt"/>
-              </a:rPr>
-              <a:t>sequence</a:t>
-            </a:r>
-            <a:r>
-              <a:rPr lang="tr">
-                <a:ea typeface="+mn-lt"/>
-                <a:cs typeface="+mn-lt"/>
-              </a:rPr>
-              <a:t>. </a:t>
-            </a:r>
-            <a:r>
-              <a:rPr lang="tr" err="1">
-                <a:ea typeface="+mn-lt"/>
-                <a:cs typeface="+mn-lt"/>
-              </a:rPr>
-              <a:t>Rule</a:t>
-            </a:r>
-            <a:r>
-              <a:rPr lang="tr">
-                <a:ea typeface="+mn-lt"/>
-                <a:cs typeface="+mn-lt"/>
-              </a:rPr>
-              <a:t> 2 </a:t>
-            </a:r>
-            <a:r>
-              <a:rPr lang="tr" err="1">
-                <a:ea typeface="+mn-lt"/>
-                <a:cs typeface="+mn-lt"/>
-              </a:rPr>
-              <a:t>generates</a:t>
-            </a:r>
-            <a:r>
-              <a:rPr lang="tr">
-                <a:ea typeface="+mn-lt"/>
-                <a:cs typeface="+mn-lt"/>
-              </a:rPr>
-              <a:t> a </a:t>
-            </a:r>
-            <a:r>
-              <a:rPr lang="tr" i="1" err="1">
-                <a:ea typeface="+mn-lt"/>
-                <a:cs typeface="+mn-lt"/>
-              </a:rPr>
-              <a:t>stack</a:t>
+              <a:rPr lang="tr">
+                <a:ea typeface="+mn-lt"/>
+                <a:cs typeface="+mn-lt"/>
+              </a:rPr>
+              <a:t>Applying the rules always results in a properly structured activity diagram with a neat, building-block appearance. For example, repeatedly applying rule 2 to the simplest activity diagram results in an activity diagram containing many action states in sequence. Rule 2 generates a </a:t>
             </a:r>
             <a:r>
               <a:rPr lang="tr" i="1">
                 <a:ea typeface="+mn-lt"/>
                 <a:cs typeface="+mn-lt"/>
               </a:rPr>
-              <a:t> </a:t>
-            </a:r>
-            <a:r>
-              <a:rPr lang="tr">
-                <a:ea typeface="+mn-lt"/>
-                <a:cs typeface="+mn-lt"/>
-              </a:rPr>
-              <a:t>of </a:t>
-            </a:r>
-            <a:r>
-              <a:rPr lang="tr" err="1">
-                <a:ea typeface="+mn-lt"/>
-                <a:cs typeface="+mn-lt"/>
-              </a:rPr>
-              <a:t>control</a:t>
-            </a:r>
-            <a:r>
-              <a:rPr lang="tr">
-                <a:ea typeface="+mn-lt"/>
-                <a:cs typeface="+mn-lt"/>
-              </a:rPr>
-              <a:t> </a:t>
-            </a:r>
-            <a:r>
-              <a:rPr lang="tr" err="1">
-                <a:ea typeface="+mn-lt"/>
-                <a:cs typeface="+mn-lt"/>
-              </a:rPr>
-              <a:t>statements</a:t>
-            </a:r>
-            <a:r>
-              <a:rPr lang="tr">
-                <a:ea typeface="+mn-lt"/>
-                <a:cs typeface="+mn-lt"/>
-              </a:rPr>
-              <a:t>, </a:t>
-            </a:r>
-            <a:r>
-              <a:rPr lang="tr" err="1">
-                <a:ea typeface="+mn-lt"/>
-                <a:cs typeface="+mn-lt"/>
-              </a:rPr>
-              <a:t>so</a:t>
-            </a:r>
-            <a:r>
-              <a:rPr lang="tr">
-                <a:ea typeface="+mn-lt"/>
-                <a:cs typeface="+mn-lt"/>
-              </a:rPr>
-              <a:t> </a:t>
-            </a:r>
-            <a:r>
-              <a:rPr lang="tr" err="1">
-                <a:ea typeface="+mn-lt"/>
-                <a:cs typeface="+mn-lt"/>
-              </a:rPr>
-              <a:t>we</a:t>
-            </a:r>
-            <a:r>
-              <a:rPr lang="tr">
-                <a:ea typeface="+mn-lt"/>
-                <a:cs typeface="+mn-lt"/>
-              </a:rPr>
-              <a:t> can </a:t>
-            </a:r>
-            <a:r>
-              <a:rPr lang="tr" err="1">
-                <a:ea typeface="+mn-lt"/>
-                <a:cs typeface="+mn-lt"/>
-              </a:rPr>
-              <a:t>call</a:t>
-            </a:r>
-            <a:r>
-              <a:rPr lang="tr">
-                <a:ea typeface="+mn-lt"/>
-                <a:cs typeface="+mn-lt"/>
-              </a:rPr>
-              <a:t> it </a:t>
-            </a:r>
-            <a:r>
-              <a:rPr lang="tr" err="1">
-                <a:ea typeface="+mn-lt"/>
-                <a:cs typeface="+mn-lt"/>
-              </a:rPr>
-              <a:t>the</a:t>
-            </a:r>
-            <a:r>
-              <a:rPr lang="tr">
-                <a:ea typeface="+mn-lt"/>
-                <a:cs typeface="+mn-lt"/>
-              </a:rPr>
-              <a:t> </a:t>
-            </a:r>
-            <a:r>
-              <a:rPr lang="tr" err="1">
+              <a:t>stack </a:t>
+            </a:r>
+            <a:r>
+              <a:rPr lang="tr">
+                <a:ea typeface="+mn-lt"/>
+                <a:cs typeface="+mn-lt"/>
+              </a:rPr>
+              <a:t>of control statements, so we can call it the </a:t>
+            </a:r>
+            <a:r>
+              <a:rPr lang="tr">
                 <a:solidFill>
                   <a:srgbClr val="00B050"/>
                 </a:solidFill>
                 <a:ea typeface="+mn-lt"/>
                 <a:cs typeface="+mn-lt"/>
               </a:rPr>
-              <a:t>stacking</a:t>
-            </a:r>
-            <a:r>
-              <a:rPr lang="tr">
-                <a:solidFill>
-                  <a:srgbClr val="00B050"/>
-                </a:solidFill>
-                <a:ea typeface="+mn-lt"/>
-                <a:cs typeface="+mn-lt"/>
-              </a:rPr>
-              <a:t> </a:t>
-            </a:r>
-            <a:r>
-              <a:rPr lang="tr" err="1">
-                <a:solidFill>
-                  <a:srgbClr val="00B050"/>
-                </a:solidFill>
-                <a:ea typeface="+mn-lt"/>
-                <a:cs typeface="+mn-lt"/>
-              </a:rPr>
-              <a:t>rule</a:t>
+              <a:t>stacking rule</a:t>
             </a:r>
             <a:r>
               <a:rPr lang="tr">
@@ -5140,7 +5386,7 @@
           <p:cNvPr id="7" name="Picture 7" descr="A picture containing screenshot, clock&#10;&#10;Description generated with very high confidence">
             <a:extLst>
               <a:ext uri="{FF2B5EF4-FFF2-40B4-BE49-F238E27FC236}">
-                <a16:creationId xmlns:a16="http://schemas.microsoft.com/office/drawing/2014/main" xmlns="" id="{30DEE5BC-F668-4258-90BE-56C6B6D22192}"/>
+                <a16:creationId xmlns="" xmlns:a16="http://schemas.microsoft.com/office/drawing/2014/main" id="{30DEE5BC-F668-4258-90BE-56C6B6D22192}"/>
               </a:ext>
             </a:extLst>
           </p:cNvPr>
@@ -5175,13 +5421,6 @@
   <p:clrMapOvr>
     <a:masterClrMapping/>
   </p:clrMapOvr>
-  <p:timing>
-    <p:tnLst>
-      <p:par>
-        <p:cTn id="1" dur="indefinite" restart="never" nodeType="tmRoot"/>
-      </p:par>
-    </p:tnLst>
-  </p:timing>
 </p:sld>
 </file>
 
@@ -5207,7 +5446,7 @@
           <p:cNvPr id="2" name="Picture 2" descr="A screenshot of a cell phone&#10;&#10;Description generated with very high confidence">
             <a:extLst>
               <a:ext uri="{FF2B5EF4-FFF2-40B4-BE49-F238E27FC236}">
-                <a16:creationId xmlns:a16="http://schemas.microsoft.com/office/drawing/2014/main" xmlns="" id="{458042D4-9607-4BCB-8701-9FC99244305D}"/>
+                <a16:creationId xmlns="" xmlns:a16="http://schemas.microsoft.com/office/drawing/2014/main" id="{458042D4-9607-4BCB-8701-9FC99244305D}"/>
               </a:ext>
             </a:extLst>
           </p:cNvPr>
@@ -5237,7 +5476,7 @@
           <p:cNvPr id="4" name="TextBox 3">
             <a:extLst>
               <a:ext uri="{FF2B5EF4-FFF2-40B4-BE49-F238E27FC236}">
-                <a16:creationId xmlns:a16="http://schemas.microsoft.com/office/drawing/2014/main" xmlns="" id="{DC6842B5-15AF-4261-B696-6B97C5F60251}"/>
+                <a16:creationId xmlns="" xmlns:a16="http://schemas.microsoft.com/office/drawing/2014/main" id="{DC6842B5-15AF-4261-B696-6B97C5F60251}"/>
               </a:ext>
             </a:extLst>
           </p:cNvPr>
@@ -6013,7 +6252,7 @@
           <p:cNvPr id="5" name="Picture 5" descr="A close up of a map&#10;&#10;Description generated with very high confidence">
             <a:extLst>
               <a:ext uri="{FF2B5EF4-FFF2-40B4-BE49-F238E27FC236}">
-                <a16:creationId xmlns:a16="http://schemas.microsoft.com/office/drawing/2014/main" xmlns="" id="{D1C9EFD1-CC89-4006-8E61-83B8A000D57E}"/>
+                <a16:creationId xmlns="" xmlns:a16="http://schemas.microsoft.com/office/drawing/2014/main" id="{D1C9EFD1-CC89-4006-8E61-83B8A000D57E}"/>
               </a:ext>
             </a:extLst>
           </p:cNvPr>
@@ -6048,13 +6287,6 @@
   <p:clrMapOvr>
     <a:masterClrMapping/>
   </p:clrMapOvr>
-  <p:timing>
-    <p:tnLst>
-      <p:par>
-        <p:cTn id="1" dur="indefinite" restart="never" nodeType="tmRoot"/>
-      </p:par>
-    </p:tnLst>
-  </p:timing>
 </p:sld>
 </file>
 
@@ -6080,7 +6312,7 @@
           <p:cNvPr id="2" name="Picture 2" descr="A screenshot of a cell phone&#10;&#10;Description generated with very high confidence">
             <a:extLst>
               <a:ext uri="{FF2B5EF4-FFF2-40B4-BE49-F238E27FC236}">
-                <a16:creationId xmlns:a16="http://schemas.microsoft.com/office/drawing/2014/main" xmlns="" id="{D6F08C77-C09E-4218-AFA6-F8738E86AB46}"/>
+                <a16:creationId xmlns="" xmlns:a16="http://schemas.microsoft.com/office/drawing/2014/main" id="{D6F08C77-C09E-4218-AFA6-F8738E86AB46}"/>
               </a:ext>
             </a:extLst>
           </p:cNvPr>
@@ -6110,7 +6342,7 @@
           <p:cNvPr id="4" name="TextBox 3">
             <a:extLst>
               <a:ext uri="{FF2B5EF4-FFF2-40B4-BE49-F238E27FC236}">
-                <a16:creationId xmlns:a16="http://schemas.microsoft.com/office/drawing/2014/main" xmlns="" id="{2497D971-24F4-4BB8-B4DD-B41CC1E7C340}"/>
+                <a16:creationId xmlns="" xmlns:a16="http://schemas.microsoft.com/office/drawing/2014/main" id="{2497D971-24F4-4BB8-B4DD-B41CC1E7C340}"/>
               </a:ext>
             </a:extLst>
           </p:cNvPr>
@@ -6137,14 +6369,14 @@
           <a:lstStyle/>
           <a:p>
             <a:r>
-              <a:rPr lang="tr" dirty="0">
+              <a:rPr lang="tr">
                 <a:ea typeface="+mn-lt"/>
                 <a:cs typeface="+mn-lt"/>
               </a:rPr>
               <a:t>Rule 4 generates larger, more involved and more deeply nested statements. The diagrams that emerge from applying the rules constitute the set of all possible structured activity diagrams and hence the set of all possible structured programs. The beauty of the structured approach is that </a:t>
             </a:r>
             <a:r>
-              <a:rPr lang="tr" dirty="0">
+              <a:rPr lang="tr">
                 <a:solidFill>
                   <a:srgbClr val="FFC000"/>
                 </a:solidFill>
@@ -6154,7 +6386,7 @@
               <a:t>we use </a:t>
             </a:r>
             <a:r>
-              <a:rPr lang="tr" i="1" dirty="0">
+              <a:rPr lang="tr" i="1">
                 <a:solidFill>
                   <a:srgbClr val="FFC000"/>
                 </a:solidFill>
@@ -6164,7 +6396,7 @@
               <a:t>only seven </a:t>
             </a:r>
             <a:r>
-              <a:rPr lang="tr" dirty="0">
+              <a:rPr lang="tr">
                 <a:solidFill>
                   <a:srgbClr val="FFC000"/>
                 </a:solidFill>
@@ -6174,7 +6406,7 @@
               <a:t>simple single-entry/single-exit control statements and assemble them in </a:t>
             </a:r>
             <a:r>
-              <a:rPr lang="tr" i="1" dirty="0">
+              <a:rPr lang="tr" i="1">
                 <a:solidFill>
                   <a:srgbClr val="FFC000"/>
                 </a:solidFill>
@@ -6184,7 +6416,7 @@
               <a:t>only two </a:t>
             </a:r>
             <a:r>
-              <a:rPr lang="tr" dirty="0">
+              <a:rPr lang="tr">
                 <a:solidFill>
                   <a:srgbClr val="FFC000"/>
                 </a:solidFill>
@@ -6194,14 +6426,14 @@
               <a:t>simple ways</a:t>
             </a:r>
             <a:r>
-              <a:rPr lang="tr" dirty="0">
+              <a:rPr lang="tr">
                 <a:ea typeface="+mn-lt"/>
                 <a:cs typeface="+mn-lt"/>
               </a:rPr>
               <a:t>.</a:t>
             </a:r>
             <a:r>
-              <a:rPr lang="en-US" dirty="0">
+              <a:rPr lang="en-US">
                 <a:ea typeface="+mn-lt"/>
                 <a:cs typeface="+mn-lt"/>
               </a:rPr>
@@ -6220,13 +6452,6 @@
   <p:clrMapOvr>
     <a:masterClrMapping/>
   </p:clrMapOvr>
-  <p:timing>
-    <p:tnLst>
-      <p:par>
-        <p:cTn id="1" dur="indefinite" restart="never" nodeType="tmRoot"/>
-      </p:par>
-    </p:tnLst>
-  </p:timing>
 </p:sld>
 </file>
 
@@ -6252,7 +6477,7 @@
           <p:cNvPr id="10" name="TextBox 9">
             <a:extLst>
               <a:ext uri="{FF2B5EF4-FFF2-40B4-BE49-F238E27FC236}">
-                <a16:creationId xmlns:a16="http://schemas.microsoft.com/office/drawing/2014/main" xmlns="" id="{C23D4C58-572C-4D7A-A005-B8BB9181A7EA}"/>
+                <a16:creationId xmlns="" xmlns:a16="http://schemas.microsoft.com/office/drawing/2014/main" id="{C23D4C58-572C-4D7A-A005-B8BB9181A7EA}"/>
               </a:ext>
             </a:extLst>
           </p:cNvPr>
@@ -6262,7 +6487,7 @@
         <p:spPr>
           <a:xfrm>
             <a:off x="421344" y="413496"/>
-            <a:ext cx="5898773" cy="2031325"/>
+            <a:ext cx="5898773" cy="1754326"/>
           </a:xfrm>
           <a:prstGeom prst="rect">
             <a:avLst/>
@@ -6279,17 +6504,10 @@
           <a:lstStyle/>
           <a:p>
             <a:r>
-              <a:rPr lang="en-US" dirty="0"/>
-              <a:t>If the rules are followed, an “unstructured’ activity diagram (like the one in Fig. 5.26) cannot be created. If you’re uncertain about whether a particular diagram is structured, apply the rules in reverse to reduce it to the simplest activity diagram. If you can reduce it, the original diagram is structured; otherwise, it’s not. </a:t>
-            </a:r>
-            <a:endParaRPr lang="en-US" dirty="0">
-              <a:ea typeface="+mn-lt"/>
-              <a:cs typeface="+mn-lt"/>
-            </a:endParaRPr>
-          </a:p>
-          <a:p>
-            <a:pPr algn="l"/>
-            <a:endParaRPr lang="en-US" dirty="0">
+              <a:rPr lang="en-US"/>
+              <a:t>If the rules are followed, an “unstructured’ activity diagram (like the one in Fig. 5.26) cannot be created. If you’re uncertain about whether a particular diagram is structured, apply the rules in reverse to reduce it to the simplest activity diagram. If you can reduce it, the original diagram is structured; otherwise, it’s not. ​</a:t>
+            </a:r>
+            <a:endParaRPr lang="en-US">
               <a:cs typeface="Calibri"/>
             </a:endParaRPr>
           </a:p>
@@ -6300,7 +6518,7 @@
           <p:cNvPr id="15" name="TextBox 14">
             <a:extLst>
               <a:ext uri="{FF2B5EF4-FFF2-40B4-BE49-F238E27FC236}">
-                <a16:creationId xmlns:a16="http://schemas.microsoft.com/office/drawing/2014/main" xmlns="" id="{43F48A07-E3EE-4A10-BED9-0B93C0EE2ED6}"/>
+                <a16:creationId xmlns="" xmlns:a16="http://schemas.microsoft.com/office/drawing/2014/main" id="{43F48A07-E3EE-4A10-BED9-0B93C0EE2ED6}"/>
               </a:ext>
             </a:extLst>
           </p:cNvPr>
@@ -6310,7 +6528,7 @@
         <p:spPr>
           <a:xfrm>
             <a:off x="421341" y="2779059"/>
-            <a:ext cx="5898775" cy="3416320"/>
+            <a:ext cx="5898775" cy="3693319"/>
           </a:xfrm>
           <a:prstGeom prst="rect">
             <a:avLst/>
@@ -6327,46 +6545,46 @@
           <a:lstStyle/>
           <a:p>
             <a:r>
-              <a:rPr lang="en-US" dirty="0"/>
-              <a:t>First thing wrong with this program is that the arrow coming out of second decision symbol goes in the middle of the do while statement. Is should go to the beginning if we want two nested do while statements. Current diagram can be achieved only with a </a:t>
-            </a:r>
-            <a:r>
-              <a:rPr lang="en-US" dirty="0" err="1"/>
+              <a:rPr lang="en-US"/>
+              <a:t>First thing wrong with this program is that the arrow coming out of second decision symbol goes in the middle of the do while statement. It should go to the beginning if we want two nested do while statements. Going to the middle of a do while statement directly can only be achieved with a </a:t>
+            </a:r>
+            <a:r>
+              <a:rPr lang="en-US" err="1"/>
               <a:t>goto</a:t>
             </a:r>
             <a:r>
-              <a:rPr lang="en-US" dirty="0"/>
+              <a:rPr lang="en-US"/>
               <a:t> statement.</a:t>
             </a:r>
           </a:p>
           <a:p>
-            <a:endParaRPr lang="en-US" dirty="0">
+            <a:endParaRPr lang="en-US">
               <a:cs typeface="Calibri" panose="020F0502020204030204"/>
             </a:endParaRPr>
           </a:p>
           <a:p>
             <a:r>
-              <a:rPr lang="en-US" dirty="0">
+              <a:rPr lang="en-US">
                 <a:cs typeface="Calibri" panose="020F0502020204030204"/>
               </a:rPr>
               <a:t>Second thing wrong with this program is,</a:t>
             </a:r>
             <a:r>
-              <a:rPr lang="en-US" dirty="0">
+              <a:rPr lang="en-US">
                 <a:ea typeface="+mn-lt"/>
                 <a:cs typeface="+mn-lt"/>
               </a:rPr>
               <a:t> there is no way of reaching the second part of the program. There is not even a </a:t>
             </a:r>
             <a:r>
-              <a:rPr lang="en-US" dirty="0" err="1">
+              <a:rPr lang="en-US" err="1">
                 <a:ea typeface="+mn-lt"/>
                 <a:cs typeface="+mn-lt"/>
               </a:rPr>
               <a:t>goto</a:t>
             </a:r>
             <a:r>
-              <a:rPr lang="en-US" dirty="0">
+              <a:rPr lang="en-US">
                 <a:ea typeface="+mn-lt"/>
                 <a:cs typeface="+mn-lt"/>
               </a:rPr>
@@ -6374,13 +6592,13 @@
             </a:r>
           </a:p>
           <a:p>
-            <a:endParaRPr lang="en-US" dirty="0">
+            <a:endParaRPr lang="en-US">
               <a:cs typeface="Calibri" panose="020F0502020204030204"/>
             </a:endParaRPr>
           </a:p>
           <a:p>
             <a:r>
-              <a:rPr lang="en-US" dirty="0">
+              <a:rPr lang="en-US">
                 <a:cs typeface="Calibri" panose="020F0502020204030204"/>
               </a:rPr>
               <a:t>Last wrong thing is the fact that there are two out outgoing transition arrows from an action state.</a:t>
@@ -6393,7 +6611,7 @@
           <p:cNvPr id="16" name="Picture 16" descr="A screenshot of a cell phone&#10;&#10;Description generated with very high confidence">
             <a:extLst>
               <a:ext uri="{FF2B5EF4-FFF2-40B4-BE49-F238E27FC236}">
-                <a16:creationId xmlns:a16="http://schemas.microsoft.com/office/drawing/2014/main" xmlns="" id="{B9050275-47A3-490B-9304-740C7DD04B16}"/>
+                <a16:creationId xmlns="" xmlns:a16="http://schemas.microsoft.com/office/drawing/2014/main" id="{B9050275-47A3-490B-9304-740C7DD04B16}"/>
               </a:ext>
             </a:extLst>
           </p:cNvPr>
@@ -6428,13 +6646,6 @@
   <p:clrMapOvr>
     <a:masterClrMapping/>
   </p:clrMapOvr>
-  <p:timing>
-    <p:tnLst>
-      <p:par>
-        <p:cTn id="1" dur="indefinite" restart="never" nodeType="tmRoot"/>
-      </p:par>
-    </p:tnLst>
-  </p:timing>
 </p:sld>
 </file>
 
@@ -6460,7 +6671,7 @@
           <p:cNvPr id="2" name="TextBox 1">
             <a:extLst>
               <a:ext uri="{FF2B5EF4-FFF2-40B4-BE49-F238E27FC236}">
-                <a16:creationId xmlns:a16="http://schemas.microsoft.com/office/drawing/2014/main" xmlns="" id="{369EA8D3-7709-4D21-81C1-EF4A2CEC66D9}"/>
+                <a16:creationId xmlns="" xmlns:a16="http://schemas.microsoft.com/office/drawing/2014/main" id="{369EA8D3-7709-4D21-81C1-EF4A2CEC66D9}"/>
               </a:ext>
             </a:extLst>
           </p:cNvPr>
@@ -6508,7 +6719,7 @@
               <a:t>The break statement causes immediate exit from repetition statements or switch statement.</a:t>
             </a:r>
             <a:r>
-              <a:rPr lang="en-US" dirty="0">
+              <a:rPr lang="en-US">
                 <a:ea typeface="+mn-lt"/>
                 <a:cs typeface="+mn-lt"/>
               </a:rPr>
@@ -6516,7 +6727,7 @@
             </a:r>
           </a:p>
           <a:p>
-            <a:endParaRPr lang="en-US" dirty="0">
+            <a:endParaRPr lang="en-US">
               <a:cs typeface="Calibri"/>
             </a:endParaRPr>
           </a:p>
@@ -6529,7 +6740,7 @@
               </a:rPr>
               <a:t>   for (count = 1; count &lt;= 10; count++) { // Loop 10 times.</a:t>
             </a:r>
-            <a:endParaRPr lang="en-US" sz="1400" dirty="0">
+            <a:endParaRPr lang="en-US" sz="1400">
               <a:latin typeface="Consolas"/>
               <a:ea typeface="+mn-lt"/>
               <a:cs typeface="+mn-lt"/>
@@ -6544,100 +6755,71 @@
               </a:rPr>
               <a:t>      if (count == 5)</a:t>
             </a:r>
-            <a:r>
-              <a:rPr lang="en-US" sz="1400" dirty="0">
-                <a:latin typeface="Consolas"/>
-                <a:ea typeface="+mn-lt"/>
-                <a:cs typeface="+mn-lt"/>
-              </a:rPr>
-              <a:t> </a:t>
-            </a:r>
-          </a:p>
-          <a:p>
-            <a:r>
-              <a:rPr lang="tr" sz="1400">
-                <a:latin typeface="Consolas"/>
-                <a:ea typeface="+mn-lt"/>
-                <a:cs typeface="+mn-lt"/>
-              </a:rPr>
-              <a:t>         break;</a:t>
-            </a:r>
-            <a:r>
-              <a:rPr lang="en-US" sz="1400" dirty="0">
-                <a:latin typeface="Consolas"/>
-                <a:ea typeface="+mn-lt"/>
-                <a:cs typeface="+mn-lt"/>
-              </a:rPr>
-              <a:t> </a:t>
-            </a:r>
-          </a:p>
-          <a:p>
-            <a:r>
-              <a:rPr lang="tr" sz="1400">
-                <a:latin typeface="Consolas"/>
-                <a:ea typeface="+mn-lt"/>
-                <a:cs typeface="+mn-lt"/>
-              </a:rPr>
-              <a:t>      System.out.printf("%d ", count);</a:t>
-            </a:r>
-            <a:r>
-              <a:rPr lang="en-US" sz="1400" dirty="0">
-                <a:latin typeface="Consolas"/>
-                <a:ea typeface="+mn-lt"/>
-                <a:cs typeface="+mn-lt"/>
-              </a:rPr>
-              <a:t> </a:t>
-            </a:r>
-          </a:p>
-          <a:p>
-            <a:r>
-              <a:rPr lang="tr" sz="1400">
-                <a:latin typeface="Consolas"/>
-                <a:ea typeface="+mn-lt"/>
-                <a:cs typeface="+mn-lt"/>
-              </a:rPr>
-              <a:t>   }</a:t>
-            </a:r>
-            <a:r>
-              <a:rPr lang="en-US" sz="1400" dirty="0">
-                <a:latin typeface="Consolas"/>
-                <a:ea typeface="+mn-lt"/>
-                <a:cs typeface="+mn-lt"/>
-              </a:rPr>
-              <a:t> </a:t>
-            </a:r>
-          </a:p>
-          <a:p>
-            <a:endParaRPr lang="en-US" dirty="0">
+            <a:endParaRPr lang="en-US" sz="1400">
+              <a:latin typeface="Consolas"/>
               <a:ea typeface="+mn-lt"/>
               <a:cs typeface="+mn-lt"/>
             </a:endParaRPr>
           </a:p>
           <a:p>
             <a:r>
-              <a:rPr lang="en-US">
-                <a:ea typeface="+mn-lt"/>
-                <a:cs typeface="+mn-lt"/>
-              </a:rPr>
-              <a:t>Some programmers feel that break and continue violate structured programming</a:t>
-            </a:r>
-            <a:r>
-              <a:rPr lang="tr">
-                <a:ea typeface="+mn-lt"/>
-                <a:cs typeface="+mn-lt"/>
-              </a:rPr>
-              <a:t> and some programmers avoid using them by using other ways to exit their repetition or continue with the next iteration to their repetition.</a:t>
-            </a:r>
-            <a:r>
-              <a:rPr lang="en-US" dirty="0">
-                <a:ea typeface="+mn-lt"/>
-                <a:cs typeface="+mn-lt"/>
-              </a:rPr>
-              <a:t> </a:t>
-            </a:r>
-          </a:p>
-          <a:p>
-            <a:endParaRPr lang="en-US" dirty="0">
+              <a:rPr lang="tr" sz="1400">
+                <a:latin typeface="Consolas"/>
+                <a:ea typeface="+mn-lt"/>
+                <a:cs typeface="+mn-lt"/>
+              </a:rPr>
+              <a:t>         break;</a:t>
+            </a:r>
+            <a:endParaRPr lang="en-US" sz="1400">
+              <a:latin typeface="Consolas"/>
+              <a:ea typeface="+mn-lt"/>
+              <a:cs typeface="+mn-lt"/>
+            </a:endParaRPr>
+          </a:p>
+          <a:p>
+            <a:r>
+              <a:rPr lang="tr" sz="1400">
+                <a:latin typeface="Consolas"/>
+                <a:ea typeface="+mn-lt"/>
+                <a:cs typeface="+mn-lt"/>
+              </a:rPr>
+              <a:t>      System.out.printf("%d ", count);</a:t>
+            </a:r>
+            <a:endParaRPr lang="en-US" sz="1400">
+              <a:latin typeface="Consolas"/>
+              <a:ea typeface="+mn-lt"/>
+              <a:cs typeface="+mn-lt"/>
+            </a:endParaRPr>
+          </a:p>
+          <a:p>
+            <a:r>
+              <a:rPr lang="tr" sz="1400">
+                <a:latin typeface="Consolas"/>
+                <a:ea typeface="+mn-lt"/>
+                <a:cs typeface="+mn-lt"/>
+              </a:rPr>
+              <a:t>   }</a:t>
+            </a:r>
+            <a:endParaRPr lang="en-US" sz="1400">
+              <a:latin typeface="Consolas"/>
+              <a:ea typeface="+mn-lt"/>
+              <a:cs typeface="+mn-lt"/>
+            </a:endParaRPr>
+          </a:p>
+          <a:p>
+            <a:endParaRPr lang="en-US">
+              <a:ea typeface="+mn-lt"/>
+              <a:cs typeface="+mn-lt"/>
+            </a:endParaRPr>
+          </a:p>
+          <a:p>
+            <a:r>
+              <a:rPr lang="en-US"/>
+              <a:t>Some programmers feel that break and continue violate structured programming Since the same effects are achievable with structured programming techniques, these programmers do not use break or continue..</a:t>
+            </a:r>
+          </a:p>
+          <a:p>
+            <a:endParaRPr lang="en-US">
               <a:ea typeface="+mn-lt"/>
               <a:cs typeface="+mn-lt"/>
             </a:endParaRPr>
@@ -6674,13 +6856,6 @@
   <p:clrMapOvr>
     <a:masterClrMapping/>
   </p:clrMapOvr>
-  <p:timing>
-    <p:tnLst>
-      <p:par>
-        <p:cTn id="1" dur="indefinite" restart="never" nodeType="tmRoot"/>
-      </p:par>
-    </p:tnLst>
-  </p:timing>
 </p:sld>
 </file>
 
@@ -6706,7 +6881,7 @@
           <p:cNvPr id="2" name="TextBox 1">
             <a:extLst>
               <a:ext uri="{FF2B5EF4-FFF2-40B4-BE49-F238E27FC236}">
-                <a16:creationId xmlns:a16="http://schemas.microsoft.com/office/drawing/2014/main" xmlns="" id="{99322BCC-E48A-46C4-AD8B-36207D156C97}"/>
+                <a16:creationId xmlns="" xmlns:a16="http://schemas.microsoft.com/office/drawing/2014/main" id="{99322BCC-E48A-46C4-AD8B-36207D156C97}"/>
               </a:ext>
             </a:extLst>
           </p:cNvPr>
@@ -6756,7 +6931,7 @@
             <a:endParaRPr lang="en-US"/>
           </a:p>
           <a:p>
-            <a:endParaRPr lang="tr" dirty="0">
+            <a:endParaRPr lang="tr">
               <a:ea typeface="+mn-lt"/>
               <a:cs typeface="+mn-lt"/>
             </a:endParaRPr>
@@ -6775,7 +6950,7 @@
             </a:endParaRPr>
           </a:p>
           <a:p>
-            <a:endParaRPr lang="tr" dirty="0">
+            <a:endParaRPr lang="tr">
               <a:ea typeface="+mn-lt"/>
               <a:cs typeface="+mn-lt"/>
             </a:endParaRPr>
@@ -6790,7 +6965,7 @@
             </a:r>
           </a:p>
           <a:p>
-            <a:endParaRPr lang="tr" dirty="0">
+            <a:endParaRPr lang="tr">
               <a:cs typeface="Calibri"/>
             </a:endParaRPr>
           </a:p>
@@ -6811,7 +6986,7 @@
           </a:p>
           <a:p>
             <a:r>
-              <a:rPr lang="tr" sz="1400" dirty="0">
+              <a:rPr lang="tr" sz="1400">
                 <a:latin typeface="Consolas"/>
                 <a:ea typeface="+mn-lt"/>
                 <a:cs typeface="+mn-lt"/>
@@ -6825,33 +7000,19 @@
               </a:rPr>
               <a:t>     if (count == 5)</a:t>
             </a:r>
-            <a:endParaRPr lang="tr" dirty="0">
+            <a:endParaRPr lang="tr">
               <a:latin typeface="Calibri" panose="020F0502020204030204"/>
               <a:cs typeface="Calibri"/>
             </a:endParaRPr>
           </a:p>
           <a:p>
             <a:r>
-              <a:rPr lang="tr" sz="1400" dirty="0">
-                <a:latin typeface="Consolas"/>
-                <a:cs typeface="Calibri"/>
-              </a:rPr>
-              <a:t>         continue;
-</a:t>
-            </a:r>
-            <a:r>
               <a:rPr lang="tr" sz="1400">
                 <a:latin typeface="Consolas"/>
                 <a:cs typeface="Calibri"/>
               </a:rPr>
-              <a:t>      System.out.printf("%d ", count);</a:t>
-            </a:r>
-            <a:r>
-              <a:rPr lang="tr" sz="1400" dirty="0">
-                <a:latin typeface="Consolas"/>
-                <a:cs typeface="Calibri"/>
-              </a:rPr>
-              <a:t>
+              <a:t>         continue;
+      System.out.printf("%d ", count);
    }</a:t>
             </a:r>
             <a:endParaRPr lang="tr">
@@ -6859,7 +7020,7 @@
             </a:endParaRPr>
           </a:p>
           <a:p>
-            <a:endParaRPr lang="tr" sz="1400" dirty="0">
+            <a:endParaRPr lang="tr" sz="1400">
               <a:latin typeface="Consolas"/>
               <a:cs typeface="Calibri"/>
             </a:endParaRPr>
@@ -6877,7 +7038,7 @@
             </a:endParaRPr>
           </a:p>
           <a:p>
-            <a:endParaRPr lang="tr" dirty="0">
+            <a:endParaRPr lang="tr">
               <a:latin typeface="Consolas"/>
             </a:endParaRPr>
           </a:p>
@@ -6940,13 +7101,6 @@
   <p:clrMapOvr>
     <a:masterClrMapping/>
   </p:clrMapOvr>
-  <p:timing>
-    <p:tnLst>
-      <p:par>
-        <p:cTn id="1" dur="indefinite" restart="never" nodeType="tmRoot"/>
-      </p:par>
-    </p:tnLst>
-  </p:timing>
 </p:sld>
 </file>
 
@@ -6972,7 +7126,7 @@
           <p:cNvPr id="2" name="TextBox 1">
             <a:extLst>
               <a:ext uri="{FF2B5EF4-FFF2-40B4-BE49-F238E27FC236}">
-                <a16:creationId xmlns:a16="http://schemas.microsoft.com/office/drawing/2014/main" xmlns="" id="{74FDFD95-DDDD-4A71-9F63-4EFBF92D9ED2}"/>
+                <a16:creationId xmlns="" xmlns:a16="http://schemas.microsoft.com/office/drawing/2014/main" id="{74FDFD95-DDDD-4A71-9F63-4EFBF92D9ED2}"/>
               </a:ext>
             </a:extLst>
           </p:cNvPr>
@@ -6981,8 +7135,8 @@
         </p:nvSpPr>
         <p:spPr>
           <a:xfrm>
-            <a:off x="654423" y="1425388"/>
-            <a:ext cx="4724400" cy="3416320"/>
+            <a:off x="523794" y="750474"/>
+            <a:ext cx="4724400" cy="4801314"/>
           </a:xfrm>
           <a:prstGeom prst="rect">
             <a:avLst/>
@@ -7006,13 +7160,28 @@
               <a:t>•method call: </a:t>
             </a:r>
             <a:r>
-              <a:rPr lang="en-US">
-                <a:latin typeface="Calibri"/>
-                <a:cs typeface="Calibri"/>
-              </a:rPr>
-              <a:t>Method call is fine for structured programming. It takes us to the beginning of the method.</a:t>
-            </a:r>
-            <a:endParaRPr lang="en-US"/>
+              <a:rPr lang="en-US" dirty="0">
+                <a:ea typeface="+mn-lt"/>
+                <a:cs typeface="+mn-lt"/>
+              </a:rPr>
+              <a:t>Method call is fine for structured programming. Because it takes us to the beginning of a </a:t>
+            </a:r>
+            <a:r>
+              <a:rPr lang="en-US" dirty="0" smtClean="0">
+                <a:ea typeface="+mn-lt"/>
+                <a:cs typeface="+mn-lt"/>
+              </a:rPr>
+              <a:t>method.</a:t>
+            </a:r>
+            <a:endParaRPr lang="en-US" dirty="0">
+              <a:ea typeface="+mn-lt"/>
+              <a:cs typeface="+mn-lt"/>
+            </a:endParaRPr>
+          </a:p>
+          <a:p>
+            <a:endParaRPr lang="en-US" b="1" dirty="0">
+              <a:cs typeface="Calibri"/>
+            </a:endParaRPr>
           </a:p>
           <a:p>
             <a:endParaRPr lang="en-US" dirty="0">
@@ -7036,78 +7205,126 @@
               <a:t>return: </a:t>
             </a:r>
             <a:r>
+              <a:rPr lang="en-US" dirty="0" smtClean="0">
+                <a:ea typeface="+mn-lt"/>
+                <a:cs typeface="+mn-lt"/>
+              </a:rPr>
+              <a:t>Like break and continue statements, s</a:t>
+            </a:r>
+            <a:r>
+              <a:rPr lang="tr" dirty="0" smtClean="0">
+                <a:ea typeface="+mn-lt"/>
+                <a:cs typeface="+mn-lt"/>
+              </a:rPr>
+              <a:t>tructured </a:t>
+            </a:r>
+            <a:r>
               <a:rPr lang="tr" dirty="0">
-                <a:latin typeface="Calibri"/>
-                <a:cs typeface="Calibri"/>
-              </a:rPr>
-              <a:t>But return statement has problems with structured </a:t>
-            </a:r>
-            <a:r>
-              <a:rPr lang="tr">
-                <a:latin typeface="Calibri"/>
-                <a:cs typeface="Calibri"/>
-              </a:rPr>
-              <a:t>progrmaming. Having</a:t>
-            </a:r>
-            <a:r>
-              <a:rPr lang="tr" b="1" dirty="0">
-                <a:latin typeface="Calibri"/>
-                <a:cs typeface="Calibri"/>
-              </a:rPr>
-              <a:t> </a:t>
-            </a:r>
-            <a:r>
-              <a:rPr lang="tr" dirty="0">
-                <a:latin typeface="Calibri"/>
-                <a:cs typeface="Calibri"/>
-              </a:rPr>
-              <a:t>multiple</a:t>
-            </a:r>
-            <a:r>
-              <a:rPr lang="tr" b="1" dirty="0">
-                <a:latin typeface="Calibri"/>
-                <a:cs typeface="Calibri"/>
-              </a:rPr>
-              <a:t> </a:t>
-            </a:r>
-            <a:r>
-              <a:rPr lang="tr" dirty="0">
-                <a:latin typeface="Calibri"/>
-                <a:cs typeface="Calibri"/>
-              </a:rPr>
-              <a:t>return statements</a:t>
-            </a:r>
-            <a:r>
-              <a:rPr lang="tr" b="1" dirty="0">
-                <a:latin typeface="Calibri"/>
-                <a:cs typeface="Calibri"/>
-              </a:rPr>
-              <a:t> </a:t>
-            </a:r>
-            <a:r>
-              <a:rPr lang="tr" dirty="0">
-                <a:latin typeface="Calibri"/>
-                <a:cs typeface="Calibri"/>
-              </a:rPr>
-              <a:t>is not structured </a:t>
-            </a:r>
-            <a:r>
-              <a:rPr lang="tr">
-                <a:latin typeface="Calibri"/>
-                <a:cs typeface="Calibri"/>
-              </a:rPr>
-              <a:t>programming. Because it means your method has multiple exit points. So if you want to be a structured programming purist, </a:t>
-            </a:r>
-            <a:r>
-              <a:rPr lang="tr" dirty="0">
-                <a:latin typeface="Calibri"/>
-                <a:cs typeface="Calibri"/>
-              </a:rPr>
-              <a:t>keep your methods small and use one return statement per method.</a:t>
-            </a:r>
+                <a:ea typeface="+mn-lt"/>
+                <a:cs typeface="+mn-lt"/>
+              </a:rPr>
+              <a:t>programming </a:t>
+            </a:r>
+            <a:r>
+              <a:rPr lang="tr" dirty="0" smtClean="0">
+                <a:ea typeface="+mn-lt"/>
+                <a:cs typeface="+mn-lt"/>
+              </a:rPr>
+              <a:t>purists</a:t>
+            </a:r>
+            <a:r>
+              <a:rPr lang="en-US" dirty="0" smtClean="0">
+                <a:ea typeface="+mn-lt"/>
+                <a:cs typeface="+mn-lt"/>
+              </a:rPr>
+              <a:t> don’t like having multiple return statements in their methods.</a:t>
+            </a:r>
+          </a:p>
+          <a:p>
+            <a:endParaRPr lang="tr" dirty="0">
+              <a:ea typeface="+mn-lt"/>
+              <a:cs typeface="+mn-lt"/>
+            </a:endParaRPr>
+          </a:p>
+          <a:p>
+            <a:r>
+              <a:rPr lang="en-US" dirty="0" smtClean="0">
+                <a:ea typeface="+mn-lt"/>
+                <a:cs typeface="+mn-lt"/>
+              </a:rPr>
+              <a:t>Programs with multiple return statements can </a:t>
+            </a:r>
+            <a:r>
+              <a:rPr lang="en-US" dirty="0">
+                <a:ea typeface="+mn-lt"/>
+                <a:cs typeface="+mn-lt"/>
+              </a:rPr>
+              <a:t>be </a:t>
+            </a:r>
+            <a:r>
+              <a:rPr lang="en-US" dirty="0" smtClean="0">
+                <a:ea typeface="+mn-lt"/>
+                <a:cs typeface="+mn-lt"/>
+              </a:rPr>
+              <a:t>converted to structured programs </a:t>
+            </a:r>
+            <a:r>
+              <a:rPr lang="en-US" dirty="0">
+                <a:ea typeface="+mn-lt"/>
+                <a:cs typeface="+mn-lt"/>
+              </a:rPr>
+              <a:t>by assigning </a:t>
+            </a:r>
+            <a:r>
+              <a:rPr lang="en-US" dirty="0" smtClean="0">
+                <a:ea typeface="+mn-lt"/>
+                <a:cs typeface="+mn-lt"/>
+              </a:rPr>
+              <a:t>the value </a:t>
+            </a:r>
+            <a:r>
+              <a:rPr lang="en-US" dirty="0">
+                <a:ea typeface="+mn-lt"/>
+                <a:cs typeface="+mn-lt"/>
+              </a:rPr>
+              <a:t>to a variable and returning it at the end of the method.</a:t>
+            </a:r>
+            <a:endParaRPr lang="tr" dirty="0">
+              <a:ea typeface="+mn-lt"/>
+              <a:cs typeface="+mn-lt"/>
+            </a:endParaRPr>
+          </a:p>
+          <a:p>
             <a:endParaRPr lang="en-US" dirty="0">
-              <a:latin typeface="Calibri"/>
-              <a:cs typeface="Calibri"/>
+              <a:ea typeface="+mn-lt"/>
+              <a:cs typeface="+mn-lt"/>
+            </a:endParaRPr>
+          </a:p>
+          <a:p>
+            <a:r>
+              <a:rPr lang="en-US" dirty="0" smtClean="0">
+                <a:ea typeface="+mn-lt"/>
+                <a:cs typeface="+mn-lt"/>
+              </a:rPr>
+              <a:t>Using </a:t>
+            </a:r>
+            <a:r>
+              <a:rPr lang="en-US" dirty="0">
+                <a:ea typeface="+mn-lt"/>
+                <a:cs typeface="+mn-lt"/>
+              </a:rPr>
+              <a:t>break, continue, and multiple return statements tend to make our program more </a:t>
+            </a:r>
+            <a:r>
+              <a:rPr lang="en-US" dirty="0" smtClean="0">
+                <a:ea typeface="+mn-lt"/>
+                <a:cs typeface="+mn-lt"/>
+              </a:rPr>
+              <a:t>readable and easier to understand.</a:t>
+            </a:r>
+            <a:endParaRPr lang="tr" dirty="0">
+              <a:ea typeface="+mn-lt"/>
+              <a:cs typeface="+mn-lt"/>
             </a:endParaRPr>
           </a:p>
         </p:txBody>
@@ -7117,7 +7334,7 @@
           <p:cNvPr id="3" name="Picture 3" descr="A screenshot of a cell phone&#10;&#10;Description generated with very high confidence">
             <a:extLst>
               <a:ext uri="{FF2B5EF4-FFF2-40B4-BE49-F238E27FC236}">
-                <a16:creationId xmlns:a16="http://schemas.microsoft.com/office/drawing/2014/main" xmlns="" id="{B780BAC3-19F2-420E-B946-1D6158B20BB7}"/>
+                <a16:creationId xmlns="" xmlns:a16="http://schemas.microsoft.com/office/drawing/2014/main" id="{B780BAC3-19F2-420E-B946-1D6158B20BB7}"/>
               </a:ext>
             </a:extLst>
           </p:cNvPr>
@@ -7152,13 +7369,6 @@
   <p:clrMapOvr>
     <a:masterClrMapping/>
   </p:clrMapOvr>
-  <p:timing>
-    <p:tnLst>
-      <p:par>
-        <p:cTn id="1" dur="indefinite" restart="never" nodeType="tmRoot"/>
-      </p:par>
-    </p:tnLst>
-  </p:timing>
 </p:sld>
 </file>
 
@@ -7192,7 +7402,7 @@
           <p:cNvPr id="2" name="Picture 2" descr="A picture containing indoor, table, sitting, video&#10;&#10;Description generated with very high confidence">
             <a:extLst>
               <a:ext uri="{FF2B5EF4-FFF2-40B4-BE49-F238E27FC236}">
-                <a16:creationId xmlns:a16="http://schemas.microsoft.com/office/drawing/2014/main" xmlns="" id="{D1EEAFB4-DDFB-42CA-8D94-BE7B084966E2}"/>
+                <a16:creationId xmlns="" xmlns:a16="http://schemas.microsoft.com/office/drawing/2014/main" id="{D1EEAFB4-DDFB-42CA-8D94-BE7B084966E2}"/>
               </a:ext>
             </a:extLst>
           </p:cNvPr>
@@ -7222,7 +7432,7 @@
           <p:cNvPr id="4" name="TextBox 3">
             <a:extLst>
               <a:ext uri="{FF2B5EF4-FFF2-40B4-BE49-F238E27FC236}">
-                <a16:creationId xmlns:a16="http://schemas.microsoft.com/office/drawing/2014/main" xmlns="" id="{1B2D08B3-AC25-4E37-8176-92AA9AA4DEB4}"/>
+                <a16:creationId xmlns="" xmlns:a16="http://schemas.microsoft.com/office/drawing/2014/main" id="{1B2D08B3-AC25-4E37-8176-92AA9AA4DEB4}"/>
               </a:ext>
             </a:extLst>
           </p:cNvPr>
@@ -7286,7 +7496,7 @@
             </a:r>
           </a:p>
           <a:p>
-            <a:endParaRPr lang="en-US" dirty="0">
+            <a:endParaRPr lang="en-US">
               <a:cs typeface="Calibri"/>
             </a:endParaRPr>
           </a:p>
@@ -7308,10 +7518,9 @@
           </a:p>
           <a:p>
             <a:r>
-              <a:rPr lang="en-US" dirty="0">
-                <a:ea typeface="+mn-lt"/>
-                <a:cs typeface="+mn-lt"/>
-                <a:hlinkClick r:id="rId3"/>
+              <a:rPr lang="en-US">
+                <a:ea typeface="+mn-lt"/>
+                <a:cs typeface="+mn-lt"/>
               </a:rPr>
               <a:t>https://stackoverflow.com/questions/36707/should-a-function-have-only-one-return-statement</a:t>
             </a:r>
@@ -7320,7 +7529,7 @@
             </a:endParaRPr>
           </a:p>
           <a:p>
-            <a:endParaRPr lang="en-US" dirty="0">
+            <a:endParaRPr lang="en-US">
               <a:cs typeface="Calibri"/>
             </a:endParaRPr>
           </a:p>
@@ -7336,13 +7545,6 @@
   <p:clrMapOvr>
     <a:masterClrMapping/>
   </p:clrMapOvr>
-  <p:timing>
-    <p:tnLst>
-      <p:par>
-        <p:cTn id="1" dur="indefinite" restart="never" nodeType="tmRoot"/>
-      </p:par>
-    </p:tnLst>
-  </p:timing>
 </p:sld>
 </file>
 
@@ -7368,7 +7570,7 @@
           <p:cNvPr id="4" name="TextBox 3">
             <a:extLst>
               <a:ext uri="{FF2B5EF4-FFF2-40B4-BE49-F238E27FC236}">
-                <a16:creationId xmlns:a16="http://schemas.microsoft.com/office/drawing/2014/main" xmlns="" id="{C9F9A42D-CF40-4898-972C-385FDF42F53B}"/>
+                <a16:creationId xmlns="" xmlns:a16="http://schemas.microsoft.com/office/drawing/2014/main" id="{C9F9A42D-CF40-4898-972C-385FDF42F53B}"/>
               </a:ext>
             </a:extLst>
           </p:cNvPr>
@@ -7377,8 +7579,8 @@
         </p:nvSpPr>
         <p:spPr>
           <a:xfrm>
-            <a:off x="643275" y="1652609"/>
-            <a:ext cx="5163669" cy="4247317"/>
+            <a:off x="643274" y="1347809"/>
+            <a:ext cx="5163669" cy="3970318"/>
           </a:xfrm>
           <a:prstGeom prst="rect">
             <a:avLst/>
@@ -7399,42 +7601,7 @@
                 <a:ea typeface="+mn-lt"/>
                 <a:cs typeface="+mn-lt"/>
               </a:rPr>
-              <a:t>•Normally statements in a program are executed one after the other in the order in which they are written</a:t>
-            </a:r>
-            <a:r>
-              <a:rPr lang="tr">
-                <a:ea typeface="+mn-lt"/>
-                <a:cs typeface="+mn-lt"/>
-              </a:rPr>
-              <a:t>—</a:t>
-            </a:r>
-            <a:r>
-              <a:rPr lang="tr" err="1">
-                <a:ea typeface="+mn-lt"/>
-                <a:cs typeface="+mn-lt"/>
-              </a:rPr>
-              <a:t>that</a:t>
-            </a:r>
-            <a:r>
-              <a:rPr lang="tr">
-                <a:ea typeface="+mn-lt"/>
-                <a:cs typeface="+mn-lt"/>
-              </a:rPr>
-              <a:t> is, in </a:t>
-            </a:r>
-            <a:r>
-              <a:rPr lang="tr" err="1">
-                <a:ea typeface="+mn-lt"/>
-                <a:cs typeface="+mn-lt"/>
-              </a:rPr>
-              <a:t>sequence</a:t>
-            </a:r>
-            <a:r>
-              <a:rPr lang="en-US">
-                <a:ea typeface="+mn-lt"/>
-                <a:cs typeface="+mn-lt"/>
-              </a:rPr>
-              <a:t>. This process is called </a:t>
+              <a:t>•Normally statements in a program are executed one after the other in the order in which they are written. This process is called </a:t>
             </a:r>
             <a:r>
               <a:rPr lang="en-US">
@@ -7527,7 +7694,7 @@
                 <a:ea typeface="+mn-lt"/>
                 <a:cs typeface="+mn-lt"/>
               </a:rPr>
-              <a:t>is one of these statements. It allows you to break your otherwise single entry – single exit structure of your program. During the 1960s, it became clear that the random use of transfers of control was the root of much difficulty.</a:t>
+              <a:t>is one of these statements. It allows you to break your otherwise single entry – single exit structure of your statements. During the 1960s, it became clear that the random use of transfers of control was the root of much difficulty.</a:t>
             </a:r>
             <a:endParaRPr lang="en-US"/>
           </a:p>
@@ -7541,32 +7708,43 @@
       </p:sp>
       <p:pic>
         <p:nvPicPr>
-          <p:cNvPr id="5" name="Picture 5" descr="A screenshot of a cell phone&#10;&#10;Description generated with very high confidence">
-            <a:extLst>
-              <a:ext uri="{FF2B5EF4-FFF2-40B4-BE49-F238E27FC236}">
-                <a16:creationId xmlns:a16="http://schemas.microsoft.com/office/drawing/2014/main" xmlns="" id="{E9964812-D391-4E7B-BAF3-91BE382E814D}"/>
-              </a:ext>
-            </a:extLst>
-          </p:cNvPr>
+          <p:cNvPr id="1026" name="Picture 2" descr="C:\Users\Michael\Desktop\spaghetti.png"/>
           <p:cNvPicPr>
-            <a:picLocks noChangeAspect="1"/>
+            <a:picLocks noChangeAspect="1" noChangeArrowheads="1"/>
           </p:cNvPicPr>
           <p:nvPr/>
         </p:nvPicPr>
         <p:blipFill>
-          <a:blip r:embed="rId2"/>
+          <a:blip r:embed="rId3" cstate="print">
+            <a:extLst>
+              <a:ext uri="{28A0092B-C50C-407E-A947-70E740481C1C}">
+                <a14:useLocalDpi xmlns:a14="http://schemas.microsoft.com/office/drawing/2010/main" val="0"/>
+              </a:ext>
+            </a:extLst>
+          </a:blip>
+          <a:srcRect/>
           <a:stretch>
             <a:fillRect/>
           </a:stretch>
         </p:blipFill>
-        <p:spPr>
+        <p:spPr bwMode="auto">
           <a:xfrm>
-            <a:off x="6908340" y="928607"/>
-            <a:ext cx="4571999" cy="5424425"/>
+            <a:off x="7194549" y="1347808"/>
+            <a:ext cx="4154253" cy="3909991"/>
           </a:xfrm>
           <a:prstGeom prst="rect">
             <a:avLst/>
           </a:prstGeom>
+          <a:noFill/>
+          <a:extLst>
+            <a:ext uri="{909E8E84-426E-40DD-AFC4-6F175D3DCCD1}">
+              <a14:hiddenFill xmlns:a14="http://schemas.microsoft.com/office/drawing/2010/main">
+                <a:solidFill>
+                  <a:srgbClr val="FFFFFF"/>
+                </a:solidFill>
+              </a14:hiddenFill>
+            </a:ext>
+          </a:extLst>
         </p:spPr>
       </p:pic>
     </p:spTree>
@@ -7579,13 +7757,6 @@
   <p:clrMapOvr>
     <a:masterClrMapping/>
   </p:clrMapOvr>
-  <p:timing>
-    <p:tnLst>
-      <p:par>
-        <p:cTn id="1" dur="indefinite" restart="never" nodeType="tmRoot"/>
-      </p:par>
-    </p:tnLst>
-  </p:timing>
 </p:sld>
 </file>
 
@@ -7611,7 +7782,7 @@
           <p:cNvPr id="2" name="TextBox 1">
             <a:extLst>
               <a:ext uri="{FF2B5EF4-FFF2-40B4-BE49-F238E27FC236}">
-                <a16:creationId xmlns:a16="http://schemas.microsoft.com/office/drawing/2014/main" xmlns="" id="{AC9D9025-481A-4D9C-B550-99670F8B0B0B}"/>
+                <a16:creationId xmlns="" xmlns:a16="http://schemas.microsoft.com/office/drawing/2014/main" id="{AC9D9025-481A-4D9C-B550-99670F8B0B0B}"/>
               </a:ext>
             </a:extLst>
           </p:cNvPr>
@@ -7642,7 +7813,21 @@
                 <a:ea typeface="+mn-lt"/>
                 <a:cs typeface="+mn-lt"/>
               </a:rPr>
-              <a:t>•The research of Bohm and </a:t>
+              <a:t>•The research of </a:t>
+            </a:r>
+            <a:r>
+              <a:rPr lang="en-US" err="1">
+                <a:ea typeface="+mn-lt"/>
+                <a:cs typeface="+mn-lt"/>
+              </a:rPr>
+              <a:t>Bohm</a:t>
+            </a:r>
+            <a:r>
+              <a:rPr lang="en-US">
+                <a:ea typeface="+mn-lt"/>
+                <a:cs typeface="+mn-lt"/>
+              </a:rPr>
+              <a:t> and </a:t>
             </a:r>
             <a:r>
               <a:rPr lang="en-US" err="1">
@@ -7763,7 +7948,7 @@
           <p:cNvPr id="3" name="Picture 3" descr="A picture containing text, map&#10;&#10;Description generated with very high confidence">
             <a:extLst>
               <a:ext uri="{FF2B5EF4-FFF2-40B4-BE49-F238E27FC236}">
-                <a16:creationId xmlns:a16="http://schemas.microsoft.com/office/drawing/2014/main" xmlns="" id="{596A6606-08DA-4099-A552-1C5F56691CD1}"/>
+                <a16:creationId xmlns="" xmlns:a16="http://schemas.microsoft.com/office/drawing/2014/main" id="{596A6606-08DA-4099-A552-1C5F56691CD1}"/>
               </a:ext>
             </a:extLst>
           </p:cNvPr>
@@ -7773,7 +7958,7 @@
           <p:nvPr/>
         </p:nvPicPr>
         <p:blipFill>
-          <a:blip r:embed="rId2"/>
+          <a:blip r:embed="rId3"/>
           <a:stretch>
             <a:fillRect/>
           </a:stretch>
@@ -7798,13 +7983,6 @@
   <p:clrMapOvr>
     <a:masterClrMapping/>
   </p:clrMapOvr>
-  <p:timing>
-    <p:tnLst>
-      <p:par>
-        <p:cTn id="1" dur="indefinite" restart="never" nodeType="tmRoot"/>
-      </p:par>
-    </p:tnLst>
-  </p:timing>
 </p:sld>
 </file>
 
@@ -7830,7 +8008,7 @@
           <p:cNvPr id="2" name="TextBox 1">
             <a:extLst>
               <a:ext uri="{FF2B5EF4-FFF2-40B4-BE49-F238E27FC236}">
-                <a16:creationId xmlns:a16="http://schemas.microsoft.com/office/drawing/2014/main" xmlns="" id="{9CD3FEB1-8951-4DB2-A5AB-8B456B28BA81}"/>
+                <a16:creationId xmlns="" xmlns:a16="http://schemas.microsoft.com/office/drawing/2014/main" id="{9CD3FEB1-8951-4DB2-A5AB-8B456B28BA81}"/>
               </a:ext>
             </a:extLst>
           </p:cNvPr>
@@ -7840,7 +8018,7 @@
         <p:spPr>
           <a:xfrm>
             <a:off x="770980" y="1361634"/>
-            <a:ext cx="5898775" cy="2308324"/>
+            <a:ext cx="5898775" cy="2862322"/>
           </a:xfrm>
           <a:prstGeom prst="rect">
             <a:avLst/>
@@ -7857,37 +8035,37 @@
           <a:lstStyle/>
           <a:p>
             <a:r>
-              <a:rPr lang="en-US" dirty="0">
+              <a:rPr lang="en-US">
                 <a:cs typeface="Calibri"/>
               </a:rPr>
               <a:t>•</a:t>
             </a:r>
             <a:r>
-              <a:rPr lang="en-US" dirty="0" err="1">
+              <a:rPr lang="en-US" err="1">
                 <a:cs typeface="Calibri"/>
               </a:rPr>
               <a:t>Bohm</a:t>
             </a:r>
             <a:r>
-              <a:rPr lang="en-US" dirty="0">
+              <a:rPr lang="en-US">
                 <a:cs typeface="Calibri"/>
               </a:rPr>
               <a:t> and </a:t>
             </a:r>
             <a:r>
-              <a:rPr lang="en-US" dirty="0" err="1">
+              <a:rPr lang="en-US" err="1">
                 <a:cs typeface="Calibri"/>
               </a:rPr>
               <a:t>Jacopini’s</a:t>
             </a:r>
             <a:r>
-              <a:rPr lang="en-US" dirty="0">
+              <a:rPr lang="en-US">
                 <a:cs typeface="Calibri"/>
               </a:rPr>
               <a:t> work demonstrated that all programs could be written in terms of only three control structures; </a:t>
             </a:r>
             <a:r>
-              <a:rPr lang="en-US" dirty="0">
+              <a:rPr lang="en-US">
                 <a:solidFill>
                   <a:srgbClr val="00B050"/>
                 </a:solidFill>
@@ -7896,13 +8074,13 @@
               <a:t>the sequence structure</a:t>
             </a:r>
             <a:r>
-              <a:rPr lang="en-US" dirty="0">
+              <a:rPr lang="en-US">
                 <a:cs typeface="Calibri"/>
               </a:rPr>
               <a:t>, </a:t>
             </a:r>
             <a:r>
-              <a:rPr lang="en-US" dirty="0">
+              <a:rPr lang="en-US">
                 <a:solidFill>
                   <a:srgbClr val="00B050"/>
                 </a:solidFill>
@@ -7911,13 +8089,13 @@
               <a:t>the selection structure</a:t>
             </a:r>
             <a:r>
-              <a:rPr lang="en-US" dirty="0">
+              <a:rPr lang="en-US">
                 <a:cs typeface="Calibri"/>
               </a:rPr>
               <a:t> and </a:t>
             </a:r>
             <a:r>
-              <a:rPr lang="en-US" dirty="0">
+              <a:rPr lang="en-US">
                 <a:solidFill>
                   <a:srgbClr val="00B050"/>
                 </a:solidFill>
@@ -7926,29 +8104,39 @@
               <a:t>the repetition structure</a:t>
             </a:r>
             <a:r>
-              <a:rPr lang="en-US" dirty="0">
+              <a:rPr lang="en-US">
                 <a:cs typeface="Calibri"/>
               </a:rPr>
               <a:t>. </a:t>
             </a:r>
           </a:p>
           <a:p>
-            <a:endParaRPr lang="en-US" dirty="0">
+            <a:endParaRPr lang="en-US">
               <a:cs typeface="Calibri"/>
             </a:endParaRPr>
           </a:p>
           <a:p>
-            <a:endParaRPr lang="en-US" dirty="0">
+            <a:endParaRPr lang="tr-TR">
               <a:cs typeface="Calibri"/>
             </a:endParaRPr>
           </a:p>
           <a:p>
-            <a:endParaRPr lang="en-US" dirty="0">
+            <a:endParaRPr lang="en-US">
               <a:cs typeface="Calibri"/>
             </a:endParaRPr>
           </a:p>
           <a:p>
-            <a:endParaRPr lang="en-US" dirty="0">
+            <a:endParaRPr lang="en-US">
+              <a:cs typeface="Calibri"/>
+            </a:endParaRPr>
+          </a:p>
+          <a:p>
+            <a:endParaRPr lang="en-US">
+              <a:cs typeface="Calibri"/>
+            </a:endParaRPr>
+          </a:p>
+          <a:p>
+            <a:endParaRPr lang="en-US">
               <a:cs typeface="Calibri"/>
             </a:endParaRPr>
           </a:p>
@@ -7959,7 +8147,7 @@
           <p:cNvPr id="3" name="TextBox 2">
             <a:extLst>
               <a:ext uri="{FF2B5EF4-FFF2-40B4-BE49-F238E27FC236}">
-                <a16:creationId xmlns:a16="http://schemas.microsoft.com/office/drawing/2014/main" xmlns="" id="{886780A3-8E5A-49BA-99A1-A4A6A5572324}"/>
+                <a16:creationId xmlns="" xmlns:a16="http://schemas.microsoft.com/office/drawing/2014/main" id="{886780A3-8E5A-49BA-99A1-A4A6A5572324}"/>
               </a:ext>
             </a:extLst>
           </p:cNvPr>
@@ -7968,7 +8156,7 @@
         </p:nvSpPr>
         <p:spPr>
           <a:xfrm>
-            <a:off x="770979" y="3135647"/>
+            <a:off x="770979" y="3204251"/>
             <a:ext cx="5898776" cy="2031325"/>
           </a:xfrm>
           <a:prstGeom prst="rect">
@@ -7986,50 +8174,50 @@
           <a:lstStyle/>
           <a:p>
             <a:r>
-              <a:rPr lang="en-US" dirty="0">
+              <a:rPr lang="en-US">
                 <a:ea typeface="+mn-lt"/>
                 <a:cs typeface="+mn-lt"/>
               </a:rPr>
               <a:t>•</a:t>
             </a:r>
             <a:r>
-              <a:rPr lang="tr" b="1" dirty="0">
+              <a:rPr lang="tr" b="1">
                 <a:ea typeface="+mn-lt"/>
                 <a:cs typeface="+mn-lt"/>
               </a:rPr>
               <a:t>The sequence structure</a:t>
             </a:r>
             <a:r>
-              <a:rPr lang="tr" dirty="0">
+              <a:rPr lang="tr">
                 <a:ea typeface="+mn-lt"/>
                 <a:cs typeface="+mn-lt"/>
               </a:rPr>
               <a:t> is built into Java and other modern programming languages. Java lets you have as many actions as you want in a sequence structure.</a:t>
             </a:r>
-            <a:endParaRPr lang="en-US" dirty="0"/>
-          </a:p>
-          <a:p>
-            <a:endParaRPr lang="en-US" dirty="0">
+            <a:endParaRPr lang="en-US"/>
+          </a:p>
+          <a:p>
+            <a:endParaRPr lang="en-US">
               <a:ea typeface="+mn-lt"/>
               <a:cs typeface="+mn-lt"/>
             </a:endParaRPr>
           </a:p>
           <a:p>
             <a:r>
-              <a:rPr lang="tr" dirty="0">
+              <a:rPr lang="tr">
                 <a:ea typeface="+mn-lt"/>
                 <a:cs typeface="+mn-lt"/>
               </a:rPr>
               <a:t>Anywhere a single action may be placed, we may place several actions in sequence.</a:t>
             </a:r>
             <a:r>
-              <a:rPr lang="en-US" dirty="0">
+              <a:rPr lang="en-US">
                 <a:ea typeface="+mn-lt"/>
                 <a:cs typeface="+mn-lt"/>
               </a:rPr>
               <a:t> </a:t>
             </a:r>
-            <a:endParaRPr lang="en-US" dirty="0">
+            <a:endParaRPr lang="en-US">
               <a:cs typeface="Calibri"/>
             </a:endParaRPr>
           </a:p>
@@ -8038,7 +8226,7 @@
               <a:buFont typeface="Arial"/>
               <a:buChar char="•"/>
             </a:pPr>
-            <a:endParaRPr lang="tr" dirty="0">
+            <a:endParaRPr lang="tr">
               <a:cs typeface="Calibri" panose="020F0502020204030204"/>
             </a:endParaRPr>
           </a:p>
@@ -8049,7 +8237,7 @@
           <p:cNvPr id="4" name="Picture 4" descr="A picture containing clock, table&#10;&#10;Description generated with very high confidence">
             <a:extLst>
               <a:ext uri="{FF2B5EF4-FFF2-40B4-BE49-F238E27FC236}">
-                <a16:creationId xmlns:a16="http://schemas.microsoft.com/office/drawing/2014/main" xmlns="" id="{BAC03C9B-7B13-4D3F-85D2-2E7056A400E7}"/>
+                <a16:creationId xmlns="" xmlns:a16="http://schemas.microsoft.com/office/drawing/2014/main" id="{BAC03C9B-7B13-4D3F-85D2-2E7056A400E7}"/>
               </a:ext>
             </a:extLst>
           </p:cNvPr>
@@ -8059,7 +8247,7 @@
           <p:nvPr/>
         </p:nvPicPr>
         <p:blipFill>
-          <a:blip r:embed="rId2"/>
+          <a:blip r:embed="rId3"/>
           <a:stretch>
             <a:fillRect/>
           </a:stretch>
@@ -8084,13 +8272,6 @@
   <p:clrMapOvr>
     <a:masterClrMapping/>
   </p:clrMapOvr>
-  <p:timing>
-    <p:tnLst>
-      <p:par>
-        <p:cTn id="1" dur="indefinite" restart="never" nodeType="tmRoot"/>
-      </p:par>
-    </p:tnLst>
-  </p:timing>
 </p:sld>
 </file>
 
@@ -8116,7 +8297,7 @@
           <p:cNvPr id="2" name="TextBox 1">
             <a:extLst>
               <a:ext uri="{FF2B5EF4-FFF2-40B4-BE49-F238E27FC236}">
-                <a16:creationId xmlns:a16="http://schemas.microsoft.com/office/drawing/2014/main" xmlns="" id="{2D64C06F-1812-4699-B389-DD2B4602AE25}"/>
+                <a16:creationId xmlns="" xmlns:a16="http://schemas.microsoft.com/office/drawing/2014/main" id="{2D64C06F-1812-4699-B389-DD2B4602AE25}"/>
               </a:ext>
             </a:extLst>
           </p:cNvPr>
@@ -8143,21 +8324,21 @@
           <a:lstStyle/>
           <a:p>
             <a:r>
-              <a:rPr lang="en-US" dirty="0">
+              <a:rPr lang="en-US">
                 <a:ea typeface="+mn-lt"/>
                 <a:cs typeface="+mn-lt"/>
               </a:rPr>
               <a:t>•</a:t>
             </a:r>
             <a:r>
-              <a:rPr lang="tr" b="1" dirty="0">
+              <a:rPr lang="tr" b="1">
                 <a:ea typeface="+mn-lt"/>
                 <a:cs typeface="+mn-lt"/>
               </a:rPr>
               <a:t>Selection Statements: </a:t>
             </a:r>
             <a:r>
-              <a:rPr lang="tr" dirty="0">
+              <a:rPr lang="tr">
                 <a:ea typeface="+mn-lt"/>
                 <a:cs typeface="+mn-lt"/>
               </a:rPr>
@@ -8165,21 +8346,21 @@
             </a:r>
           </a:p>
           <a:p>
-            <a:endParaRPr lang="tr" dirty="0">
+            <a:endParaRPr lang="tr">
               <a:ea typeface="+mn-lt"/>
               <a:cs typeface="+mn-lt"/>
             </a:endParaRPr>
           </a:p>
           <a:p>
             <a:r>
-              <a:rPr lang="tr" dirty="0">
+              <a:rPr lang="tr">
                 <a:ea typeface="+mn-lt"/>
                 <a:cs typeface="+mn-lt"/>
               </a:rPr>
               <a:t>The </a:t>
             </a:r>
             <a:r>
-              <a:rPr lang="tr" i="1" dirty="0">
+              <a:rPr lang="tr" i="1">
                 <a:solidFill>
                   <a:srgbClr val="00B050"/>
                 </a:solidFill>
@@ -8189,49 +8370,49 @@
               <a:t>if statement</a:t>
             </a:r>
             <a:r>
-              <a:rPr lang="tr" i="1" dirty="0">
+              <a:rPr lang="tr" i="1">
                 <a:ea typeface="+mn-lt"/>
                 <a:cs typeface="+mn-lt"/>
               </a:rPr>
               <a:t> </a:t>
             </a:r>
             <a:r>
-              <a:rPr lang="tr" dirty="0">
+              <a:rPr lang="tr">
                 <a:ea typeface="+mn-lt"/>
                 <a:cs typeface="+mn-lt"/>
               </a:rPr>
               <a:t>either performs an action if a condition is </a:t>
             </a:r>
             <a:r>
-              <a:rPr lang="tr" i="1" dirty="0">
+              <a:rPr lang="tr" i="1">
                 <a:ea typeface="+mn-lt"/>
                 <a:cs typeface="+mn-lt"/>
               </a:rPr>
               <a:t>true</a:t>
             </a:r>
             <a:r>
-              <a:rPr lang="tr" dirty="0">
+              <a:rPr lang="tr">
                 <a:ea typeface="+mn-lt"/>
                 <a:cs typeface="+mn-lt"/>
               </a:rPr>
               <a:t>, or skips it if the condition is </a:t>
             </a:r>
             <a:r>
-              <a:rPr lang="tr" i="1" dirty="0">
+              <a:rPr lang="tr" i="1">
                 <a:ea typeface="+mn-lt"/>
                 <a:cs typeface="+mn-lt"/>
               </a:rPr>
               <a:t>false</a:t>
             </a:r>
             <a:r>
-              <a:rPr lang="tr" dirty="0">
+              <a:rPr lang="tr">
                 <a:ea typeface="+mn-lt"/>
                 <a:cs typeface="+mn-lt"/>
               </a:rPr>
               <a:t>. It is a </a:t>
             </a:r>
             <a:r>
-              <a:rPr lang="tr" dirty="0">
+              <a:rPr lang="tr">
                 <a:solidFill>
                   <a:srgbClr val="00B050"/>
                 </a:solidFill>
@@ -8241,33 +8422,33 @@
               <a:t>single-selection statement</a:t>
             </a:r>
             <a:r>
-              <a:rPr lang="tr" dirty="0">
+              <a:rPr lang="tr">
                 <a:ea typeface="+mn-lt"/>
                 <a:cs typeface="+mn-lt"/>
               </a:rPr>
               <a:t> because it selects or ignores a single action (or group of actions).</a:t>
             </a:r>
-            <a:endParaRPr lang="en-US" dirty="0">
+            <a:endParaRPr lang="en-US">
               <a:ea typeface="+mn-lt"/>
               <a:cs typeface="+mn-lt"/>
             </a:endParaRPr>
           </a:p>
           <a:p>
-            <a:endParaRPr lang="tr" dirty="0">
+            <a:endParaRPr lang="tr">
               <a:ea typeface="+mn-lt"/>
               <a:cs typeface="+mn-lt"/>
             </a:endParaRPr>
           </a:p>
           <a:p>
             <a:r>
-              <a:rPr lang="tr" dirty="0">
+              <a:rPr lang="tr">
                 <a:ea typeface="+mn-lt"/>
                 <a:cs typeface="+mn-lt"/>
               </a:rPr>
               <a:t>The </a:t>
             </a:r>
             <a:r>
-              <a:rPr lang="tr" i="1" dirty="0">
+              <a:rPr lang="tr" i="1">
                 <a:solidFill>
                   <a:srgbClr val="00B050"/>
                 </a:solidFill>
@@ -8277,7 +8458,7 @@
               <a:t>if</a:t>
             </a:r>
             <a:r>
-              <a:rPr lang="tr" dirty="0">
+              <a:rPr lang="tr">
                 <a:solidFill>
                   <a:srgbClr val="00B050"/>
                 </a:solidFill>
@@ -8287,7 +8468,7 @@
               <a:t>…</a:t>
             </a:r>
             <a:r>
-              <a:rPr lang="tr" i="1" dirty="0">
+              <a:rPr lang="tr" i="1">
                 <a:solidFill>
                   <a:srgbClr val="00B050"/>
                 </a:solidFill>
@@ -8297,49 +8478,49 @@
               <a:t>else statement</a:t>
             </a:r>
             <a:r>
-              <a:rPr lang="tr" i="1" dirty="0">
+              <a:rPr lang="tr" i="1">
                 <a:ea typeface="+mn-lt"/>
                 <a:cs typeface="+mn-lt"/>
               </a:rPr>
               <a:t> </a:t>
             </a:r>
             <a:r>
-              <a:rPr lang="tr" dirty="0">
+              <a:rPr lang="tr">
                 <a:ea typeface="+mn-lt"/>
                 <a:cs typeface="+mn-lt"/>
               </a:rPr>
               <a:t>performs an action if a condition is </a:t>
             </a:r>
             <a:r>
-              <a:rPr lang="tr" i="1" dirty="0">
+              <a:rPr lang="tr" i="1">
                 <a:ea typeface="+mn-lt"/>
                 <a:cs typeface="+mn-lt"/>
               </a:rPr>
               <a:t>true </a:t>
             </a:r>
             <a:r>
-              <a:rPr lang="tr" dirty="0">
+              <a:rPr lang="tr">
                 <a:ea typeface="+mn-lt"/>
                 <a:cs typeface="+mn-lt"/>
               </a:rPr>
               <a:t>and performs a different action if the condition is </a:t>
             </a:r>
             <a:r>
-              <a:rPr lang="tr" i="1" dirty="0">
+              <a:rPr lang="tr" i="1">
                 <a:ea typeface="+mn-lt"/>
                 <a:cs typeface="+mn-lt"/>
               </a:rPr>
               <a:t>false</a:t>
             </a:r>
             <a:r>
-              <a:rPr lang="tr" dirty="0">
+              <a:rPr lang="tr">
                 <a:ea typeface="+mn-lt"/>
                 <a:cs typeface="+mn-lt"/>
               </a:rPr>
               <a:t>. It is a </a:t>
             </a:r>
             <a:r>
-              <a:rPr lang="tr" dirty="0">
+              <a:rPr lang="tr">
                 <a:solidFill>
                   <a:srgbClr val="00B050"/>
                 </a:solidFill>
@@ -8349,33 +8530,33 @@
               <a:t>double-selection statement</a:t>
             </a:r>
             <a:r>
-              <a:rPr lang="tr" dirty="0">
+              <a:rPr lang="tr">
                 <a:ea typeface="+mn-lt"/>
                 <a:cs typeface="+mn-lt"/>
               </a:rPr>
               <a:t>. Conditional operator (?:) is a different way of using the if else statement.</a:t>
             </a:r>
-            <a:endParaRPr lang="en-US" dirty="0">
+            <a:endParaRPr lang="en-US">
               <a:ea typeface="+mn-lt"/>
               <a:cs typeface="+mn-lt"/>
             </a:endParaRPr>
           </a:p>
           <a:p>
-            <a:endParaRPr lang="tr" dirty="0">
+            <a:endParaRPr lang="tr">
               <a:ea typeface="+mn-lt"/>
               <a:cs typeface="+mn-lt"/>
             </a:endParaRPr>
           </a:p>
           <a:p>
             <a:r>
-              <a:rPr lang="tr" dirty="0">
+              <a:rPr lang="tr">
                 <a:ea typeface="+mn-lt"/>
                 <a:cs typeface="+mn-lt"/>
               </a:rPr>
               <a:t>The </a:t>
             </a:r>
             <a:r>
-              <a:rPr lang="tr" i="1" dirty="0">
+              <a:rPr lang="tr" i="1">
                 <a:solidFill>
                   <a:srgbClr val="00B050"/>
                 </a:solidFill>
@@ -8385,28 +8566,28 @@
               <a:t>switch statement </a:t>
             </a:r>
             <a:r>
-              <a:rPr lang="tr" dirty="0">
+              <a:rPr lang="tr">
                 <a:ea typeface="+mn-lt"/>
                 <a:cs typeface="+mn-lt"/>
               </a:rPr>
               <a:t>performs one of </a:t>
             </a:r>
             <a:r>
-              <a:rPr lang="tr" i="1" dirty="0">
+              <a:rPr lang="tr" i="1">
                 <a:ea typeface="+mn-lt"/>
                 <a:cs typeface="+mn-lt"/>
               </a:rPr>
               <a:t>many </a:t>
             </a:r>
             <a:r>
-              <a:rPr lang="tr" dirty="0">
+              <a:rPr lang="tr">
                 <a:ea typeface="+mn-lt"/>
                 <a:cs typeface="+mn-lt"/>
               </a:rPr>
               <a:t>different actions, depending on the value of an expression. It is a </a:t>
             </a:r>
             <a:r>
-              <a:rPr lang="tr" dirty="0">
+              <a:rPr lang="tr">
                 <a:solidFill>
                   <a:srgbClr val="00B050"/>
                 </a:solidFill>
@@ -8416,105 +8597,98 @@
               <a:t>multiple-selection statement</a:t>
             </a:r>
             <a:r>
-              <a:rPr lang="tr" dirty="0">
+              <a:rPr lang="tr">
                 <a:ea typeface="+mn-lt"/>
                 <a:cs typeface="+mn-lt"/>
               </a:rPr>
               <a:t>.</a:t>
             </a:r>
-            <a:endParaRPr lang="en-US" dirty="0">
+            <a:endParaRPr lang="en-US">
               <a:cs typeface="Calibri"/>
             </a:endParaRPr>
           </a:p>
           <a:p>
-            <a:endParaRPr lang="tr" dirty="0">
+            <a:endParaRPr lang="tr">
               <a:ea typeface="+mn-lt"/>
               <a:cs typeface="+mn-lt"/>
             </a:endParaRPr>
           </a:p>
           <a:p>
             <a:r>
-              <a:rPr lang="tr" dirty="0">
+              <a:rPr lang="tr">
                 <a:ea typeface="+mn-lt"/>
                 <a:cs typeface="+mn-lt"/>
               </a:rPr>
               <a:t>In fact, it’s straightforward to prove that the simple if </a:t>
             </a:r>
-            <a:endParaRPr lang="en-US" dirty="0">
+            <a:endParaRPr lang="en-US">
               <a:ea typeface="+mn-lt"/>
               <a:cs typeface="+mn-lt"/>
             </a:endParaRPr>
           </a:p>
           <a:p>
             <a:r>
-              <a:rPr lang="tr" dirty="0">
+              <a:rPr lang="tr">
                 <a:ea typeface="+mn-lt"/>
                 <a:cs typeface="+mn-lt"/>
               </a:rPr>
               <a:t>statement is sufficient to provide </a:t>
             </a:r>
             <a:r>
-              <a:rPr lang="tr" i="1" dirty="0">
+              <a:rPr lang="tr" i="1">
                 <a:ea typeface="+mn-lt"/>
                 <a:cs typeface="+mn-lt"/>
               </a:rPr>
               <a:t>any </a:t>
             </a:r>
             <a:r>
-              <a:rPr lang="tr" dirty="0">
+              <a:rPr lang="tr">
                 <a:ea typeface="+mn-lt"/>
                 <a:cs typeface="+mn-lt"/>
               </a:rPr>
               <a:t>form of selection—everything that can be done with the if else statement </a:t>
             </a:r>
-            <a:endParaRPr lang="en-US" dirty="0">
+            <a:endParaRPr lang="en-US">
               <a:ea typeface="+mn-lt"/>
               <a:cs typeface="+mn-lt"/>
             </a:endParaRPr>
           </a:p>
           <a:p>
             <a:r>
-              <a:rPr lang="tr" dirty="0">
+              <a:rPr lang="tr">
                 <a:ea typeface="+mn-lt"/>
                 <a:cs typeface="+mn-lt"/>
               </a:rPr>
               <a:t>and the switch statement can be implemented by </a:t>
             </a:r>
-            <a:endParaRPr lang="en-US" dirty="0">
+            <a:endParaRPr lang="en-US">
               <a:ea typeface="+mn-lt"/>
               <a:cs typeface="+mn-lt"/>
             </a:endParaRPr>
           </a:p>
           <a:p>
             <a:r>
-              <a:rPr lang="tr" dirty="0">
+              <a:rPr lang="tr">
                 <a:ea typeface="+mn-lt"/>
                 <a:cs typeface="+mn-lt"/>
               </a:rPr>
               <a:t>combining if statements (although perhaps not as clearly </a:t>
             </a:r>
-            <a:endParaRPr lang="en-US" dirty="0" smtClean="0">
+            <a:endParaRPr lang="en-US">
               <a:ea typeface="+mn-lt"/>
               <a:cs typeface="+mn-lt"/>
             </a:endParaRPr>
           </a:p>
           <a:p>
             <a:r>
-              <a:rPr lang="tr" dirty="0" smtClean="0">
-                <a:ea typeface="+mn-lt"/>
-                <a:cs typeface="+mn-lt"/>
-              </a:rPr>
-              <a:t>and</a:t>
-            </a:r>
-            <a:r>
-              <a:rPr lang="tr" dirty="0">
-                <a:ea typeface="+mn-lt"/>
-                <a:cs typeface="+mn-lt"/>
-              </a:rPr>
-              <a:t> efficiently).</a:t>
-            </a:r>
-            <a:r>
-              <a:rPr lang="en-US" dirty="0">
+              <a:rPr lang="tr">
+                <a:ea typeface="+mn-lt"/>
+                <a:cs typeface="+mn-lt"/>
+              </a:rPr>
+              <a:t>and efficiently).</a:t>
+            </a:r>
+            <a:r>
+              <a:rPr lang="en-US">
                 <a:ea typeface="+mn-lt"/>
                 <a:cs typeface="+mn-lt"/>
               </a:rPr>
@@ -8523,19 +8697,19 @@
           </a:p>
           <a:p>
             <a:r>
-              <a:rPr lang="tr" dirty="0">
+              <a:rPr lang="tr">
                 <a:ea typeface="+mn-lt"/>
                 <a:cs typeface="+mn-lt"/>
               </a:rPr>
               <a:t/>
             </a:r>
             <a:br>
-              <a:rPr lang="tr" dirty="0">
+              <a:rPr lang="tr">
                 <a:ea typeface="+mn-lt"/>
                 <a:cs typeface="+mn-lt"/>
               </a:rPr>
             </a:br>
-            <a:endParaRPr lang="en-US" dirty="0">
+            <a:endParaRPr lang="en-US">
               <a:cs typeface="Calibri"/>
             </a:endParaRPr>
           </a:p>
@@ -8546,7 +8720,7 @@
           <p:cNvPr id="3" name="Picture 3" descr="A close up of a logo&#10;&#10;Description generated with high confidence">
             <a:extLst>
               <a:ext uri="{FF2B5EF4-FFF2-40B4-BE49-F238E27FC236}">
-                <a16:creationId xmlns:a16="http://schemas.microsoft.com/office/drawing/2014/main" xmlns="" id="{6C45F823-5225-4161-963F-0B818577829A}"/>
+                <a16:creationId xmlns="" xmlns:a16="http://schemas.microsoft.com/office/drawing/2014/main" id="{6C45F823-5225-4161-963F-0B818577829A}"/>
               </a:ext>
             </a:extLst>
           </p:cNvPr>
@@ -8556,7 +8730,7 @@
           <p:nvPr/>
         </p:nvPicPr>
         <p:blipFill>
-          <a:blip r:embed="rId2"/>
+          <a:blip r:embed="rId3"/>
           <a:stretch>
             <a:fillRect/>
           </a:stretch>
@@ -8581,13 +8755,6 @@
   <p:clrMapOvr>
     <a:masterClrMapping/>
   </p:clrMapOvr>
-  <p:timing>
-    <p:tnLst>
-      <p:par>
-        <p:cTn id="1" dur="indefinite" restart="never" nodeType="tmRoot"/>
-      </p:par>
-    </p:tnLst>
-  </p:timing>
 </p:sld>
 </file>
 
@@ -8613,7 +8780,7 @@
           <p:cNvPr id="3" name="TextBox 2">
             <a:extLst>
               <a:ext uri="{FF2B5EF4-FFF2-40B4-BE49-F238E27FC236}">
-                <a16:creationId xmlns:a16="http://schemas.microsoft.com/office/drawing/2014/main" xmlns="" id="{0BA470BA-89F0-457F-A162-7E35A8425B9A}"/>
+                <a16:creationId xmlns="" xmlns:a16="http://schemas.microsoft.com/office/drawing/2014/main" id="{0BA470BA-89F0-457F-A162-7E35A8425B9A}"/>
               </a:ext>
             </a:extLst>
           </p:cNvPr>
@@ -9372,7 +9539,7 @@
           <p:cNvPr id="6" name="Picture 6">
             <a:extLst>
               <a:ext uri="{FF2B5EF4-FFF2-40B4-BE49-F238E27FC236}">
-                <a16:creationId xmlns:a16="http://schemas.microsoft.com/office/drawing/2014/main" xmlns="" id="{36E6395A-7407-4170-9ED4-5ED611A113C1}"/>
+                <a16:creationId xmlns="" xmlns:a16="http://schemas.microsoft.com/office/drawing/2014/main" id="{36E6395A-7407-4170-9ED4-5ED611A113C1}"/>
               </a:ext>
             </a:extLst>
           </p:cNvPr>
@@ -9382,7 +9549,7 @@
           <p:nvPr/>
         </p:nvPicPr>
         <p:blipFill rotWithShape="1">
-          <a:blip r:embed="rId2"/>
+          <a:blip r:embed="rId3"/>
           <a:srcRect l="2086" t="1978" r="42112" b="19341"/>
           <a:stretch/>
         </p:blipFill>
@@ -9401,7 +9568,7 @@
           <p:cNvPr id="8" name="Picture 8">
             <a:extLst>
               <a:ext uri="{FF2B5EF4-FFF2-40B4-BE49-F238E27FC236}">
-                <a16:creationId xmlns:a16="http://schemas.microsoft.com/office/drawing/2014/main" xmlns="" id="{E97944E0-38C8-44C1-8968-E7B8B7056B60}"/>
+                <a16:creationId xmlns="" xmlns:a16="http://schemas.microsoft.com/office/drawing/2014/main" id="{E97944E0-38C8-44C1-8968-E7B8B7056B60}"/>
               </a:ext>
             </a:extLst>
           </p:cNvPr>
@@ -9411,7 +9578,7 @@
           <p:nvPr/>
         </p:nvPicPr>
         <p:blipFill rotWithShape="1">
-          <a:blip r:embed="rId2"/>
+          <a:blip r:embed="rId3"/>
           <a:srcRect l="61417" t="9042" r="157" b="1862"/>
           <a:stretch/>
         </p:blipFill>
@@ -9430,7 +9597,7 @@
           <p:cNvPr id="10" name="TextBox 9">
             <a:extLst>
               <a:ext uri="{FF2B5EF4-FFF2-40B4-BE49-F238E27FC236}">
-                <a16:creationId xmlns:a16="http://schemas.microsoft.com/office/drawing/2014/main" xmlns="" id="{86C94604-A735-4950-96A6-75ED760C4AEB}"/>
+                <a16:creationId xmlns="" xmlns:a16="http://schemas.microsoft.com/office/drawing/2014/main" id="{86C94604-A735-4950-96A6-75ED760C4AEB}"/>
               </a:ext>
             </a:extLst>
           </p:cNvPr>
@@ -9456,40 +9623,40 @@
           </a:bodyPr>
           <a:lstStyle/>
           <a:p>
-            <a:endParaRPr lang="tr" i="1" dirty="0">
+            <a:endParaRPr lang="tr" i="1">
               <a:ea typeface="+mn-lt"/>
               <a:cs typeface="+mn-lt"/>
             </a:endParaRPr>
           </a:p>
           <a:p>
-            <a:endParaRPr lang="tr" dirty="0">
+            <a:endParaRPr lang="tr">
               <a:ea typeface="+mn-lt"/>
               <a:cs typeface="+mn-lt"/>
             </a:endParaRPr>
           </a:p>
           <a:p>
             <a:r>
-              <a:rPr lang="tr" dirty="0"/>
+              <a:rPr lang="tr"/>
               <a:t>It’s straightforward to prove that the while statement is sufficient to provide </a:t>
             </a:r>
             <a:r>
-              <a:rPr lang="tr" i="1" dirty="0"/>
+              <a:rPr lang="tr" i="1"/>
               <a:t>any </a:t>
             </a:r>
             <a:r>
-              <a:rPr lang="tr" dirty="0"/>
+              <a:rPr lang="tr"/>
               <a:t>form of repetition. Everything that can be done with do…while and for can be done with the</a:t>
             </a:r>
-            <a:endParaRPr lang="en-US" dirty="0">
+            <a:endParaRPr lang="en-US">
               <a:cs typeface="Calibri" panose="020F0502020204030204"/>
             </a:endParaRPr>
           </a:p>
           <a:p>
             <a:r>
-              <a:rPr lang="tr" dirty="0"/>
+              <a:rPr lang="tr"/>
               <a:t> while statement (although perhaps not as conveniently).</a:t>
             </a:r>
-            <a:endParaRPr lang="en-US" dirty="0">
+            <a:endParaRPr lang="en-US">
               <a:cs typeface="Calibri"/>
             </a:endParaRPr>
           </a:p>
@@ -9505,13 +9672,6 @@
   <p:clrMapOvr>
     <a:masterClrMapping/>
   </p:clrMapOvr>
-  <p:timing>
-    <p:tnLst>
-      <p:par>
-        <p:cTn id="1" dur="indefinite" restart="never" nodeType="tmRoot"/>
-      </p:par>
-    </p:tnLst>
-  </p:timing>
 </p:sld>
 </file>
 
@@ -9537,7 +9697,7 @@
           <p:cNvPr id="2" name="TextBox 1">
             <a:extLst>
               <a:ext uri="{FF2B5EF4-FFF2-40B4-BE49-F238E27FC236}">
-                <a16:creationId xmlns:a16="http://schemas.microsoft.com/office/drawing/2014/main" xmlns="" id="{0370228C-8420-406F-A27A-6225E901C269}"/>
+                <a16:creationId xmlns="" xmlns:a16="http://schemas.microsoft.com/office/drawing/2014/main" id="{0370228C-8420-406F-A27A-6225E901C269}"/>
               </a:ext>
             </a:extLst>
           </p:cNvPr>
@@ -9564,28 +9724,28 @@
           <a:lstStyle/>
           <a:p>
             <a:r>
-              <a:rPr lang="en-US" dirty="0">
+              <a:rPr lang="en-US">
                 <a:latin typeface="Calibri"/>
                 <a:cs typeface="Calibri"/>
               </a:rPr>
               <a:t>•</a:t>
             </a:r>
             <a:r>
-              <a:rPr lang="tr" b="1" dirty="0">
+              <a:rPr lang="tr" b="1">
                 <a:latin typeface="Calibri"/>
                 <a:cs typeface="Calibri"/>
               </a:rPr>
               <a:t>Counter controlled repetition: </a:t>
             </a:r>
             <a:r>
-              <a:rPr lang="tr" dirty="0">
+              <a:rPr lang="tr">
                 <a:latin typeface="Calibri"/>
                 <a:cs typeface="Calibri"/>
               </a:rPr>
               <a:t>We have a counter to control the number of times a set of statements will execute. Counter controlled repetition is often called </a:t>
             </a:r>
             <a:r>
-              <a:rPr lang="tr" dirty="0">
+              <a:rPr lang="tr">
                 <a:solidFill>
                   <a:srgbClr val="00B050"/>
                 </a:solidFill>
@@ -9595,84 +9755,91 @@
               <a:t>definite repetition</a:t>
             </a:r>
             <a:r>
-              <a:rPr lang="tr" dirty="0">
+              <a:rPr lang="tr">
                 <a:latin typeface="Calibri"/>
                 <a:cs typeface="Calibri"/>
               </a:rPr>
-              <a:t> because the number of repetition is known before the loop begins executing.  -</a:t>
-            </a:r>
-            <a:endParaRPr lang="en-US" dirty="0">
+              <a:t> because the number of repetition is known before the loop begins executing.</a:t>
+            </a:r>
+            <a:endParaRPr lang="en-US">
               <a:latin typeface="Calibri"/>
               <a:cs typeface="Calibri"/>
             </a:endParaRPr>
           </a:p>
           <a:p>
-            <a:endParaRPr lang="tr" dirty="0">
+            <a:endParaRPr lang="tr">
               <a:latin typeface="Calibri"/>
               <a:cs typeface="Calibri"/>
             </a:endParaRPr>
           </a:p>
           <a:p>
             <a:r>
-              <a:rPr lang="tr" dirty="0">
+              <a:rPr lang="en-US">
                 <a:latin typeface="Calibri"/>
                 <a:cs typeface="Calibri"/>
               </a:rPr>
-              <a:t>Elements of counter controlled repetition: </a:t>
-            </a:r>
-            <a:r>
-              <a:rPr lang="tr" dirty="0">
+              <a:t>Four e</a:t>
+            </a:r>
+            <a:r>
+              <a:rPr lang="tr">
+                <a:latin typeface="Calibri"/>
+                <a:cs typeface="Calibri"/>
+              </a:rPr>
+              <a:t>lements of counter controlled repetition</a:t>
+            </a:r>
+            <a:r>
+              <a:rPr lang="en-US">
+                <a:latin typeface="Calibri"/>
+                <a:cs typeface="Calibri"/>
+              </a:rPr>
+              <a:t> are </a:t>
+            </a:r>
+            <a:r>
+              <a:rPr lang="en-US">
                 <a:solidFill>
                   <a:srgbClr val="00B050"/>
                 </a:solidFill>
                 <a:latin typeface="Calibri"/>
                 <a:cs typeface="Calibri"/>
               </a:rPr>
-              <a:t>Control variable</a:t>
-            </a:r>
-            <a:r>
-              <a:rPr lang="tr" dirty="0">
-                <a:latin typeface="Calibri"/>
-                <a:cs typeface="Calibri"/>
-              </a:rPr>
-              <a:t>, </a:t>
-            </a:r>
-            <a:r>
-              <a:rPr lang="tr" dirty="0">
+              <a:t>c</a:t>
+            </a:r>
+            <a:r>
+              <a:rPr lang="tr">
                 <a:solidFill>
                   <a:srgbClr val="00B050"/>
                 </a:solidFill>
                 <a:latin typeface="Calibri"/>
                 <a:cs typeface="Calibri"/>
               </a:rPr>
-              <a:t>initial value</a:t>
-            </a:r>
-            <a:r>
-              <a:rPr lang="tr" dirty="0">
+              <a:t>ontrol variable</a:t>
+            </a:r>
+            <a:r>
+              <a:rPr lang="tr">
                 <a:latin typeface="Calibri"/>
                 <a:cs typeface="Calibri"/>
               </a:rPr>
               <a:t>, </a:t>
             </a:r>
             <a:r>
-              <a:rPr lang="tr" dirty="0">
+              <a:rPr lang="tr">
                 <a:solidFill>
                   <a:srgbClr val="00B050"/>
                 </a:solidFill>
                 <a:latin typeface="Calibri"/>
                 <a:cs typeface="Calibri"/>
               </a:rPr>
-              <a:t>increment</a:t>
-            </a:r>
-            <a:r>
-              <a:rPr lang="tr" dirty="0">
+              <a:t>initial value</a:t>
+            </a:r>
+            <a:r>
+              <a:rPr lang="tr">
                 <a:latin typeface="Calibri"/>
                 <a:cs typeface="Calibri"/>
               </a:rPr>
               <a:t>, </a:t>
             </a:r>
             <a:r>
-              <a:rPr lang="tr" dirty="0">
+              <a:rPr lang="tr">
                 <a:solidFill>
                   <a:srgbClr val="00B050"/>
                 </a:solidFill>
@@ -9682,36 +9849,54 @@
               <a:t>loop continuation condition</a:t>
             </a:r>
             <a:r>
-              <a:rPr lang="tr" dirty="0">
+              <a:rPr lang="en-US">
                 <a:latin typeface="Calibri"/>
                 <a:cs typeface="Calibri"/>
               </a:rPr>
+              <a:t>, </a:t>
+            </a:r>
+            <a:r>
+              <a:rPr lang="tr">
+                <a:solidFill>
+                  <a:srgbClr val="00B050"/>
+                </a:solidFill>
+                <a:cs typeface="Calibri"/>
+              </a:rPr>
+              <a:t>increment</a:t>
+            </a:r>
+            <a:r>
+              <a:rPr lang="en-US">
+                <a:solidFill>
+                  <a:srgbClr val="00B050"/>
+                </a:solidFill>
+                <a:cs typeface="Calibri"/>
+              </a:rPr>
               <a:t>.</a:t>
             </a:r>
-            <a:endParaRPr lang="en-US" dirty="0">
+            <a:endParaRPr lang="en-US">
               <a:latin typeface="Calibri"/>
               <a:cs typeface="Calibri"/>
             </a:endParaRPr>
           </a:p>
           <a:p>
-            <a:endParaRPr lang="tr" dirty="0">
+            <a:endParaRPr lang="tr">
               <a:latin typeface="Calibri"/>
               <a:cs typeface="Calibri"/>
             </a:endParaRPr>
           </a:p>
           <a:p>
-            <a:endParaRPr lang="tr" dirty="0">
+            <a:endParaRPr lang="tr">
               <a:cs typeface="Calibri"/>
             </a:endParaRPr>
           </a:p>
           <a:p>
-            <a:endParaRPr lang="tr" dirty="0">
+            <a:endParaRPr lang="tr">
               <a:latin typeface="Calibri"/>
               <a:cs typeface="Calibri"/>
             </a:endParaRPr>
           </a:p>
           <a:p>
-            <a:endParaRPr lang="tr" dirty="0">
+            <a:endParaRPr lang="tr">
               <a:latin typeface="Calibri"/>
               <a:cs typeface="Calibri"/>
             </a:endParaRPr>
@@ -9723,7 +9908,7 @@
           <p:cNvPr id="3" name="Picture 3" descr="A picture containing screenshot, screen, table, man&#10;&#10;Description generated with very high confidence">
             <a:extLst>
               <a:ext uri="{FF2B5EF4-FFF2-40B4-BE49-F238E27FC236}">
-                <a16:creationId xmlns:a16="http://schemas.microsoft.com/office/drawing/2014/main" xmlns="" id="{3D99D1FF-85BA-452D-B30F-69027483E231}"/>
+                <a16:creationId xmlns="" xmlns:a16="http://schemas.microsoft.com/office/drawing/2014/main" id="{3D99D1FF-85BA-452D-B30F-69027483E231}"/>
               </a:ext>
             </a:extLst>
           </p:cNvPr>
@@ -9753,7 +9938,7 @@
           <p:cNvPr id="7" name="Picture 7" descr="A picture containing large, room, close, holding&#10;&#10;Description generated with very high confidence">
             <a:extLst>
               <a:ext uri="{FF2B5EF4-FFF2-40B4-BE49-F238E27FC236}">
-                <a16:creationId xmlns:a16="http://schemas.microsoft.com/office/drawing/2014/main" xmlns="" id="{3CAFB73C-3622-454B-93FD-86038617280C}"/>
+                <a16:creationId xmlns="" xmlns:a16="http://schemas.microsoft.com/office/drawing/2014/main" id="{3CAFB73C-3622-454B-93FD-86038617280C}"/>
               </a:ext>
             </a:extLst>
           </p:cNvPr>
@@ -9788,13 +9973,6 @@
   <p:clrMapOvr>
     <a:masterClrMapping/>
   </p:clrMapOvr>
-  <p:timing>
-    <p:tnLst>
-      <p:par>
-        <p:cTn id="1" dur="indefinite" restart="never" nodeType="tmRoot"/>
-      </p:par>
-    </p:tnLst>
-  </p:timing>
 </p:sld>
 </file>
 
@@ -9820,7 +9998,7 @@
           <p:cNvPr id="2" name="Picture 2" descr="A screenshot of a cell phone&#10;&#10;Description generated with very high confidence">
             <a:extLst>
               <a:ext uri="{FF2B5EF4-FFF2-40B4-BE49-F238E27FC236}">
-                <a16:creationId xmlns:a16="http://schemas.microsoft.com/office/drawing/2014/main" xmlns="" id="{E459D063-6A07-4A60-9FD8-E1769AD23000}"/>
+                <a16:creationId xmlns="" xmlns:a16="http://schemas.microsoft.com/office/drawing/2014/main" id="{E459D063-6A07-4A60-9FD8-E1769AD23000}"/>
               </a:ext>
             </a:extLst>
           </p:cNvPr>
@@ -9830,7 +10008,7 @@
           <p:nvPr/>
         </p:nvPicPr>
         <p:blipFill>
-          <a:blip r:embed="rId2"/>
+          <a:blip r:embed="rId3"/>
           <a:stretch>
             <a:fillRect/>
           </a:stretch>
@@ -9850,7 +10028,7 @@
           <p:cNvPr id="4" name="TextBox 3">
             <a:extLst>
               <a:ext uri="{FF2B5EF4-FFF2-40B4-BE49-F238E27FC236}">
-                <a16:creationId xmlns:a16="http://schemas.microsoft.com/office/drawing/2014/main" xmlns="" id="{14340CFE-A716-49C8-83CA-508FE2ED32B1}"/>
+                <a16:creationId xmlns="" xmlns:a16="http://schemas.microsoft.com/office/drawing/2014/main" id="{14340CFE-A716-49C8-83CA-508FE2ED32B1}"/>
               </a:ext>
             </a:extLst>
           </p:cNvPr>
@@ -9877,28 +10055,28 @@
           <a:lstStyle/>
           <a:p>
             <a:r>
-              <a:rPr lang="en-US" dirty="0">
+              <a:rPr lang="en-US">
                 <a:ea typeface="+mn-lt"/>
                 <a:cs typeface="+mn-lt"/>
               </a:rPr>
               <a:t>•</a:t>
             </a:r>
             <a:r>
-              <a:rPr lang="tr" b="1" dirty="0">
+              <a:rPr lang="tr" b="1">
                 <a:ea typeface="+mn-lt"/>
                 <a:cs typeface="+mn-lt"/>
               </a:rPr>
               <a:t>Sentinel controlled repetition: </a:t>
             </a:r>
             <a:r>
-              <a:rPr lang="tr" dirty="0">
+              <a:rPr lang="tr">
                 <a:ea typeface="+mn-lt"/>
                 <a:cs typeface="+mn-lt"/>
               </a:rPr>
               <a:t>In definite repetition we knew how many times the loop was going to execute. In </a:t>
             </a:r>
             <a:r>
-              <a:rPr lang="tr" dirty="0">
+              <a:rPr lang="tr">
                 <a:solidFill>
                   <a:srgbClr val="00B050"/>
                 </a:solidFill>
@@ -9908,32 +10086,32 @@
               <a:t>indefinite repetition </a:t>
             </a:r>
             <a:r>
-              <a:rPr lang="tr" dirty="0">
+              <a:rPr lang="tr">
                 <a:ea typeface="+mn-lt"/>
                 <a:cs typeface="+mn-lt"/>
               </a:rPr>
               <a:t>we dont know how many times the loop is going to execute. The loop is going to execute until sentinel value is entered.</a:t>
             </a:r>
-            <a:endParaRPr lang="en-US" dirty="0">
+            <a:endParaRPr lang="en-US">
               <a:ea typeface="+mn-lt"/>
               <a:cs typeface="+mn-lt"/>
             </a:endParaRPr>
           </a:p>
           <a:p>
-            <a:endParaRPr lang="tr" dirty="0">
+            <a:endParaRPr lang="tr">
               <a:cs typeface="Calibri"/>
             </a:endParaRPr>
           </a:p>
           <a:p>
             <a:r>
-              <a:rPr lang="tr" dirty="0">
+              <a:rPr lang="tr">
                 <a:ea typeface="+mn-lt"/>
                 <a:cs typeface="+mn-lt"/>
               </a:rPr>
               <a:t>Indefinite repetition uses a special value called a </a:t>
             </a:r>
             <a:r>
-              <a:rPr lang="tr" dirty="0">
+              <a:rPr lang="tr">
                 <a:solidFill>
                   <a:srgbClr val="00B050"/>
                 </a:solidFill>
@@ -9943,63 +10121,75 @@
               <a:t>sentinel value</a:t>
             </a:r>
             <a:r>
-              <a:rPr lang="tr" dirty="0">
+              <a:rPr lang="tr">
                 <a:ea typeface="+mn-lt"/>
                 <a:cs typeface="+mn-lt"/>
               </a:rPr>
               <a:t> to indicate “end of data entry.” </a:t>
             </a:r>
-            <a:endParaRPr lang="tr" dirty="0"/>
-          </a:p>
-          <a:p>
-            <a:endParaRPr lang="tr" dirty="0">
+            <a:endParaRPr lang="tr"/>
+          </a:p>
+          <a:p>
+            <a:endParaRPr lang="tr">
               <a:cs typeface="Calibri"/>
             </a:endParaRPr>
           </a:p>
           <a:p>
-            <a:endParaRPr lang="tr" dirty="0">
+            <a:endParaRPr lang="tr">
               <a:cs typeface="Calibri"/>
             </a:endParaRPr>
           </a:p>
           <a:p>
             <a:r>
-              <a:rPr lang="tr" dirty="0">
+              <a:rPr lang="tr">
                 <a:cs typeface="Calibri"/>
               </a:rPr>
               <a:t>While and for statements can be used for sentinel and </a:t>
             </a:r>
-            <a:endParaRPr lang="tr" dirty="0"/>
-          </a:p>
-          <a:p>
-            <a:r>
-              <a:rPr lang="tr" dirty="0">
+            <a:endParaRPr lang="tr"/>
+          </a:p>
+          <a:p>
+            <a:r>
+              <a:rPr lang="tr">
                 <a:cs typeface="Calibri"/>
               </a:rPr>
-              <a:t>counter controlled statements. But while is generally </a:t>
-            </a:r>
-            <a:endParaRPr lang="tr" dirty="0"/>
-          </a:p>
-          <a:p>
-            <a:r>
-              <a:rPr lang="tr" dirty="0">
+              <a:t>counter controlled </a:t>
+            </a:r>
+            <a:r>
+              <a:rPr lang="en-US">
                 <a:cs typeface="Calibri"/>
               </a:rPr>
+              <a:t>repetition</a:t>
+            </a:r>
+            <a:r>
+              <a:rPr lang="tr">
+                <a:cs typeface="Calibri"/>
+              </a:rPr>
+              <a:t>. But while is generally </a:t>
+            </a:r>
+            <a:endParaRPr lang="tr"/>
+          </a:p>
+          <a:p>
+            <a:r>
+              <a:rPr lang="tr">
+                <a:cs typeface="Calibri"/>
+              </a:rPr>
               <a:t>used for sentinel controlled and for is generally used forcounter controlled repetition. </a:t>
             </a:r>
-            <a:endParaRPr lang="tr" dirty="0"/>
-          </a:p>
-          <a:p>
-            <a:endParaRPr lang="tr" dirty="0">
+            <a:endParaRPr lang="tr"/>
+          </a:p>
+          <a:p>
+            <a:endParaRPr lang="tr">
               <a:cs typeface="Calibri"/>
             </a:endParaRPr>
           </a:p>
           <a:p>
-            <a:endParaRPr lang="tr" dirty="0">
+            <a:endParaRPr lang="tr">
               <a:cs typeface="Calibri"/>
             </a:endParaRPr>
           </a:p>
           <a:p>
-            <a:endParaRPr lang="tr" dirty="0">
+            <a:endParaRPr lang="tr">
               <a:cs typeface="Calibri"/>
             </a:endParaRPr>
           </a:p>
@@ -10010,7 +10200,7 @@
           <p:cNvPr id="3" name="Picture 4" descr="A screenshot of a cell phone&#10;&#10;Description generated with high confidence">
             <a:extLst>
               <a:ext uri="{FF2B5EF4-FFF2-40B4-BE49-F238E27FC236}">
-                <a16:creationId xmlns:a16="http://schemas.microsoft.com/office/drawing/2014/main" xmlns="" id="{8EF6C0A5-09BB-495A-BF75-10B143080DE2}"/>
+                <a16:creationId xmlns="" xmlns:a16="http://schemas.microsoft.com/office/drawing/2014/main" id="{8EF6C0A5-09BB-495A-BF75-10B143080DE2}"/>
               </a:ext>
             </a:extLst>
           </p:cNvPr>
@@ -10020,7 +10210,7 @@
           <p:nvPr/>
         </p:nvPicPr>
         <p:blipFill>
-          <a:blip r:embed="rId3"/>
+          <a:blip r:embed="rId4"/>
           <a:stretch>
             <a:fillRect/>
           </a:stretch>
@@ -10045,13 +10235,6 @@
   <p:clrMapOvr>
     <a:masterClrMapping/>
   </p:clrMapOvr>
-  <p:timing>
-    <p:tnLst>
-      <p:par>
-        <p:cTn id="1" dur="indefinite" restart="never" nodeType="tmRoot"/>
-      </p:par>
-    </p:tnLst>
-  </p:timing>
 </p:sld>
 </file>
 
@@ -10077,7 +10260,7 @@
           <p:cNvPr id="2" name="TextBox 1">
             <a:extLst>
               <a:ext uri="{FF2B5EF4-FFF2-40B4-BE49-F238E27FC236}">
-                <a16:creationId xmlns:a16="http://schemas.microsoft.com/office/drawing/2014/main" xmlns="" id="{532099C1-FE46-4FFE-8002-E9355525086C}"/>
+                <a16:creationId xmlns="" xmlns:a16="http://schemas.microsoft.com/office/drawing/2014/main" id="{532099C1-FE46-4FFE-8002-E9355525086C}"/>
               </a:ext>
             </a:extLst>
           </p:cNvPr>
@@ -10111,473 +10294,46 @@
               <a:t>•</a:t>
             </a:r>
             <a:r>
-              <a:rPr lang="tr" b="1" err="1">
-                <a:ea typeface="+mn-lt"/>
-                <a:cs typeface="+mn-lt"/>
-              </a:rPr>
-              <a:t>Structured</a:t>
-            </a:r>
-            <a:r>
               <a:rPr lang="tr" b="1">
                 <a:ea typeface="+mn-lt"/>
                 <a:cs typeface="+mn-lt"/>
               </a:rPr>
-              <a:t> </a:t>
-            </a:r>
-            <a:r>
-              <a:rPr lang="tr" b="1" err="1">
-                <a:ea typeface="+mn-lt"/>
-                <a:cs typeface="+mn-lt"/>
-              </a:rPr>
-              <a:t>programming</a:t>
-            </a:r>
-            <a:r>
-              <a:rPr lang="tr" b="1">
-                <a:ea typeface="+mn-lt"/>
-                <a:cs typeface="+mn-lt"/>
-              </a:rPr>
-              <a:t> </a:t>
-            </a:r>
-            <a:r>
-              <a:rPr lang="tr" b="1" err="1">
-                <a:ea typeface="+mn-lt"/>
-                <a:cs typeface="+mn-lt"/>
-              </a:rPr>
-              <a:t>summary</a:t>
-            </a:r>
-            <a:r>
-              <a:rPr lang="tr" b="1">
-                <a:ea typeface="+mn-lt"/>
-                <a:cs typeface="+mn-lt"/>
-              </a:rPr>
-              <a:t>: </a:t>
-            </a:r>
-            <a:r>
-              <a:rPr lang="tr">
-                <a:ea typeface="+mn-lt"/>
-                <a:cs typeface="+mn-lt"/>
-              </a:rPr>
-              <a:t>Java has </a:t>
-            </a:r>
-            <a:r>
-              <a:rPr lang="tr" err="1">
-                <a:ea typeface="+mn-lt"/>
-                <a:cs typeface="+mn-lt"/>
-              </a:rPr>
-              <a:t>only</a:t>
-            </a:r>
-            <a:r>
-              <a:rPr lang="tr">
-                <a:ea typeface="+mn-lt"/>
-                <a:cs typeface="+mn-lt"/>
-              </a:rPr>
-              <a:t> </a:t>
-            </a:r>
-            <a:r>
-              <a:rPr lang="tr" err="1">
-                <a:ea typeface="+mn-lt"/>
-                <a:cs typeface="+mn-lt"/>
-              </a:rPr>
-              <a:t>three</a:t>
-            </a:r>
-            <a:r>
-              <a:rPr lang="tr">
-                <a:ea typeface="+mn-lt"/>
-                <a:cs typeface="+mn-lt"/>
-              </a:rPr>
-              <a:t> </a:t>
-            </a:r>
-            <a:r>
-              <a:rPr lang="tr" err="1">
-                <a:ea typeface="+mn-lt"/>
-                <a:cs typeface="+mn-lt"/>
-              </a:rPr>
-              <a:t>kinds</a:t>
-            </a:r>
-            <a:r>
-              <a:rPr lang="tr">
-                <a:ea typeface="+mn-lt"/>
-                <a:cs typeface="+mn-lt"/>
-              </a:rPr>
-              <a:t> of </a:t>
-            </a:r>
-            <a:r>
-              <a:rPr lang="tr" err="1">
-                <a:ea typeface="+mn-lt"/>
-                <a:cs typeface="+mn-lt"/>
-              </a:rPr>
-              <a:t>control</a:t>
-            </a:r>
-            <a:r>
-              <a:rPr lang="tr">
-                <a:ea typeface="+mn-lt"/>
-                <a:cs typeface="+mn-lt"/>
-              </a:rPr>
-              <a:t> </a:t>
-            </a:r>
-            <a:r>
-              <a:rPr lang="tr" err="1">
-                <a:ea typeface="+mn-lt"/>
-                <a:cs typeface="+mn-lt"/>
-              </a:rPr>
-              <a:t>statements</a:t>
-            </a:r>
-            <a:r>
-              <a:rPr lang="tr">
-                <a:ea typeface="+mn-lt"/>
-                <a:cs typeface="+mn-lt"/>
-              </a:rPr>
-              <a:t>: </a:t>
-            </a:r>
-            <a:r>
-              <a:rPr lang="tr" err="1">
-                <a:ea typeface="+mn-lt"/>
-                <a:cs typeface="+mn-lt"/>
-              </a:rPr>
-              <a:t>the</a:t>
-            </a:r>
-            <a:r>
-              <a:rPr lang="tr">
-                <a:ea typeface="+mn-lt"/>
-                <a:cs typeface="+mn-lt"/>
-              </a:rPr>
-              <a:t> </a:t>
-            </a:r>
-            <a:r>
-              <a:rPr lang="tr" err="1">
-                <a:ea typeface="+mn-lt"/>
-                <a:cs typeface="+mn-lt"/>
-              </a:rPr>
-              <a:t>sequence</a:t>
-            </a:r>
-            <a:r>
-              <a:rPr lang="tr">
-                <a:ea typeface="+mn-lt"/>
-                <a:cs typeface="+mn-lt"/>
-              </a:rPr>
-              <a:t> </a:t>
-            </a:r>
-            <a:r>
-              <a:rPr lang="tr" err="1">
-                <a:ea typeface="+mn-lt"/>
-                <a:cs typeface="+mn-lt"/>
-              </a:rPr>
-              <a:t>statement</a:t>
-            </a:r>
-            <a:r>
-              <a:rPr lang="tr">
-                <a:ea typeface="+mn-lt"/>
-                <a:cs typeface="+mn-lt"/>
-              </a:rPr>
-              <a:t>, </a:t>
-            </a:r>
-            <a:r>
-              <a:rPr lang="tr" err="1">
-                <a:ea typeface="+mn-lt"/>
-                <a:cs typeface="+mn-lt"/>
-              </a:rPr>
-              <a:t>selection</a:t>
-            </a:r>
-            <a:r>
-              <a:rPr lang="tr">
-                <a:ea typeface="+mn-lt"/>
-                <a:cs typeface="+mn-lt"/>
-              </a:rPr>
-              <a:t> </a:t>
-            </a:r>
-            <a:r>
-              <a:rPr lang="tr" err="1">
-                <a:ea typeface="+mn-lt"/>
-                <a:cs typeface="+mn-lt"/>
-              </a:rPr>
-              <a:t>statement</a:t>
-            </a:r>
-            <a:r>
-              <a:rPr lang="tr">
-                <a:ea typeface="+mn-lt"/>
-                <a:cs typeface="+mn-lt"/>
-              </a:rPr>
-              <a:t>(</a:t>
-            </a:r>
-            <a:r>
-              <a:rPr lang="tr" err="1">
-                <a:ea typeface="+mn-lt"/>
-                <a:cs typeface="+mn-lt"/>
-              </a:rPr>
-              <a:t>three</a:t>
-            </a:r>
-            <a:r>
-              <a:rPr lang="tr">
-                <a:ea typeface="+mn-lt"/>
-                <a:cs typeface="+mn-lt"/>
-              </a:rPr>
-              <a:t> </a:t>
-            </a:r>
-            <a:r>
-              <a:rPr lang="tr" err="1">
-                <a:ea typeface="+mn-lt"/>
-                <a:cs typeface="+mn-lt"/>
-              </a:rPr>
-              <a:t>types</a:t>
-            </a:r>
-            <a:r>
-              <a:rPr lang="tr">
-                <a:ea typeface="+mn-lt"/>
-                <a:cs typeface="+mn-lt"/>
-              </a:rPr>
-              <a:t>), </a:t>
-            </a:r>
-            <a:r>
-              <a:rPr lang="tr" err="1">
-                <a:ea typeface="+mn-lt"/>
-                <a:cs typeface="+mn-lt"/>
-              </a:rPr>
-              <a:t>and</a:t>
-            </a:r>
-            <a:r>
-              <a:rPr lang="tr">
-                <a:ea typeface="+mn-lt"/>
-                <a:cs typeface="+mn-lt"/>
-              </a:rPr>
-              <a:t> </a:t>
-            </a:r>
-            <a:r>
-              <a:rPr lang="tr" err="1">
-                <a:ea typeface="+mn-lt"/>
-                <a:cs typeface="+mn-lt"/>
-              </a:rPr>
-              <a:t>repetition</a:t>
-            </a:r>
-            <a:r>
-              <a:rPr lang="tr">
-                <a:ea typeface="+mn-lt"/>
-                <a:cs typeface="+mn-lt"/>
-              </a:rPr>
-              <a:t> </a:t>
-            </a:r>
-            <a:r>
-              <a:rPr lang="tr" err="1">
-                <a:ea typeface="+mn-lt"/>
-                <a:cs typeface="+mn-lt"/>
-              </a:rPr>
-              <a:t>statement</a:t>
-            </a:r>
-            <a:r>
-              <a:rPr lang="tr">
-                <a:ea typeface="+mn-lt"/>
-                <a:cs typeface="+mn-lt"/>
-              </a:rPr>
-              <a:t>(</a:t>
-            </a:r>
-            <a:r>
-              <a:rPr lang="tr" err="1">
-                <a:ea typeface="+mn-lt"/>
-                <a:cs typeface="+mn-lt"/>
-              </a:rPr>
-              <a:t>three</a:t>
-            </a:r>
-            <a:r>
-              <a:rPr lang="tr">
-                <a:ea typeface="+mn-lt"/>
-                <a:cs typeface="+mn-lt"/>
-              </a:rPr>
-              <a:t> </a:t>
-            </a:r>
-            <a:r>
-              <a:rPr lang="tr" err="1">
-                <a:ea typeface="+mn-lt"/>
-                <a:cs typeface="+mn-lt"/>
-              </a:rPr>
-              <a:t>types</a:t>
-            </a:r>
-            <a:r>
-              <a:rPr lang="tr">
-                <a:ea typeface="+mn-lt"/>
-                <a:cs typeface="+mn-lt"/>
-              </a:rPr>
-              <a:t>). </a:t>
-            </a:r>
-            <a:r>
-              <a:rPr lang="tr" err="1">
-                <a:ea typeface="+mn-lt"/>
-                <a:cs typeface="+mn-lt"/>
-              </a:rPr>
-              <a:t>Every</a:t>
-            </a:r>
-            <a:r>
-              <a:rPr lang="tr">
-                <a:ea typeface="+mn-lt"/>
-                <a:cs typeface="+mn-lt"/>
-              </a:rPr>
-              <a:t> program is </a:t>
-            </a:r>
-            <a:r>
-              <a:rPr lang="tr" err="1">
-                <a:ea typeface="+mn-lt"/>
-                <a:cs typeface="+mn-lt"/>
-              </a:rPr>
-              <a:t>formed</a:t>
-            </a:r>
-            <a:r>
-              <a:rPr lang="tr">
-                <a:ea typeface="+mn-lt"/>
-                <a:cs typeface="+mn-lt"/>
-              </a:rPr>
-              <a:t> </a:t>
-            </a:r>
-            <a:r>
-              <a:rPr lang="tr" err="1">
-                <a:ea typeface="+mn-lt"/>
-                <a:cs typeface="+mn-lt"/>
-              </a:rPr>
-              <a:t>by</a:t>
-            </a:r>
-            <a:r>
-              <a:rPr lang="tr">
-                <a:ea typeface="+mn-lt"/>
-                <a:cs typeface="+mn-lt"/>
-              </a:rPr>
-              <a:t> </a:t>
-            </a:r>
-            <a:r>
-              <a:rPr lang="tr" err="1">
-                <a:ea typeface="+mn-lt"/>
-                <a:cs typeface="+mn-lt"/>
-              </a:rPr>
-              <a:t>combining</a:t>
-            </a:r>
-            <a:r>
-              <a:rPr lang="tr">
-                <a:ea typeface="+mn-lt"/>
-                <a:cs typeface="+mn-lt"/>
-              </a:rPr>
-              <a:t> as </a:t>
-            </a:r>
-            <a:r>
-              <a:rPr lang="tr" err="1">
-                <a:ea typeface="+mn-lt"/>
-                <a:cs typeface="+mn-lt"/>
-              </a:rPr>
-              <a:t>many</a:t>
-            </a:r>
-            <a:r>
-              <a:rPr lang="tr">
-                <a:ea typeface="+mn-lt"/>
-                <a:cs typeface="+mn-lt"/>
-              </a:rPr>
-              <a:t> of </a:t>
-            </a:r>
-            <a:r>
-              <a:rPr lang="tr" err="1">
-                <a:ea typeface="+mn-lt"/>
-                <a:cs typeface="+mn-lt"/>
-              </a:rPr>
-              <a:t>these</a:t>
-            </a:r>
-            <a:r>
-              <a:rPr lang="tr">
-                <a:ea typeface="+mn-lt"/>
-                <a:cs typeface="+mn-lt"/>
-              </a:rPr>
-              <a:t> </a:t>
-            </a:r>
-            <a:r>
-              <a:rPr lang="tr" err="1">
-                <a:ea typeface="+mn-lt"/>
-                <a:cs typeface="+mn-lt"/>
-              </a:rPr>
-              <a:t>statements</a:t>
-            </a:r>
-            <a:r>
-              <a:rPr lang="tr">
-                <a:ea typeface="+mn-lt"/>
-                <a:cs typeface="+mn-lt"/>
-              </a:rPr>
-              <a:t> as is </a:t>
-            </a:r>
-            <a:r>
-              <a:rPr lang="tr" err="1">
-                <a:ea typeface="+mn-lt"/>
-                <a:cs typeface="+mn-lt"/>
-              </a:rPr>
-              <a:t>appropriate</a:t>
-            </a:r>
-            <a:r>
-              <a:rPr lang="tr">
-                <a:ea typeface="+mn-lt"/>
-                <a:cs typeface="+mn-lt"/>
-              </a:rPr>
-              <a:t> </a:t>
-            </a:r>
-            <a:r>
-              <a:rPr lang="tr" err="1">
-                <a:ea typeface="+mn-lt"/>
-                <a:cs typeface="+mn-lt"/>
-              </a:rPr>
-              <a:t>for</a:t>
-            </a:r>
-            <a:r>
-              <a:rPr lang="tr">
-                <a:ea typeface="+mn-lt"/>
-                <a:cs typeface="+mn-lt"/>
-              </a:rPr>
-              <a:t> </a:t>
-            </a:r>
-            <a:r>
-              <a:rPr lang="tr" err="1">
-                <a:ea typeface="+mn-lt"/>
-                <a:cs typeface="+mn-lt"/>
-              </a:rPr>
-              <a:t>the</a:t>
-            </a:r>
-            <a:r>
-              <a:rPr lang="tr">
-                <a:ea typeface="+mn-lt"/>
-                <a:cs typeface="+mn-lt"/>
-              </a:rPr>
-              <a:t> </a:t>
-            </a:r>
-            <a:r>
-              <a:rPr lang="tr" err="1">
-                <a:ea typeface="+mn-lt"/>
-                <a:cs typeface="+mn-lt"/>
-              </a:rPr>
-              <a:t>algorithm</a:t>
-            </a:r>
-            <a:r>
-              <a:rPr lang="tr">
-                <a:ea typeface="+mn-lt"/>
-                <a:cs typeface="+mn-lt"/>
-              </a:rPr>
-              <a:t> </a:t>
-            </a:r>
-            <a:r>
-              <a:rPr lang="tr" err="1">
-                <a:ea typeface="+mn-lt"/>
-                <a:cs typeface="+mn-lt"/>
-              </a:rPr>
-              <a:t>the</a:t>
-            </a:r>
-            <a:r>
-              <a:rPr lang="tr">
-                <a:ea typeface="+mn-lt"/>
-                <a:cs typeface="+mn-lt"/>
-              </a:rPr>
-              <a:t> program </a:t>
-            </a:r>
-            <a:r>
-              <a:rPr lang="tr" err="1">
-                <a:ea typeface="+mn-lt"/>
-                <a:cs typeface="+mn-lt"/>
-              </a:rPr>
-              <a:t>implements</a:t>
-            </a:r>
-            <a:r>
-              <a:rPr lang="tr">
-                <a:ea typeface="+mn-lt"/>
-                <a:cs typeface="+mn-lt"/>
-              </a:rPr>
-              <a:t>.</a:t>
+              <a:t>Structured programming summary: </a:t>
+            </a:r>
+            <a:r>
+              <a:rPr lang="tr">
+                <a:ea typeface="+mn-lt"/>
+                <a:cs typeface="+mn-lt"/>
+              </a:rPr>
+              <a:t>Java has only three kinds of control statements: the sequence statement, selection statement</a:t>
+            </a:r>
+            <a:r>
+              <a:rPr lang="en-US">
+                <a:ea typeface="+mn-lt"/>
+                <a:cs typeface="+mn-lt"/>
+              </a:rPr>
+              <a:t>s </a:t>
+            </a:r>
+            <a:r>
+              <a:rPr lang="tr">
+                <a:ea typeface="+mn-lt"/>
+                <a:cs typeface="+mn-lt"/>
+              </a:rPr>
+              <a:t>(three types), and repetition statement</a:t>
+            </a:r>
+            <a:r>
+              <a:rPr lang="en-US">
+                <a:ea typeface="+mn-lt"/>
+                <a:cs typeface="+mn-lt"/>
+              </a:rPr>
+              <a:t>s </a:t>
+            </a:r>
+            <a:r>
+              <a:rPr lang="tr">
+                <a:ea typeface="+mn-lt"/>
+                <a:cs typeface="+mn-lt"/>
+              </a:rPr>
+              <a:t>(three types). Every program is formed by combining as many of these statements as is appropriate for the algorithm the program implements.</a:t>
             </a:r>
             <a:endParaRPr lang="en-US">
               <a:ea typeface="+mn-lt"/>
@@ -10603,118 +10359,28 @@
           </a:p>
           <a:p>
             <a:r>
-              <a:rPr lang="tr" err="1">
-                <a:ea typeface="+mn-lt"/>
-                <a:cs typeface="+mn-lt"/>
-              </a:rPr>
-              <a:t>For</a:t>
-            </a:r>
-            <a:r>
-              <a:rPr lang="tr">
-                <a:ea typeface="+mn-lt"/>
-                <a:cs typeface="+mn-lt"/>
-              </a:rPr>
-              <a:t> </a:t>
-            </a:r>
-            <a:r>
-              <a:rPr lang="tr" err="1">
-                <a:ea typeface="+mn-lt"/>
-                <a:cs typeface="+mn-lt"/>
-              </a:rPr>
-              <a:t>simplicity</a:t>
-            </a:r>
-            <a:r>
-              <a:rPr lang="tr">
-                <a:ea typeface="+mn-lt"/>
-                <a:cs typeface="+mn-lt"/>
-              </a:rPr>
-              <a:t>, Java </a:t>
-            </a:r>
-            <a:r>
-              <a:rPr lang="tr" err="1">
-                <a:ea typeface="+mn-lt"/>
-                <a:cs typeface="+mn-lt"/>
-              </a:rPr>
-              <a:t>includes</a:t>
-            </a:r>
-            <a:r>
-              <a:rPr lang="tr">
-                <a:ea typeface="+mn-lt"/>
-                <a:cs typeface="+mn-lt"/>
-              </a:rPr>
-              <a:t> </a:t>
-            </a:r>
-            <a:r>
-              <a:rPr lang="tr" err="1">
-                <a:ea typeface="+mn-lt"/>
-                <a:cs typeface="+mn-lt"/>
-              </a:rPr>
-              <a:t>only</a:t>
-            </a:r>
-            <a:r>
-              <a:rPr lang="tr">
-                <a:ea typeface="+mn-lt"/>
-                <a:cs typeface="+mn-lt"/>
-              </a:rPr>
-              <a:t> </a:t>
-            </a:r>
-            <a:r>
-              <a:rPr lang="tr" err="1">
+              <a:rPr lang="tr">
+                <a:ea typeface="+mn-lt"/>
+                <a:cs typeface="+mn-lt"/>
+              </a:rPr>
+              <a:t>For simplicity, Java includes only </a:t>
+            </a:r>
+            <a:r>
+              <a:rPr lang="tr">
                 <a:solidFill>
                   <a:srgbClr val="00B050"/>
                 </a:solidFill>
                 <a:ea typeface="+mn-lt"/>
                 <a:cs typeface="+mn-lt"/>
               </a:rPr>
-              <a:t>single-entry</a:t>
-            </a:r>
-            <a:r>
-              <a:rPr lang="tr">
-                <a:solidFill>
-                  <a:srgbClr val="00B050"/>
-                </a:solidFill>
-                <a:ea typeface="+mn-lt"/>
-                <a:cs typeface="+mn-lt"/>
-              </a:rPr>
-              <a:t>/</a:t>
-            </a:r>
-            <a:r>
-              <a:rPr lang="tr" err="1">
-                <a:solidFill>
-                  <a:srgbClr val="00B050"/>
-                </a:solidFill>
-                <a:ea typeface="+mn-lt"/>
-                <a:cs typeface="+mn-lt"/>
-              </a:rPr>
-              <a:t>single-exit</a:t>
-            </a:r>
-            <a:r>
-              <a:rPr lang="tr">
-                <a:ea typeface="+mn-lt"/>
-                <a:cs typeface="+mn-lt"/>
-              </a:rPr>
-              <a:t> </a:t>
-            </a:r>
-            <a:r>
-              <a:rPr lang="tr" err="1">
-                <a:ea typeface="+mn-lt"/>
-                <a:cs typeface="+mn-lt"/>
-              </a:rPr>
-              <a:t>control</a:t>
-            </a:r>
-            <a:r>
-              <a:rPr lang="tr">
-                <a:ea typeface="+mn-lt"/>
-                <a:cs typeface="+mn-lt"/>
-              </a:rPr>
-              <a:t> </a:t>
-            </a:r>
-            <a:r>
-              <a:rPr lang="tr" err="1">
-                <a:ea typeface="+mn-lt"/>
-                <a:cs typeface="+mn-lt"/>
-              </a:rPr>
-              <a:t>statements</a:t>
+              <a:t>single-entry/single-exit</a:t>
+            </a:r>
+            <a:r>
+              <a:rPr lang="tr">
+                <a:ea typeface="+mn-lt"/>
+                <a:cs typeface="+mn-lt"/>
+              </a:rPr>
+              <a:t> control statements</a:t>
             </a:r>
             <a:r>
               <a:rPr lang="en-US">
@@ -10724,102 +10390,11 @@
               <a:t>—there’s only one way to enter and only one way to exit each control statement.  </a:t>
             </a:r>
             <a:r>
-              <a:rPr lang="tr" err="1">
-                <a:ea typeface="+mn-lt"/>
-                <a:cs typeface="+mn-lt"/>
-              </a:rPr>
-              <a:t>This</a:t>
-            </a:r>
-            <a:r>
-              <a:rPr lang="tr">
-                <a:ea typeface="+mn-lt"/>
-                <a:cs typeface="+mn-lt"/>
-              </a:rPr>
-              <a:t> is </a:t>
-            </a:r>
-            <a:r>
-              <a:rPr lang="tr" err="1">
-                <a:ea typeface="+mn-lt"/>
-                <a:cs typeface="+mn-lt"/>
-              </a:rPr>
-              <a:t>why</a:t>
-            </a:r>
-            <a:r>
-              <a:rPr lang="tr">
-                <a:ea typeface="+mn-lt"/>
-                <a:cs typeface="+mn-lt"/>
-              </a:rPr>
-              <a:t> </a:t>
-            </a:r>
-            <a:r>
-              <a:rPr lang="tr" err="1">
-                <a:ea typeface="+mn-lt"/>
-                <a:cs typeface="+mn-lt"/>
-              </a:rPr>
-              <a:t>goto</a:t>
-            </a:r>
-            <a:r>
-              <a:rPr lang="tr">
-                <a:ea typeface="+mn-lt"/>
-                <a:cs typeface="+mn-lt"/>
-              </a:rPr>
-              <a:t> </a:t>
-            </a:r>
-            <a:r>
-              <a:rPr lang="tr" err="1">
-                <a:ea typeface="+mn-lt"/>
-                <a:cs typeface="+mn-lt"/>
-              </a:rPr>
-              <a:t>statement</a:t>
-            </a:r>
-            <a:r>
-              <a:rPr lang="tr">
-                <a:ea typeface="+mn-lt"/>
-                <a:cs typeface="+mn-lt"/>
-              </a:rPr>
-              <a:t> </a:t>
-            </a:r>
-            <a:r>
-              <a:rPr lang="tr" err="1">
-                <a:ea typeface="+mn-lt"/>
-                <a:cs typeface="+mn-lt"/>
-              </a:rPr>
-              <a:t>breaks</a:t>
-            </a:r>
-            <a:r>
-              <a:rPr lang="tr">
-                <a:ea typeface="+mn-lt"/>
-                <a:cs typeface="+mn-lt"/>
-              </a:rPr>
-              <a:t> </a:t>
-            </a:r>
-            <a:r>
-              <a:rPr lang="tr" err="1">
-                <a:ea typeface="+mn-lt"/>
-                <a:cs typeface="+mn-lt"/>
-              </a:rPr>
-              <a:t>structured</a:t>
-            </a:r>
-            <a:r>
-              <a:rPr lang="tr">
-                <a:ea typeface="+mn-lt"/>
-                <a:cs typeface="+mn-lt"/>
-              </a:rPr>
-              <a:t> </a:t>
-            </a:r>
-            <a:r>
-              <a:rPr lang="tr" err="1">
-                <a:ea typeface="+mn-lt"/>
-                <a:cs typeface="+mn-lt"/>
-              </a:rPr>
-              <a:t>programming</a:t>
-            </a:r>
-            <a:r>
-              <a:rPr lang="tr">
-                <a:ea typeface="+mn-lt"/>
-                <a:cs typeface="+mn-lt"/>
-              </a:rPr>
-              <a:t>.</a:t>
+              <a:rPr lang="tr">
+                <a:ea typeface="+mn-lt"/>
+                <a:cs typeface="+mn-lt"/>
+              </a:rPr>
+              <a:t>This is why goto statement breaks structured programming.</a:t>
             </a:r>
             <a:endParaRPr lang="en-US">
               <a:ea typeface="+mn-lt"/>
@@ -10845,196 +10420,28 @@
           </a:p>
           <a:p>
             <a:r>
-              <a:rPr lang="tr" err="1">
-                <a:ea typeface="+mn-lt"/>
-                <a:cs typeface="+mn-lt"/>
-              </a:rPr>
-              <a:t>Connecting</a:t>
-            </a:r>
-            <a:r>
-              <a:rPr lang="tr">
-                <a:ea typeface="+mn-lt"/>
-                <a:cs typeface="+mn-lt"/>
-              </a:rPr>
-              <a:t> </a:t>
-            </a:r>
-            <a:r>
-              <a:rPr lang="tr" err="1">
-                <a:ea typeface="+mn-lt"/>
-                <a:cs typeface="+mn-lt"/>
-              </a:rPr>
-              <a:t>the</a:t>
-            </a:r>
-            <a:r>
-              <a:rPr lang="tr">
-                <a:ea typeface="+mn-lt"/>
-                <a:cs typeface="+mn-lt"/>
-              </a:rPr>
-              <a:t> </a:t>
-            </a:r>
-            <a:r>
-              <a:rPr lang="tr" err="1">
-                <a:ea typeface="+mn-lt"/>
-                <a:cs typeface="+mn-lt"/>
-              </a:rPr>
-              <a:t>exit</a:t>
-            </a:r>
-            <a:r>
-              <a:rPr lang="tr">
-                <a:ea typeface="+mn-lt"/>
-                <a:cs typeface="+mn-lt"/>
-              </a:rPr>
-              <a:t> </a:t>
-            </a:r>
-            <a:r>
-              <a:rPr lang="tr" err="1">
-                <a:ea typeface="+mn-lt"/>
-                <a:cs typeface="+mn-lt"/>
-              </a:rPr>
-              <a:t>point</a:t>
-            </a:r>
-            <a:r>
-              <a:rPr lang="tr">
-                <a:ea typeface="+mn-lt"/>
-                <a:cs typeface="+mn-lt"/>
-              </a:rPr>
-              <a:t> of </a:t>
-            </a:r>
-            <a:r>
-              <a:rPr lang="tr" err="1">
-                <a:ea typeface="+mn-lt"/>
-                <a:cs typeface="+mn-lt"/>
-              </a:rPr>
-              <a:t>one</a:t>
-            </a:r>
-            <a:r>
-              <a:rPr lang="tr">
-                <a:ea typeface="+mn-lt"/>
-                <a:cs typeface="+mn-lt"/>
-              </a:rPr>
-              <a:t> </a:t>
-            </a:r>
-            <a:r>
-              <a:rPr lang="tr" err="1">
-                <a:ea typeface="+mn-lt"/>
-                <a:cs typeface="+mn-lt"/>
-              </a:rPr>
-              <a:t>statement</a:t>
-            </a:r>
-            <a:r>
-              <a:rPr lang="tr">
-                <a:ea typeface="+mn-lt"/>
-                <a:cs typeface="+mn-lt"/>
-              </a:rPr>
-              <a:t> </a:t>
-            </a:r>
-            <a:r>
-              <a:rPr lang="tr" err="1">
-                <a:ea typeface="+mn-lt"/>
-                <a:cs typeface="+mn-lt"/>
-              </a:rPr>
-              <a:t>to</a:t>
-            </a:r>
-            <a:r>
-              <a:rPr lang="tr">
-                <a:ea typeface="+mn-lt"/>
-                <a:cs typeface="+mn-lt"/>
-              </a:rPr>
-              <a:t> </a:t>
-            </a:r>
-            <a:r>
-              <a:rPr lang="tr" err="1">
-                <a:ea typeface="+mn-lt"/>
-                <a:cs typeface="+mn-lt"/>
-              </a:rPr>
-              <a:t>the</a:t>
-            </a:r>
-            <a:r>
-              <a:rPr lang="tr">
-                <a:ea typeface="+mn-lt"/>
-                <a:cs typeface="+mn-lt"/>
-              </a:rPr>
-              <a:t> </a:t>
-            </a:r>
-            <a:r>
-              <a:rPr lang="tr" err="1">
-                <a:ea typeface="+mn-lt"/>
-                <a:cs typeface="+mn-lt"/>
-              </a:rPr>
-              <a:t>entry</a:t>
-            </a:r>
-            <a:r>
-              <a:rPr lang="tr">
-                <a:ea typeface="+mn-lt"/>
-                <a:cs typeface="+mn-lt"/>
-              </a:rPr>
-              <a:t> </a:t>
-            </a:r>
-            <a:r>
-              <a:rPr lang="tr" err="1">
-                <a:ea typeface="+mn-lt"/>
-                <a:cs typeface="+mn-lt"/>
-              </a:rPr>
-              <a:t>point</a:t>
-            </a:r>
-            <a:r>
-              <a:rPr lang="tr">
-                <a:ea typeface="+mn-lt"/>
-                <a:cs typeface="+mn-lt"/>
-              </a:rPr>
-              <a:t> of </a:t>
-            </a:r>
-            <a:r>
-              <a:rPr lang="tr" err="1">
-                <a:ea typeface="+mn-lt"/>
-                <a:cs typeface="+mn-lt"/>
-              </a:rPr>
-              <a:t>the</a:t>
-            </a:r>
-            <a:r>
-              <a:rPr lang="tr">
-                <a:ea typeface="+mn-lt"/>
-                <a:cs typeface="+mn-lt"/>
-              </a:rPr>
-              <a:t> </a:t>
-            </a:r>
-            <a:r>
-              <a:rPr lang="tr" err="1">
-                <a:ea typeface="+mn-lt"/>
-                <a:cs typeface="+mn-lt"/>
-              </a:rPr>
-              <a:t>next</a:t>
-            </a:r>
-            <a:r>
-              <a:rPr lang="tr">
-                <a:ea typeface="+mn-lt"/>
-                <a:cs typeface="+mn-lt"/>
-              </a:rPr>
-              <a:t> is </a:t>
-            </a:r>
-            <a:r>
-              <a:rPr lang="tr" err="1">
-                <a:ea typeface="+mn-lt"/>
-                <a:cs typeface="+mn-lt"/>
-              </a:rPr>
-              <a:t>called</a:t>
-            </a:r>
-            <a:r>
-              <a:rPr lang="tr">
-                <a:ea typeface="+mn-lt"/>
-                <a:cs typeface="+mn-lt"/>
-              </a:rPr>
-              <a:t> </a:t>
-            </a:r>
-            <a:r>
-              <a:rPr lang="tr" err="1">
+              <a:rPr lang="tr">
+                <a:ea typeface="+mn-lt"/>
+                <a:cs typeface="+mn-lt"/>
+              </a:rPr>
+              <a:t>Connecting the exit point of one statement to the entry point of the next is called </a:t>
+            </a:r>
+            <a:r>
+              <a:rPr lang="tr">
                 <a:solidFill>
                   <a:srgbClr val="00B050"/>
                 </a:solidFill>
                 <a:ea typeface="+mn-lt"/>
                 <a:cs typeface="+mn-lt"/>
               </a:rPr>
-              <a:t>control</a:t>
+              <a:t>control statement stacking</a:t>
+            </a:r>
+            <a:r>
+              <a:rPr lang="tr">
+                <a:ea typeface="+mn-lt"/>
+                <a:cs typeface="+mn-lt"/>
+              </a:rPr>
+              <a:t>. When a control statement is inside another, we call that </a:t>
             </a:r>
             <a:r>
               <a:rPr lang="tr">
@@ -11044,192 +10451,7 @@
                 <a:ea typeface="+mn-lt"/>
                 <a:cs typeface="+mn-lt"/>
               </a:rPr>
-              <a:t> </a:t>
-            </a:r>
-            <a:r>
-              <a:rPr lang="tr" err="1">
-                <a:solidFill>
-                  <a:srgbClr val="00B050"/>
-                </a:solidFill>
-                <a:ea typeface="+mn-lt"/>
-                <a:cs typeface="+mn-lt"/>
-              </a:rPr>
-              <a:t>statement</a:t>
-            </a:r>
-            <a:r>
-              <a:rPr lang="tr">
-                <a:solidFill>
-                  <a:srgbClr val="00B050"/>
-                </a:solidFill>
-                <a:ea typeface="+mn-lt"/>
-                <a:cs typeface="+mn-lt"/>
-              </a:rPr>
-              <a:t> </a:t>
-            </a:r>
-            <a:r>
-              <a:rPr lang="tr" err="1">
-                <a:solidFill>
-                  <a:srgbClr val="00B050"/>
-                </a:solidFill>
-                <a:ea typeface="+mn-lt"/>
-                <a:cs typeface="+mn-lt"/>
-              </a:rPr>
-              <a:t>stacking</a:t>
-            </a:r>
-            <a:r>
-              <a:rPr lang="tr">
-                <a:ea typeface="+mn-lt"/>
-                <a:cs typeface="+mn-lt"/>
-              </a:rPr>
-              <a:t>. </a:t>
-            </a:r>
-            <a:r>
-              <a:rPr lang="tr" err="1">
-                <a:ea typeface="+mn-lt"/>
-                <a:cs typeface="+mn-lt"/>
-              </a:rPr>
-              <a:t>When</a:t>
-            </a:r>
-            <a:r>
-              <a:rPr lang="tr">
-                <a:ea typeface="+mn-lt"/>
-                <a:cs typeface="+mn-lt"/>
-              </a:rPr>
-              <a:t> a </a:t>
-            </a:r>
-            <a:r>
-              <a:rPr lang="tr" err="1">
-                <a:ea typeface="+mn-lt"/>
-                <a:cs typeface="+mn-lt"/>
-              </a:rPr>
-              <a:t>control</a:t>
-            </a:r>
-            <a:r>
-              <a:rPr lang="tr">
-                <a:ea typeface="+mn-lt"/>
-                <a:cs typeface="+mn-lt"/>
-              </a:rPr>
-              <a:t> </a:t>
-            </a:r>
-            <a:r>
-              <a:rPr lang="tr" err="1">
-                <a:ea typeface="+mn-lt"/>
-                <a:cs typeface="+mn-lt"/>
-              </a:rPr>
-              <a:t>statement</a:t>
-            </a:r>
-            <a:r>
-              <a:rPr lang="tr">
-                <a:ea typeface="+mn-lt"/>
-                <a:cs typeface="+mn-lt"/>
-              </a:rPr>
-              <a:t> is inside </a:t>
-            </a:r>
-            <a:r>
-              <a:rPr lang="tr" err="1">
-                <a:ea typeface="+mn-lt"/>
-                <a:cs typeface="+mn-lt"/>
-              </a:rPr>
-              <a:t>another</a:t>
-            </a:r>
-            <a:r>
-              <a:rPr lang="tr">
-                <a:ea typeface="+mn-lt"/>
-                <a:cs typeface="+mn-lt"/>
-              </a:rPr>
-              <a:t>, </a:t>
-            </a:r>
-            <a:r>
-              <a:rPr lang="tr" err="1">
-                <a:ea typeface="+mn-lt"/>
-                <a:cs typeface="+mn-lt"/>
-              </a:rPr>
-              <a:t>we</a:t>
-            </a:r>
-            <a:r>
-              <a:rPr lang="tr">
-                <a:ea typeface="+mn-lt"/>
-                <a:cs typeface="+mn-lt"/>
-              </a:rPr>
-              <a:t> </a:t>
-            </a:r>
-            <a:r>
-              <a:rPr lang="tr" err="1">
-                <a:ea typeface="+mn-lt"/>
-                <a:cs typeface="+mn-lt"/>
-              </a:rPr>
-              <a:t>call</a:t>
-            </a:r>
-            <a:r>
-              <a:rPr lang="tr">
-                <a:ea typeface="+mn-lt"/>
-                <a:cs typeface="+mn-lt"/>
-              </a:rPr>
-              <a:t> </a:t>
-            </a:r>
-            <a:r>
-              <a:rPr lang="tr" err="1">
-                <a:ea typeface="+mn-lt"/>
-                <a:cs typeface="+mn-lt"/>
-              </a:rPr>
-              <a:t>that</a:t>
-            </a:r>
-            <a:r>
-              <a:rPr lang="tr">
-                <a:ea typeface="+mn-lt"/>
-                <a:cs typeface="+mn-lt"/>
-              </a:rPr>
-              <a:t> </a:t>
-            </a:r>
-            <a:r>
-              <a:rPr lang="tr" err="1">
-                <a:solidFill>
-                  <a:srgbClr val="00B050"/>
-                </a:solidFill>
-                <a:ea typeface="+mn-lt"/>
-                <a:cs typeface="+mn-lt"/>
-              </a:rPr>
-              <a:t>control</a:t>
-            </a:r>
-            <a:r>
-              <a:rPr lang="tr">
-                <a:solidFill>
-                  <a:srgbClr val="00B050"/>
-                </a:solidFill>
-                <a:ea typeface="+mn-lt"/>
-                <a:cs typeface="+mn-lt"/>
-              </a:rPr>
-              <a:t> </a:t>
-            </a:r>
-            <a:r>
-              <a:rPr lang="tr" err="1">
-                <a:solidFill>
-                  <a:srgbClr val="00B050"/>
-                </a:solidFill>
-                <a:ea typeface="+mn-lt"/>
-                <a:cs typeface="+mn-lt"/>
-              </a:rPr>
-              <a:t>statement</a:t>
-            </a:r>
-            <a:r>
-              <a:rPr lang="tr">
-                <a:solidFill>
-                  <a:srgbClr val="00B050"/>
-                </a:solidFill>
-                <a:ea typeface="+mn-lt"/>
-                <a:cs typeface="+mn-lt"/>
-              </a:rPr>
-              <a:t> </a:t>
-            </a:r>
-            <a:r>
-              <a:rPr lang="tr" err="1">
-                <a:solidFill>
-                  <a:srgbClr val="00B050"/>
-                </a:solidFill>
-                <a:ea typeface="+mn-lt"/>
-                <a:cs typeface="+mn-lt"/>
-              </a:rPr>
-              <a:t>nesting</a:t>
+              <a:t>control statement nesting</a:t>
             </a:r>
             <a:r>
               <a:rPr lang="tr">
@@ -11259,272 +10481,21 @@
           </a:p>
           <a:p>
             <a:r>
-              <a:rPr lang="tr" err="1">
-                <a:ea typeface="+mn-lt"/>
-                <a:cs typeface="+mn-lt"/>
-              </a:rPr>
-              <a:t>Thus</a:t>
-            </a:r>
-            <a:r>
-              <a:rPr lang="tr">
-                <a:ea typeface="+mn-lt"/>
-                <a:cs typeface="+mn-lt"/>
-              </a:rPr>
-              <a:t>, </a:t>
-            </a:r>
-            <a:r>
-              <a:rPr lang="tr" err="1">
-                <a:ea typeface="+mn-lt"/>
-                <a:cs typeface="+mn-lt"/>
-              </a:rPr>
-              <a:t>algorithms</a:t>
-            </a:r>
-            <a:r>
-              <a:rPr lang="tr">
-                <a:ea typeface="+mn-lt"/>
-                <a:cs typeface="+mn-lt"/>
-              </a:rPr>
-              <a:t> in Java </a:t>
-            </a:r>
-            <a:r>
-              <a:rPr lang="tr" err="1">
-                <a:ea typeface="+mn-lt"/>
-                <a:cs typeface="+mn-lt"/>
-              </a:rPr>
-              <a:t>programs</a:t>
-            </a:r>
-            <a:r>
-              <a:rPr lang="tr">
-                <a:ea typeface="+mn-lt"/>
-                <a:cs typeface="+mn-lt"/>
-              </a:rPr>
-              <a:t> </a:t>
-            </a:r>
-            <a:r>
-              <a:rPr lang="tr" err="1">
-                <a:ea typeface="+mn-lt"/>
-                <a:cs typeface="+mn-lt"/>
-              </a:rPr>
-              <a:t>are</a:t>
-            </a:r>
-            <a:r>
-              <a:rPr lang="tr">
-                <a:ea typeface="+mn-lt"/>
-                <a:cs typeface="+mn-lt"/>
-              </a:rPr>
-              <a:t> </a:t>
-            </a:r>
-            <a:r>
-              <a:rPr lang="tr" err="1">
-                <a:ea typeface="+mn-lt"/>
-                <a:cs typeface="+mn-lt"/>
-              </a:rPr>
-              <a:t>constructed</a:t>
-            </a:r>
-            <a:r>
-              <a:rPr lang="tr">
-                <a:ea typeface="+mn-lt"/>
-                <a:cs typeface="+mn-lt"/>
-              </a:rPr>
-              <a:t> </a:t>
-            </a:r>
-            <a:r>
-              <a:rPr lang="tr" err="1">
-                <a:ea typeface="+mn-lt"/>
-                <a:cs typeface="+mn-lt"/>
-              </a:rPr>
-              <a:t>from</a:t>
-            </a:r>
-            <a:r>
-              <a:rPr lang="tr">
-                <a:ea typeface="+mn-lt"/>
-                <a:cs typeface="+mn-lt"/>
-              </a:rPr>
-              <a:t> </a:t>
-            </a:r>
-            <a:r>
-              <a:rPr lang="tr" err="1">
-                <a:ea typeface="+mn-lt"/>
-                <a:cs typeface="+mn-lt"/>
-              </a:rPr>
-              <a:t>only</a:t>
-            </a:r>
-            <a:r>
-              <a:rPr lang="tr">
-                <a:ea typeface="+mn-lt"/>
-                <a:cs typeface="+mn-lt"/>
-              </a:rPr>
-              <a:t> </a:t>
-            </a:r>
-            <a:r>
-              <a:rPr lang="tr" err="1">
-                <a:ea typeface="+mn-lt"/>
-                <a:cs typeface="+mn-lt"/>
-              </a:rPr>
-              <a:t>tree</a:t>
-            </a:r>
-            <a:r>
-              <a:rPr lang="tr">
-                <a:ea typeface="+mn-lt"/>
-                <a:cs typeface="+mn-lt"/>
-              </a:rPr>
-              <a:t> </a:t>
-            </a:r>
-            <a:r>
-              <a:rPr lang="tr" err="1">
-                <a:ea typeface="+mn-lt"/>
-                <a:cs typeface="+mn-lt"/>
-              </a:rPr>
-              <a:t>kinds</a:t>
-            </a:r>
-            <a:r>
-              <a:rPr lang="tr">
-                <a:ea typeface="+mn-lt"/>
-                <a:cs typeface="+mn-lt"/>
-              </a:rPr>
-              <a:t> of </a:t>
-            </a:r>
-            <a:r>
-              <a:rPr lang="tr" err="1">
-                <a:ea typeface="+mn-lt"/>
-                <a:cs typeface="+mn-lt"/>
-              </a:rPr>
-              <a:t>control</a:t>
-            </a:r>
-            <a:r>
-              <a:rPr lang="tr">
-                <a:ea typeface="+mn-lt"/>
-                <a:cs typeface="+mn-lt"/>
-              </a:rPr>
-              <a:t> </a:t>
-            </a:r>
-            <a:r>
-              <a:rPr lang="tr" err="1">
-                <a:ea typeface="+mn-lt"/>
-                <a:cs typeface="+mn-lt"/>
-              </a:rPr>
-              <a:t>statements</a:t>
-            </a:r>
-            <a:r>
-              <a:rPr lang="tr">
-                <a:ea typeface="+mn-lt"/>
-                <a:cs typeface="+mn-lt"/>
-              </a:rPr>
-              <a:t>, </a:t>
-            </a:r>
-            <a:r>
-              <a:rPr lang="tr" err="1">
-                <a:ea typeface="+mn-lt"/>
-                <a:cs typeface="+mn-lt"/>
-              </a:rPr>
-              <a:t>combined</a:t>
-            </a:r>
-            <a:r>
-              <a:rPr lang="tr">
-                <a:ea typeface="+mn-lt"/>
-                <a:cs typeface="+mn-lt"/>
-              </a:rPr>
-              <a:t> in </a:t>
-            </a:r>
-            <a:r>
-              <a:rPr lang="tr" err="1">
-                <a:ea typeface="+mn-lt"/>
-                <a:cs typeface="+mn-lt"/>
-              </a:rPr>
-              <a:t>only</a:t>
-            </a:r>
-            <a:r>
-              <a:rPr lang="tr">
-                <a:ea typeface="+mn-lt"/>
-                <a:cs typeface="+mn-lt"/>
-              </a:rPr>
-              <a:t> </a:t>
-            </a:r>
-            <a:r>
-              <a:rPr lang="tr" err="1">
-                <a:ea typeface="+mn-lt"/>
-                <a:cs typeface="+mn-lt"/>
-              </a:rPr>
-              <a:t>two</a:t>
-            </a:r>
-            <a:r>
-              <a:rPr lang="tr">
-                <a:ea typeface="+mn-lt"/>
-                <a:cs typeface="+mn-lt"/>
-              </a:rPr>
-              <a:t> </a:t>
-            </a:r>
-            <a:r>
-              <a:rPr lang="tr" err="1">
-                <a:ea typeface="+mn-lt"/>
-                <a:cs typeface="+mn-lt"/>
-              </a:rPr>
-              <a:t>ways</a:t>
-            </a:r>
-            <a:r>
-              <a:rPr lang="tr">
-                <a:ea typeface="+mn-lt"/>
-                <a:cs typeface="+mn-lt"/>
-              </a:rPr>
-              <a:t>. </a:t>
-            </a:r>
-            <a:r>
-              <a:rPr lang="tr" err="1">
-                <a:ea typeface="+mn-lt"/>
-                <a:cs typeface="+mn-lt"/>
-              </a:rPr>
-              <a:t>This</a:t>
-            </a:r>
-            <a:r>
-              <a:rPr lang="tr">
-                <a:ea typeface="+mn-lt"/>
-                <a:cs typeface="+mn-lt"/>
-              </a:rPr>
-              <a:t> is </a:t>
-            </a:r>
-            <a:r>
-              <a:rPr lang="tr" err="1">
-                <a:ea typeface="+mn-lt"/>
-                <a:cs typeface="+mn-lt"/>
-              </a:rPr>
-              <a:t>the</a:t>
-            </a:r>
-            <a:r>
-              <a:rPr lang="tr">
-                <a:ea typeface="+mn-lt"/>
-                <a:cs typeface="+mn-lt"/>
-              </a:rPr>
-              <a:t> </a:t>
-            </a:r>
-            <a:r>
-              <a:rPr lang="tr" err="1">
+              <a:rPr lang="tr">
+                <a:ea typeface="+mn-lt"/>
+                <a:cs typeface="+mn-lt"/>
+              </a:rPr>
+              <a:t>Thus, algorithms in Java programs are constructed from only tree kinds of control statements, combined in only two ways. This is the </a:t>
+            </a:r>
+            <a:r>
+              <a:rPr lang="tr">
                 <a:solidFill>
                   <a:srgbClr val="FFC000"/>
                 </a:solidFill>
                 <a:ea typeface="+mn-lt"/>
                 <a:cs typeface="+mn-lt"/>
               </a:rPr>
-              <a:t>essence</a:t>
-            </a:r>
-            <a:r>
-              <a:rPr lang="tr">
-                <a:solidFill>
-                  <a:srgbClr val="FFC000"/>
-                </a:solidFill>
-                <a:ea typeface="+mn-lt"/>
-                <a:cs typeface="+mn-lt"/>
-              </a:rPr>
-              <a:t> of </a:t>
-            </a:r>
-            <a:r>
-              <a:rPr lang="tr" err="1">
-                <a:solidFill>
-                  <a:srgbClr val="FFC000"/>
-                </a:solidFill>
-                <a:ea typeface="+mn-lt"/>
-                <a:cs typeface="+mn-lt"/>
-              </a:rPr>
-              <a:t>simplicity</a:t>
+              <a:t>essence of simplicity</a:t>
             </a:r>
             <a:r>
               <a:rPr lang="tr">
@@ -11545,7 +10516,7 @@
           <p:cNvPr id="7" name="Picture 7" descr="A screenshot of a computer&#10;&#10;Description generated with high confidence">
             <a:extLst>
               <a:ext uri="{FF2B5EF4-FFF2-40B4-BE49-F238E27FC236}">
-                <a16:creationId xmlns:a16="http://schemas.microsoft.com/office/drawing/2014/main" xmlns="" id="{6868AED3-8B33-43DC-9A9C-5D4239B14EA2}"/>
+                <a16:creationId xmlns="" xmlns:a16="http://schemas.microsoft.com/office/drawing/2014/main" id="{6868AED3-8B33-43DC-9A9C-5D4239B14EA2}"/>
               </a:ext>
             </a:extLst>
           </p:cNvPr>
@@ -11555,7 +10526,7 @@
           <p:nvPr/>
         </p:nvPicPr>
         <p:blipFill>
-          <a:blip r:embed="rId2"/>
+          <a:blip r:embed="rId3"/>
           <a:stretch>
             <a:fillRect/>
           </a:stretch>
@@ -11580,13 +10551,6 @@
   <p:clrMapOvr>
     <a:masterClrMapping/>
   </p:clrMapOvr>
-  <p:timing>
-    <p:tnLst>
-      <p:par>
-        <p:cTn id="1" dur="indefinite" restart="never" nodeType="tmRoot"/>
-      </p:par>
-    </p:tnLst>
-  </p:timing>
 </p:sld>
 </file>
 
@@ -11845,7 +10809,7 @@
   <a:extraClrSchemeLst/>
   <a:extLst>
     <a:ext uri="{05A4C25C-085E-4340-85A3-A5531E510DB2}">
-      <thm15:themeFamily xmlns:thm15="http://schemas.microsoft.com/office/thememl/2012/main" xmlns="" name="Office Theme" id="{62F939B6-93AF-4DB8-9C6B-D6C7DFDC589F}" vid="{4A3C46E8-61CC-4603-A589-7422A47A8E4A}"/>
+      <thm15:themeFamily xmlns="" xmlns:thm15="http://schemas.microsoft.com/office/thememl/2012/main" name="Office Theme" id="{62F939B6-93AF-4DB8-9C6B-D6C7DFDC589F}" vid="{4A3C46E8-61CC-4603-A589-7422A47A8E4A}"/>
     </a:ext>
   </a:extLst>
 </a:theme>
@@ -12137,18 +11101,18 @@
 </file>
 
 <file path=customXml/item1.xml><?xml version="1.0" encoding="utf-8"?>
+<p:properties xmlns:p="http://schemas.microsoft.com/office/2006/metadata/properties" xmlns:xsi="http://www.w3.org/2001/XMLSchema-instance" xmlns:pc="http://schemas.microsoft.com/office/infopath/2007/PartnerControls">
+  <documentManagement/>
+</p:properties>
+</file>
+
+<file path=customXml/item2.xml><?xml version="1.0" encoding="utf-8"?>
 <?mso-contentType ?>
 <FormTemplates xmlns="http://schemas.microsoft.com/sharepoint/v3/contenttype/forms">
   <Display>DocumentLibraryForm</Display>
   <Edit>DocumentLibraryForm</Edit>
   <New>DocumentLibraryForm</New>
 </FormTemplates>
-</file>
-
-<file path=customXml/item2.xml><?xml version="1.0" encoding="utf-8"?>
-<p:properties xmlns:p="http://schemas.microsoft.com/office/2006/metadata/properties" xmlns:xsi="http://www.w3.org/2001/XMLSchema-instance" xmlns:pc="http://schemas.microsoft.com/office/infopath/2007/PartnerControls">
-  <documentManagement/>
-</p:properties>
 </file>
 
 <file path=customXml/item3.xml><?xml version="1.0" encoding="utf-8"?>
@@ -12284,18 +11248,18 @@
 </file>
 
 <file path=customXml/itemProps1.xml><?xml version="1.0" encoding="utf-8"?>
-<ds:datastoreItem xmlns:ds="http://schemas.openxmlformats.org/officeDocument/2006/customXml" ds:itemID="{629E706E-155F-495E-847B-5B3A26029A9D}">
+<ds:datastoreItem xmlns:ds="http://schemas.openxmlformats.org/officeDocument/2006/customXml" ds:itemID="{AA5B1F86-D033-4665-8208-79E7E03586F2}">
   <ds:schemaRefs>
-    <ds:schemaRef ds:uri="http://schemas.microsoft.com/sharepoint/v3/contenttype/forms"/>
+    <ds:schemaRef ds:uri="http://schemas.microsoft.com/office/2006/metadata/properties"/>
+    <ds:schemaRef ds:uri="http://schemas.microsoft.com/office/infopath/2007/PartnerControls"/>
   </ds:schemaRefs>
 </ds:datastoreItem>
 </file>
 
 <file path=customXml/itemProps2.xml><?xml version="1.0" encoding="utf-8"?>
-<ds:datastoreItem xmlns:ds="http://schemas.openxmlformats.org/officeDocument/2006/customXml" ds:itemID="{AA5B1F86-D033-4665-8208-79E7E03586F2}">
+<ds:datastoreItem xmlns:ds="http://schemas.openxmlformats.org/officeDocument/2006/customXml" ds:itemID="{629E706E-155F-495E-847B-5B3A26029A9D}">
   <ds:schemaRefs>
-    <ds:schemaRef ds:uri="http://schemas.microsoft.com/office/2006/metadata/properties"/>
-    <ds:schemaRef ds:uri="http://schemas.microsoft.com/office/infopath/2007/PartnerControls"/>
+    <ds:schemaRef ds:uri="http://schemas.microsoft.com/sharepoint/v3/contenttype/forms"/>
   </ds:schemaRefs>
 </ds:datastoreItem>
 </file>
